--- a/99_pranning/卒プレアーカイブ.pptx
+++ b/99_pranning/卒プレアーカイブ.pptx
@@ -4,6 +4,9 @@
   <p:sldMasterIdLst>
     <p:sldMasterId id="2147483660" r:id="rId1"/>
   </p:sldMasterIdLst>
+  <p:notesMasterIdLst>
+    <p:notesMasterId r:id="rId13"/>
+  </p:notesMasterIdLst>
   <p:sldIdLst>
     <p:sldId id="261" r:id="rId2"/>
     <p:sldId id="257" r:id="rId3"/>
@@ -13,8 +16,8 @@
     <p:sldId id="266" r:id="rId7"/>
     <p:sldId id="268" r:id="rId8"/>
     <p:sldId id="262" r:id="rId9"/>
-    <p:sldId id="259" r:id="rId10"/>
-    <p:sldId id="258" r:id="rId11"/>
+    <p:sldId id="258" r:id="rId10"/>
+    <p:sldId id="269" r:id="rId11"/>
     <p:sldId id="260" r:id="rId12"/>
   </p:sldIdLst>
   <p:sldSz cx="6858000" cy="9906000" type="A4"/>
@@ -114,7 +117,585 @@
       </a:defRPr>
     </a:lvl9pPr>
   </p:defaultTextStyle>
+  <p:extLst>
+    <p:ext uri="{EFAFB233-063F-42B5-8137-9DF3F51BA10A}">
+      <p15:sldGuideLst xmlns:p15="http://schemas.microsoft.com/office/powerpoint/2012/main"/>
+    </p:ext>
+  </p:extLst>
 </p:presentation>
+</file>
+
+<file path=ppt/notesMasters/notesMaster1.xml><?xml version="1.0" encoding="utf-8"?>
+<p:notesMaster xmlns:a="http://schemas.openxmlformats.org/drawingml/2006/main" xmlns:r="http://schemas.openxmlformats.org/officeDocument/2006/relationships" xmlns:p="http://schemas.openxmlformats.org/presentationml/2006/main">
+  <p:cSld>
+    <p:bg>
+      <p:bgRef idx="1001">
+        <a:schemeClr val="bg1"/>
+      </p:bgRef>
+    </p:bg>
+    <p:spTree>
+      <p:nvGrpSpPr>
+        <p:cNvPr id="1" name=""/>
+        <p:cNvGrpSpPr/>
+        <p:nvPr/>
+      </p:nvGrpSpPr>
+      <p:grpSpPr>
+        <a:xfrm>
+          <a:off x="0" y="0"/>
+          <a:ext cx="0" cy="0"/>
+          <a:chOff x="0" y="0"/>
+          <a:chExt cx="0" cy="0"/>
+        </a:xfrm>
+      </p:grpSpPr>
+      <p:sp>
+        <p:nvSpPr>
+          <p:cNvPr id="2" name="ヘッダー プレースホルダー 1"/>
+          <p:cNvSpPr>
+            <a:spLocks noGrp="1"/>
+          </p:cNvSpPr>
+          <p:nvPr>
+            <p:ph type="hdr" sz="quarter"/>
+          </p:nvPr>
+        </p:nvSpPr>
+        <p:spPr>
+          <a:xfrm>
+            <a:off x="0" y="0"/>
+            <a:ext cx="2971800" cy="458788"/>
+          </a:xfrm>
+          <a:prstGeom prst="rect">
+            <a:avLst/>
+          </a:prstGeom>
+        </p:spPr>
+        <p:txBody>
+          <a:bodyPr vert="horz" lIns="91440" tIns="45720" rIns="91440" bIns="45720" rtlCol="0"/>
+          <a:lstStyle>
+            <a:lvl1pPr algn="l">
+              <a:defRPr sz="1200"/>
+            </a:lvl1pPr>
+          </a:lstStyle>
+          <a:p>
+            <a:endParaRPr kumimoji="1" lang="ja-JP" altLang="en-US"/>
+          </a:p>
+        </p:txBody>
+      </p:sp>
+      <p:sp>
+        <p:nvSpPr>
+          <p:cNvPr id="3" name="日付プレースホルダー 2"/>
+          <p:cNvSpPr>
+            <a:spLocks noGrp="1"/>
+          </p:cNvSpPr>
+          <p:nvPr>
+            <p:ph type="dt" idx="1"/>
+          </p:nvPr>
+        </p:nvSpPr>
+        <p:spPr>
+          <a:xfrm>
+            <a:off x="3884613" y="0"/>
+            <a:ext cx="2971800" cy="458788"/>
+          </a:xfrm>
+          <a:prstGeom prst="rect">
+            <a:avLst/>
+          </a:prstGeom>
+        </p:spPr>
+        <p:txBody>
+          <a:bodyPr vert="horz" lIns="91440" tIns="45720" rIns="91440" bIns="45720" rtlCol="0"/>
+          <a:lstStyle>
+            <a:lvl1pPr algn="r">
+              <a:defRPr sz="1200"/>
+            </a:lvl1pPr>
+          </a:lstStyle>
+          <a:p>
+            <a:fld id="{B70E9911-4B2A-440C-A2C7-01D6D1C386BF}" type="datetimeFigureOut">
+              <a:rPr kumimoji="1" lang="ja-JP" altLang="en-US" smtClean="0"/>
+              <a:t>2025/2/3</a:t>
+            </a:fld>
+            <a:endParaRPr kumimoji="1" lang="ja-JP" altLang="en-US"/>
+          </a:p>
+        </p:txBody>
+      </p:sp>
+      <p:sp>
+        <p:nvSpPr>
+          <p:cNvPr id="4" name="スライド イメージ プレースホルダー 3"/>
+          <p:cNvSpPr>
+            <a:spLocks noGrp="1" noRot="1" noChangeAspect="1"/>
+          </p:cNvSpPr>
+          <p:nvPr>
+            <p:ph type="sldImg" idx="2"/>
+          </p:nvPr>
+        </p:nvSpPr>
+        <p:spPr>
+          <a:xfrm>
+            <a:off x="2360613" y="1143000"/>
+            <a:ext cx="2136775" cy="3086100"/>
+          </a:xfrm>
+          <a:prstGeom prst="rect">
+            <a:avLst/>
+          </a:prstGeom>
+          <a:noFill/>
+          <a:ln w="12700">
+            <a:solidFill>
+              <a:prstClr val="black"/>
+            </a:solidFill>
+          </a:ln>
+        </p:spPr>
+        <p:txBody>
+          <a:bodyPr vert="horz" lIns="91440" tIns="45720" rIns="91440" bIns="45720" rtlCol="0" anchor="ctr"/>
+          <a:lstStyle/>
+          <a:p>
+            <a:endParaRPr lang="ja-JP" altLang="en-US"/>
+          </a:p>
+        </p:txBody>
+      </p:sp>
+      <p:sp>
+        <p:nvSpPr>
+          <p:cNvPr id="5" name="ノート プレースホルダー 4"/>
+          <p:cNvSpPr>
+            <a:spLocks noGrp="1"/>
+          </p:cNvSpPr>
+          <p:nvPr>
+            <p:ph type="body" sz="quarter" idx="3"/>
+          </p:nvPr>
+        </p:nvSpPr>
+        <p:spPr>
+          <a:xfrm>
+            <a:off x="685800" y="4400550"/>
+            <a:ext cx="5486400" cy="3600450"/>
+          </a:xfrm>
+          <a:prstGeom prst="rect">
+            <a:avLst/>
+          </a:prstGeom>
+        </p:spPr>
+        <p:txBody>
+          <a:bodyPr vert="horz" lIns="91440" tIns="45720" rIns="91440" bIns="45720" rtlCol="0"/>
+          <a:lstStyle/>
+          <a:p>
+            <a:pPr lvl="0"/>
+            <a:r>
+              <a:rPr kumimoji="1" lang="ja-JP" altLang="en-US"/>
+              <a:t>マスター テキストの書式設定</a:t>
+            </a:r>
+          </a:p>
+          <a:p>
+            <a:pPr lvl="1"/>
+            <a:r>
+              <a:rPr kumimoji="1" lang="ja-JP" altLang="en-US"/>
+              <a:t>第 </a:t>
+            </a:r>
+            <a:r>
+              <a:rPr kumimoji="1" lang="en-US" altLang="ja-JP"/>
+              <a:t>2 </a:t>
+            </a:r>
+            <a:r>
+              <a:rPr kumimoji="1" lang="ja-JP" altLang="en-US"/>
+              <a:t>レベル</a:t>
+            </a:r>
+          </a:p>
+          <a:p>
+            <a:pPr lvl="2"/>
+            <a:r>
+              <a:rPr kumimoji="1" lang="ja-JP" altLang="en-US"/>
+              <a:t>第 </a:t>
+            </a:r>
+            <a:r>
+              <a:rPr kumimoji="1" lang="en-US" altLang="ja-JP"/>
+              <a:t>3 </a:t>
+            </a:r>
+            <a:r>
+              <a:rPr kumimoji="1" lang="ja-JP" altLang="en-US"/>
+              <a:t>レベル</a:t>
+            </a:r>
+          </a:p>
+          <a:p>
+            <a:pPr lvl="3"/>
+            <a:r>
+              <a:rPr kumimoji="1" lang="ja-JP" altLang="en-US"/>
+              <a:t>第 </a:t>
+            </a:r>
+            <a:r>
+              <a:rPr kumimoji="1" lang="en-US" altLang="ja-JP"/>
+              <a:t>4 </a:t>
+            </a:r>
+            <a:r>
+              <a:rPr kumimoji="1" lang="ja-JP" altLang="en-US"/>
+              <a:t>レベル</a:t>
+            </a:r>
+          </a:p>
+          <a:p>
+            <a:pPr lvl="4"/>
+            <a:r>
+              <a:rPr kumimoji="1" lang="ja-JP" altLang="en-US"/>
+              <a:t>第 </a:t>
+            </a:r>
+            <a:r>
+              <a:rPr kumimoji="1" lang="en-US" altLang="ja-JP"/>
+              <a:t>5 </a:t>
+            </a:r>
+            <a:r>
+              <a:rPr kumimoji="1" lang="ja-JP" altLang="en-US"/>
+              <a:t>レベル</a:t>
+            </a:r>
+          </a:p>
+        </p:txBody>
+      </p:sp>
+      <p:sp>
+        <p:nvSpPr>
+          <p:cNvPr id="6" name="フッター プレースホルダー 5"/>
+          <p:cNvSpPr>
+            <a:spLocks noGrp="1"/>
+          </p:cNvSpPr>
+          <p:nvPr>
+            <p:ph type="ftr" sz="quarter" idx="4"/>
+          </p:nvPr>
+        </p:nvSpPr>
+        <p:spPr>
+          <a:xfrm>
+            <a:off x="0" y="8685213"/>
+            <a:ext cx="2971800" cy="458787"/>
+          </a:xfrm>
+          <a:prstGeom prst="rect">
+            <a:avLst/>
+          </a:prstGeom>
+        </p:spPr>
+        <p:txBody>
+          <a:bodyPr vert="horz" lIns="91440" tIns="45720" rIns="91440" bIns="45720" rtlCol="0" anchor="b"/>
+          <a:lstStyle>
+            <a:lvl1pPr algn="l">
+              <a:defRPr sz="1200"/>
+            </a:lvl1pPr>
+          </a:lstStyle>
+          <a:p>
+            <a:endParaRPr kumimoji="1" lang="ja-JP" altLang="en-US"/>
+          </a:p>
+        </p:txBody>
+      </p:sp>
+      <p:sp>
+        <p:nvSpPr>
+          <p:cNvPr id="7" name="スライド番号プレースホルダー 6"/>
+          <p:cNvSpPr>
+            <a:spLocks noGrp="1"/>
+          </p:cNvSpPr>
+          <p:nvPr>
+            <p:ph type="sldNum" sz="quarter" idx="5"/>
+          </p:nvPr>
+        </p:nvSpPr>
+        <p:spPr>
+          <a:xfrm>
+            <a:off x="3884613" y="8685213"/>
+            <a:ext cx="2971800" cy="458787"/>
+          </a:xfrm>
+          <a:prstGeom prst="rect">
+            <a:avLst/>
+          </a:prstGeom>
+        </p:spPr>
+        <p:txBody>
+          <a:bodyPr vert="horz" lIns="91440" tIns="45720" rIns="91440" bIns="45720" rtlCol="0" anchor="b"/>
+          <a:lstStyle>
+            <a:lvl1pPr algn="r">
+              <a:defRPr sz="1200"/>
+            </a:lvl1pPr>
+          </a:lstStyle>
+          <a:p>
+            <a:fld id="{6451CB69-BDD3-4089-960E-7866CC82B38B}" type="slidenum">
+              <a:rPr kumimoji="1" lang="ja-JP" altLang="en-US" smtClean="0"/>
+              <a:t>‹#›</a:t>
+            </a:fld>
+            <a:endParaRPr kumimoji="1" lang="ja-JP" altLang="en-US"/>
+          </a:p>
+        </p:txBody>
+      </p:sp>
+    </p:spTree>
+    <p:extLst>
+      <p:ext uri="{BB962C8B-B14F-4D97-AF65-F5344CB8AC3E}">
+        <p14:creationId xmlns:p14="http://schemas.microsoft.com/office/powerpoint/2010/main" val="3863242662"/>
+      </p:ext>
+    </p:extLst>
+  </p:cSld>
+  <p:clrMap bg1="lt1" tx1="dk1" bg2="lt2" tx2="dk2" accent1="accent1" accent2="accent2" accent3="accent3" accent4="accent4" accent5="accent5" accent6="accent6" hlink="hlink" folHlink="folHlink"/>
+  <p:notesStyle>
+    <a:lvl1pPr marL="0" algn="l" defTabSz="914400" rtl="0" eaLnBrk="1" latinLnBrk="0" hangingPunct="1">
+      <a:defRPr kumimoji="1" sz="1200" kern="1200">
+        <a:solidFill>
+          <a:schemeClr val="tx1"/>
+        </a:solidFill>
+        <a:latin typeface="+mn-lt"/>
+        <a:ea typeface="+mn-ea"/>
+        <a:cs typeface="+mn-cs"/>
+      </a:defRPr>
+    </a:lvl1pPr>
+    <a:lvl2pPr marL="457200" algn="l" defTabSz="914400" rtl="0" eaLnBrk="1" latinLnBrk="0" hangingPunct="1">
+      <a:defRPr kumimoji="1" sz="1200" kern="1200">
+        <a:solidFill>
+          <a:schemeClr val="tx1"/>
+        </a:solidFill>
+        <a:latin typeface="+mn-lt"/>
+        <a:ea typeface="+mn-ea"/>
+        <a:cs typeface="+mn-cs"/>
+      </a:defRPr>
+    </a:lvl2pPr>
+    <a:lvl3pPr marL="914400" algn="l" defTabSz="914400" rtl="0" eaLnBrk="1" latinLnBrk="0" hangingPunct="1">
+      <a:defRPr kumimoji="1" sz="1200" kern="1200">
+        <a:solidFill>
+          <a:schemeClr val="tx1"/>
+        </a:solidFill>
+        <a:latin typeface="+mn-lt"/>
+        <a:ea typeface="+mn-ea"/>
+        <a:cs typeface="+mn-cs"/>
+      </a:defRPr>
+    </a:lvl3pPr>
+    <a:lvl4pPr marL="1371600" algn="l" defTabSz="914400" rtl="0" eaLnBrk="1" latinLnBrk="0" hangingPunct="1">
+      <a:defRPr kumimoji="1" sz="1200" kern="1200">
+        <a:solidFill>
+          <a:schemeClr val="tx1"/>
+        </a:solidFill>
+        <a:latin typeface="+mn-lt"/>
+        <a:ea typeface="+mn-ea"/>
+        <a:cs typeface="+mn-cs"/>
+      </a:defRPr>
+    </a:lvl4pPr>
+    <a:lvl5pPr marL="1828800" algn="l" defTabSz="914400" rtl="0" eaLnBrk="1" latinLnBrk="0" hangingPunct="1">
+      <a:defRPr kumimoji="1" sz="1200" kern="1200">
+        <a:solidFill>
+          <a:schemeClr val="tx1"/>
+        </a:solidFill>
+        <a:latin typeface="+mn-lt"/>
+        <a:ea typeface="+mn-ea"/>
+        <a:cs typeface="+mn-cs"/>
+      </a:defRPr>
+    </a:lvl5pPr>
+    <a:lvl6pPr marL="2286000" algn="l" defTabSz="914400" rtl="0" eaLnBrk="1" latinLnBrk="0" hangingPunct="1">
+      <a:defRPr kumimoji="1" sz="1200" kern="1200">
+        <a:solidFill>
+          <a:schemeClr val="tx1"/>
+        </a:solidFill>
+        <a:latin typeface="+mn-lt"/>
+        <a:ea typeface="+mn-ea"/>
+        <a:cs typeface="+mn-cs"/>
+      </a:defRPr>
+    </a:lvl6pPr>
+    <a:lvl7pPr marL="2743200" algn="l" defTabSz="914400" rtl="0" eaLnBrk="1" latinLnBrk="0" hangingPunct="1">
+      <a:defRPr kumimoji="1" sz="1200" kern="1200">
+        <a:solidFill>
+          <a:schemeClr val="tx1"/>
+        </a:solidFill>
+        <a:latin typeface="+mn-lt"/>
+        <a:ea typeface="+mn-ea"/>
+        <a:cs typeface="+mn-cs"/>
+      </a:defRPr>
+    </a:lvl7pPr>
+    <a:lvl8pPr marL="3200400" algn="l" defTabSz="914400" rtl="0" eaLnBrk="1" latinLnBrk="0" hangingPunct="1">
+      <a:defRPr kumimoji="1" sz="1200" kern="1200">
+        <a:solidFill>
+          <a:schemeClr val="tx1"/>
+        </a:solidFill>
+        <a:latin typeface="+mn-lt"/>
+        <a:ea typeface="+mn-ea"/>
+        <a:cs typeface="+mn-cs"/>
+      </a:defRPr>
+    </a:lvl8pPr>
+    <a:lvl9pPr marL="3657600" algn="l" defTabSz="914400" rtl="0" eaLnBrk="1" latinLnBrk="0" hangingPunct="1">
+      <a:defRPr kumimoji="1" sz="1200" kern="1200">
+        <a:solidFill>
+          <a:schemeClr val="tx1"/>
+        </a:solidFill>
+        <a:latin typeface="+mn-lt"/>
+        <a:ea typeface="+mn-ea"/>
+        <a:cs typeface="+mn-cs"/>
+      </a:defRPr>
+    </a:lvl9pPr>
+  </p:notesStyle>
+</p:notesMaster>
+</file>
+
+<file path=ppt/notesSlides/notesSlide1.xml><?xml version="1.0" encoding="utf-8"?>
+<p:notes xmlns:a="http://schemas.openxmlformats.org/drawingml/2006/main" xmlns:r="http://schemas.openxmlformats.org/officeDocument/2006/relationships" xmlns:p="http://schemas.openxmlformats.org/presentationml/2006/main">
+  <p:cSld>
+    <p:spTree>
+      <p:nvGrpSpPr>
+        <p:cNvPr id="1" name=""/>
+        <p:cNvGrpSpPr/>
+        <p:nvPr/>
+      </p:nvGrpSpPr>
+      <p:grpSpPr>
+        <a:xfrm>
+          <a:off x="0" y="0"/>
+          <a:ext cx="0" cy="0"/>
+          <a:chOff x="0" y="0"/>
+          <a:chExt cx="0" cy="0"/>
+        </a:xfrm>
+      </p:grpSpPr>
+      <p:sp>
+        <p:nvSpPr>
+          <p:cNvPr id="2" name="スライド イメージ プレースホルダー 1"/>
+          <p:cNvSpPr>
+            <a:spLocks noGrp="1" noRot="1" noChangeAspect="1"/>
+          </p:cNvSpPr>
+          <p:nvPr>
+            <p:ph type="sldImg"/>
+          </p:nvPr>
+        </p:nvSpPr>
+        <p:spPr/>
+      </p:sp>
+      <p:sp>
+        <p:nvSpPr>
+          <p:cNvPr id="3" name="ノート プレースホルダー 2"/>
+          <p:cNvSpPr>
+            <a:spLocks noGrp="1"/>
+          </p:cNvSpPr>
+          <p:nvPr>
+            <p:ph type="body" idx="1"/>
+          </p:nvPr>
+        </p:nvSpPr>
+        <p:spPr/>
+        <p:txBody>
+          <a:bodyPr/>
+          <a:lstStyle/>
+          <a:p>
+            <a:endParaRPr kumimoji="1" lang="ja-JP" altLang="en-US" dirty="0"/>
+          </a:p>
+        </p:txBody>
+      </p:sp>
+      <p:sp>
+        <p:nvSpPr>
+          <p:cNvPr id="4" name="スライド番号プレースホルダー 3"/>
+          <p:cNvSpPr>
+            <a:spLocks noGrp="1"/>
+          </p:cNvSpPr>
+          <p:nvPr>
+            <p:ph type="sldNum" sz="quarter" idx="5"/>
+          </p:nvPr>
+        </p:nvSpPr>
+        <p:spPr/>
+        <p:txBody>
+          <a:bodyPr/>
+          <a:lstStyle/>
+          <a:p>
+            <a:fld id="{6451CB69-BDD3-4089-960E-7866CC82B38B}" type="slidenum">
+              <a:rPr kumimoji="1" lang="ja-JP" altLang="en-US" smtClean="0"/>
+              <a:t>9</a:t>
+            </a:fld>
+            <a:endParaRPr kumimoji="1" lang="ja-JP" altLang="en-US"/>
+          </a:p>
+        </p:txBody>
+      </p:sp>
+    </p:spTree>
+    <p:extLst>
+      <p:ext uri="{BB962C8B-B14F-4D97-AF65-F5344CB8AC3E}">
+        <p14:creationId xmlns:p14="http://schemas.microsoft.com/office/powerpoint/2010/main" val="2431664228"/>
+      </p:ext>
+    </p:extLst>
+  </p:cSld>
+  <p:clrMapOvr>
+    <a:masterClrMapping/>
+  </p:clrMapOvr>
+</p:notes>
+</file>
+
+<file path=ppt/notesSlides/notesSlide2.xml><?xml version="1.0" encoding="utf-8"?>
+<p:notes xmlns:a="http://schemas.openxmlformats.org/drawingml/2006/main" xmlns:r="http://schemas.openxmlformats.org/officeDocument/2006/relationships" xmlns:p="http://schemas.openxmlformats.org/presentationml/2006/main">
+  <p:cSld>
+    <p:spTree>
+      <p:nvGrpSpPr>
+        <p:cNvPr id="1" name="">
+          <a:extLst>
+            <a:ext uri="{FF2B5EF4-FFF2-40B4-BE49-F238E27FC236}">
+              <a16:creationId xmlns:a16="http://schemas.microsoft.com/office/drawing/2014/main" id="{ED95CD77-7FE9-468B-B3FF-1C13F805FA5E}"/>
+            </a:ext>
+          </a:extLst>
+        </p:cNvPr>
+        <p:cNvGrpSpPr/>
+        <p:nvPr/>
+      </p:nvGrpSpPr>
+      <p:grpSpPr>
+        <a:xfrm>
+          <a:off x="0" y="0"/>
+          <a:ext cx="0" cy="0"/>
+          <a:chOff x="0" y="0"/>
+          <a:chExt cx="0" cy="0"/>
+        </a:xfrm>
+      </p:grpSpPr>
+      <p:sp>
+        <p:nvSpPr>
+          <p:cNvPr id="2" name="スライド イメージ プレースホルダー 1">
+            <a:extLst>
+              <a:ext uri="{FF2B5EF4-FFF2-40B4-BE49-F238E27FC236}">
+                <a16:creationId xmlns:a16="http://schemas.microsoft.com/office/drawing/2014/main" id="{244A7ECA-94CB-9305-8157-2AC49E832131}"/>
+              </a:ext>
+            </a:extLst>
+          </p:cNvPr>
+          <p:cNvSpPr>
+            <a:spLocks noGrp="1" noRot="1" noChangeAspect="1"/>
+          </p:cNvSpPr>
+          <p:nvPr>
+            <p:ph type="sldImg"/>
+          </p:nvPr>
+        </p:nvSpPr>
+        <p:spPr/>
+      </p:sp>
+      <p:sp>
+        <p:nvSpPr>
+          <p:cNvPr id="3" name="ノート プレースホルダー 2">
+            <a:extLst>
+              <a:ext uri="{FF2B5EF4-FFF2-40B4-BE49-F238E27FC236}">
+                <a16:creationId xmlns:a16="http://schemas.microsoft.com/office/drawing/2014/main" id="{6E9260D6-FF7D-FC91-BE25-EAF84748620F}"/>
+              </a:ext>
+            </a:extLst>
+          </p:cNvPr>
+          <p:cNvSpPr>
+            <a:spLocks noGrp="1"/>
+          </p:cNvSpPr>
+          <p:nvPr>
+            <p:ph type="body" idx="1"/>
+          </p:nvPr>
+        </p:nvSpPr>
+        <p:spPr/>
+        <p:txBody>
+          <a:bodyPr/>
+          <a:lstStyle/>
+          <a:p>
+            <a:endParaRPr kumimoji="1" lang="ja-JP" altLang="en-US" dirty="0"/>
+          </a:p>
+        </p:txBody>
+      </p:sp>
+      <p:sp>
+        <p:nvSpPr>
+          <p:cNvPr id="4" name="スライド番号プレースホルダー 3">
+            <a:extLst>
+              <a:ext uri="{FF2B5EF4-FFF2-40B4-BE49-F238E27FC236}">
+                <a16:creationId xmlns:a16="http://schemas.microsoft.com/office/drawing/2014/main" id="{279DA857-14EB-D1F4-E036-D4DB1FF5F18F}"/>
+              </a:ext>
+            </a:extLst>
+          </p:cNvPr>
+          <p:cNvSpPr>
+            <a:spLocks noGrp="1"/>
+          </p:cNvSpPr>
+          <p:nvPr>
+            <p:ph type="sldNum" sz="quarter" idx="5"/>
+          </p:nvPr>
+        </p:nvSpPr>
+        <p:spPr/>
+        <p:txBody>
+          <a:bodyPr/>
+          <a:lstStyle/>
+          <a:p>
+            <a:fld id="{6451CB69-BDD3-4089-960E-7866CC82B38B}" type="slidenum">
+              <a:rPr kumimoji="1" lang="ja-JP" altLang="en-US" smtClean="0"/>
+              <a:t>10</a:t>
+            </a:fld>
+            <a:endParaRPr kumimoji="1" lang="ja-JP" altLang="en-US"/>
+          </a:p>
+        </p:txBody>
+      </p:sp>
+    </p:spTree>
+    <p:extLst>
+      <p:ext uri="{BB962C8B-B14F-4D97-AF65-F5344CB8AC3E}">
+        <p14:creationId xmlns:p14="http://schemas.microsoft.com/office/powerpoint/2010/main" val="1999640510"/>
+      </p:ext>
+    </p:extLst>
+  </p:cSld>
+  <p:clrMapOvr>
+    <a:masterClrMapping/>
+  </p:clrMapOvr>
+</p:notes>
 </file>
 
 <file path=ppt/slideLayouts/slideLayout1.xml><?xml version="1.0" encoding="utf-8"?>
@@ -3289,7 +3870,7 @@
           <a:p>
             <a:r>
               <a:rPr lang="ja-JP" altLang="en-US" dirty="0"/>
-              <a:t>卒プレアーカイブ表紙</a:t>
+              <a:t>チームロゴ</a:t>
             </a:r>
             <a:endParaRPr kumimoji="1" lang="ja-JP" altLang="en-US" dirty="0"/>
           </a:p>
@@ -3297,26 +3878,109 @@
       </p:sp>
       <p:sp>
         <p:nvSpPr>
-          <p:cNvPr id="3" name="コンテンツ プレースホルダー 2">
+          <p:cNvPr id="4" name="タイトル 1">
             <a:extLst>
               <a:ext uri="{FF2B5EF4-FFF2-40B4-BE49-F238E27FC236}">
-                <a16:creationId xmlns:a16="http://schemas.microsoft.com/office/drawing/2014/main" id="{6897F931-DDF9-DB21-FBAE-1DEB3D896504}"/>
+                <a16:creationId xmlns:a16="http://schemas.microsoft.com/office/drawing/2014/main" id="{E10D3FFF-2791-3584-04E3-675B99F8EEAA}"/>
               </a:ext>
             </a:extLst>
           </p:cNvPr>
-          <p:cNvSpPr>
-            <a:spLocks noGrp="1"/>
-          </p:cNvSpPr>
-          <p:nvPr>
-            <p:ph idx="1"/>
-          </p:nvPr>
-        </p:nvSpPr>
-        <p:spPr/>
-        <p:txBody>
-          <a:bodyPr/>
-          <a:lstStyle/>
-          <a:p>
-            <a:endParaRPr kumimoji="1" lang="ja-JP" altLang="en-US"/>
+          <p:cNvSpPr txBox="1">
+            <a:spLocks/>
+          </p:cNvSpPr>
+          <p:nvPr/>
+        </p:nvSpPr>
+        <p:spPr>
+          <a:xfrm>
+            <a:off x="296341" y="1976342"/>
+            <a:ext cx="5915025" cy="1914702"/>
+          </a:xfrm>
+          <a:prstGeom prst="rect">
+            <a:avLst/>
+          </a:prstGeom>
+        </p:spPr>
+        <p:txBody>
+          <a:bodyPr vert="horz" lIns="91440" tIns="45720" rIns="91440" bIns="45720" rtlCol="0" anchor="ctr">
+            <a:normAutofit/>
+          </a:bodyPr>
+          <a:lstStyle>
+            <a:lvl1pPr algn="l" defTabSz="685800" rtl="0" eaLnBrk="1" latinLnBrk="0" hangingPunct="1">
+              <a:lnSpc>
+                <a:spcPct val="90000"/>
+              </a:lnSpc>
+              <a:spcBef>
+                <a:spcPct val="0"/>
+              </a:spcBef>
+              <a:buNone/>
+              <a:defRPr kumimoji="1" sz="3300" kern="1200">
+                <a:solidFill>
+                  <a:schemeClr val="tx1"/>
+                </a:solidFill>
+                <a:latin typeface="+mj-lt"/>
+                <a:ea typeface="+mj-ea"/>
+                <a:cs typeface="+mj-cs"/>
+              </a:defRPr>
+            </a:lvl1pPr>
+          </a:lstStyle>
+          <a:p>
+            <a:r>
+              <a:rPr lang="ja-JP" altLang="en-US" dirty="0"/>
+              <a:t>タイトルロゴ</a:t>
+            </a:r>
+          </a:p>
+        </p:txBody>
+      </p:sp>
+      <p:sp>
+        <p:nvSpPr>
+          <p:cNvPr id="5" name="タイトル 1">
+            <a:extLst>
+              <a:ext uri="{FF2B5EF4-FFF2-40B4-BE49-F238E27FC236}">
+                <a16:creationId xmlns:a16="http://schemas.microsoft.com/office/drawing/2014/main" id="{7B3E1B72-68C3-18C8-D0D1-23EAD862172F}"/>
+              </a:ext>
+            </a:extLst>
+          </p:cNvPr>
+          <p:cNvSpPr txBox="1">
+            <a:spLocks/>
+          </p:cNvSpPr>
+          <p:nvPr/>
+        </p:nvSpPr>
+        <p:spPr>
+          <a:xfrm>
+            <a:off x="296341" y="4100255"/>
+            <a:ext cx="5915025" cy="1914702"/>
+          </a:xfrm>
+          <a:prstGeom prst="rect">
+            <a:avLst/>
+          </a:prstGeom>
+        </p:spPr>
+        <p:txBody>
+          <a:bodyPr vert="horz" lIns="91440" tIns="45720" rIns="91440" bIns="45720" rtlCol="0" anchor="ctr">
+            <a:normAutofit/>
+          </a:bodyPr>
+          <a:lstStyle>
+            <a:lvl1pPr algn="l" defTabSz="685800" rtl="0" eaLnBrk="1" latinLnBrk="0" hangingPunct="1">
+              <a:lnSpc>
+                <a:spcPct val="90000"/>
+              </a:lnSpc>
+              <a:spcBef>
+                <a:spcPct val="0"/>
+              </a:spcBef>
+              <a:buNone/>
+              <a:defRPr kumimoji="1" sz="3300" kern="1200">
+                <a:solidFill>
+                  <a:schemeClr val="tx1"/>
+                </a:solidFill>
+                <a:latin typeface="+mj-lt"/>
+                <a:ea typeface="+mj-ea"/>
+                <a:cs typeface="+mj-cs"/>
+              </a:defRPr>
+            </a:lvl1pPr>
+          </a:lstStyle>
+          <a:p>
+            <a:r>
+              <a:rPr lang="ja-JP" altLang="en-US" dirty="0"/>
+              <a:t>メンバー</a:t>
+            </a:r>
           </a:p>
         </p:txBody>
       </p:sp>
@@ -3338,7 +4002,13 @@
   <p:cSld>
     <p:spTree>
       <p:nvGrpSpPr>
-        <p:cNvPr id="1" name=""/>
+        <p:cNvPr id="1" name="">
+          <a:extLst>
+            <a:ext uri="{FF2B5EF4-FFF2-40B4-BE49-F238E27FC236}">
+              <a16:creationId xmlns:a16="http://schemas.microsoft.com/office/drawing/2014/main" id="{EFAC93C7-47D1-CB15-AA74-8F33D0615A80}"/>
+            </a:ext>
+          </a:extLst>
+        </p:cNvPr>
         <p:cNvGrpSpPr/>
         <p:nvPr/>
       </p:nvGrpSpPr>
@@ -3355,7 +4025,7 @@
           <p:cNvPr id="2" name="タイトル 1">
             <a:extLst>
               <a:ext uri="{FF2B5EF4-FFF2-40B4-BE49-F238E27FC236}">
-                <a16:creationId xmlns:a16="http://schemas.microsoft.com/office/drawing/2014/main" id="{60930674-BAC9-0184-BF5E-031CFBD99F42}"/>
+                <a16:creationId xmlns:a16="http://schemas.microsoft.com/office/drawing/2014/main" id="{8AC5950F-8C0D-3B42-05BA-42B24266CA0C}"/>
               </a:ext>
             </a:extLst>
           </p:cNvPr>
@@ -3366,11 +4036,17 @@
             <p:ph type="title"/>
           </p:nvPr>
         </p:nvSpPr>
-        <p:spPr/>
-        <p:txBody>
-          <a:bodyPr/>
-          <a:lstStyle/>
-          <a:p>
+        <p:spPr>
+          <a:xfrm>
+            <a:off x="471487" y="73555"/>
+            <a:ext cx="5915025" cy="705047"/>
+          </a:xfrm>
+        </p:spPr>
+        <p:txBody>
+          <a:bodyPr/>
+          <a:lstStyle/>
+          <a:p>
+            <a:pPr algn="ctr"/>
             <a:r>
               <a:rPr lang="ja-JP" altLang="en-US" dirty="0"/>
               <a:t>制作を終えての感想</a:t>
@@ -3382,7 +4058,7 @@
     </p:spTree>
     <p:extLst>
       <p:ext uri="{BB962C8B-B14F-4D97-AF65-F5344CB8AC3E}">
-        <p14:creationId xmlns:p14="http://schemas.microsoft.com/office/powerpoint/2010/main" val="2596741565"/>
+        <p14:creationId xmlns:p14="http://schemas.microsoft.com/office/powerpoint/2010/main" val="264940278"/>
       </p:ext>
     </p:extLst>
   </p:cSld>
@@ -4087,7 +4763,7 @@
           <p:cNvPr id="2" name="タイトル 1">
             <a:extLst>
               <a:ext uri="{FF2B5EF4-FFF2-40B4-BE49-F238E27FC236}">
-                <a16:creationId xmlns:a16="http://schemas.microsoft.com/office/drawing/2014/main" id="{EBA69054-6B21-5F8D-4733-0CF516F5F669}"/>
+                <a16:creationId xmlns:a16="http://schemas.microsoft.com/office/drawing/2014/main" id="{60930674-BAC9-0184-BF5E-031CFBD99F42}"/>
               </a:ext>
             </a:extLst>
           </p:cNvPr>
@@ -4098,47 +4774,29 @@
             <p:ph type="title"/>
           </p:nvPr>
         </p:nvSpPr>
-        <p:spPr/>
-        <p:txBody>
-          <a:bodyPr/>
-          <a:lstStyle/>
-          <a:p>
-            <a:r>
-              <a:rPr kumimoji="1" lang="ja-JP" altLang="en-US" dirty="0"/>
-              <a:t>制作秘話</a:t>
-            </a:r>
-          </a:p>
-        </p:txBody>
-      </p:sp>
-      <p:sp>
-        <p:nvSpPr>
-          <p:cNvPr id="3" name="コンテンツ プレースホルダー 2">
-            <a:extLst>
-              <a:ext uri="{FF2B5EF4-FFF2-40B4-BE49-F238E27FC236}">
-                <a16:creationId xmlns:a16="http://schemas.microsoft.com/office/drawing/2014/main" id="{EA3CCD36-14C2-F886-33B0-EC0C883EB526}"/>
-              </a:ext>
-            </a:extLst>
-          </p:cNvPr>
-          <p:cNvSpPr>
-            <a:spLocks noGrp="1"/>
-          </p:cNvSpPr>
-          <p:nvPr>
-            <p:ph idx="1"/>
-          </p:nvPr>
-        </p:nvSpPr>
-        <p:spPr/>
-        <p:txBody>
-          <a:bodyPr/>
-          <a:lstStyle/>
-          <a:p>
-            <a:endParaRPr kumimoji="1" lang="ja-JP" altLang="en-US"/>
+        <p:spPr>
+          <a:xfrm>
+            <a:off x="471487" y="73555"/>
+            <a:ext cx="5915025" cy="705047"/>
+          </a:xfrm>
+        </p:spPr>
+        <p:txBody>
+          <a:bodyPr/>
+          <a:lstStyle/>
+          <a:p>
+            <a:pPr algn="ctr"/>
+            <a:r>
+              <a:rPr lang="ja-JP" altLang="en-US" dirty="0"/>
+              <a:t>制作を終えての感想</a:t>
+            </a:r>
+            <a:endParaRPr kumimoji="1" lang="ja-JP" altLang="en-US" dirty="0"/>
           </a:p>
         </p:txBody>
       </p:sp>
     </p:spTree>
     <p:extLst>
       <p:ext uri="{BB962C8B-B14F-4D97-AF65-F5344CB8AC3E}">
-        <p14:creationId xmlns:p14="http://schemas.microsoft.com/office/powerpoint/2010/main" val="2857355227"/>
+        <p14:creationId xmlns:p14="http://schemas.microsoft.com/office/powerpoint/2010/main" val="2596741565"/>
       </p:ext>
     </p:extLst>
   </p:cSld>
@@ -4461,4 +5119,319 @@
     </a:ext>
   </a:extLst>
 </a:theme>
+</file>
+
+<file path=ppt/theme/theme2.xml><?xml version="1.0" encoding="utf-8"?>
+<a:theme xmlns:a="http://schemas.openxmlformats.org/drawingml/2006/main" name="Office テーマ">
+  <a:themeElements>
+    <a:clrScheme name="Office">
+      <a:dk1>
+        <a:sysClr val="windowText" lastClr="000000"/>
+      </a:dk1>
+      <a:lt1>
+        <a:sysClr val="window" lastClr="FFFFFF"/>
+      </a:lt1>
+      <a:dk2>
+        <a:srgbClr val="0E2841"/>
+      </a:dk2>
+      <a:lt2>
+        <a:srgbClr val="E8E8E8"/>
+      </a:lt2>
+      <a:accent1>
+        <a:srgbClr val="156082"/>
+      </a:accent1>
+      <a:accent2>
+        <a:srgbClr val="E97132"/>
+      </a:accent2>
+      <a:accent3>
+        <a:srgbClr val="196B24"/>
+      </a:accent3>
+      <a:accent4>
+        <a:srgbClr val="0F9ED5"/>
+      </a:accent4>
+      <a:accent5>
+        <a:srgbClr val="A02B93"/>
+      </a:accent5>
+      <a:accent6>
+        <a:srgbClr val="4EA72E"/>
+      </a:accent6>
+      <a:hlink>
+        <a:srgbClr val="467886"/>
+      </a:hlink>
+      <a:folHlink>
+        <a:srgbClr val="96607D"/>
+      </a:folHlink>
+    </a:clrScheme>
+    <a:fontScheme name="Office">
+      <a:majorFont>
+        <a:latin typeface="游ゴシック Light" panose="02110004020202020204"/>
+        <a:ea typeface=""/>
+        <a:cs typeface=""/>
+        <a:font script="Jpan" typeface="游ゴシック Light"/>
+        <a:font script="Hang" typeface="맑은 고딕"/>
+        <a:font script="Hans" typeface="等线 Light"/>
+        <a:font script="Hant" typeface="新細明體"/>
+        <a:font script="Arab" typeface="Times New Roman"/>
+        <a:font script="Hebr" typeface="Times New Roman"/>
+        <a:font script="Thai" typeface="Angsana New"/>
+        <a:font script="Ethi" typeface="Nyala"/>
+        <a:font script="Beng" typeface="Vrinda"/>
+        <a:font script="Gujr" typeface="Shruti"/>
+        <a:font script="Khmr" typeface="MoolBoran"/>
+        <a:font script="Knda" typeface="Tunga"/>
+        <a:font script="Guru" typeface="Raavi"/>
+        <a:font script="Cans" typeface="Euphemia"/>
+        <a:font script="Cher" typeface="Plantagenet Cherokee"/>
+        <a:font script="Yiii" typeface="Microsoft Yi Baiti"/>
+        <a:font script="Tibt" typeface="Microsoft Himalaya"/>
+        <a:font script="Thaa" typeface="MV Boli"/>
+        <a:font script="Deva" typeface="Mangal"/>
+        <a:font script="Telu" typeface="Gautami"/>
+        <a:font script="Taml" typeface="Latha"/>
+        <a:font script="Syrc" typeface="Estrangelo Edessa"/>
+        <a:font script="Orya" typeface="Kalinga"/>
+        <a:font script="Mlym" typeface="Kartika"/>
+        <a:font script="Laoo" typeface="DokChampa"/>
+        <a:font script="Sinh" typeface="Iskoola Pota"/>
+        <a:font script="Mong" typeface="Mongolian Baiti"/>
+        <a:font script="Viet" typeface="Times New Roman"/>
+        <a:font script="Uigh" typeface="Microsoft Uighur"/>
+        <a:font script="Geor" typeface="Sylfaen"/>
+        <a:font script="Armn" typeface="Arial"/>
+        <a:font script="Bugi" typeface="Leelawadee UI"/>
+        <a:font script="Bopo" typeface="Microsoft JhengHei"/>
+        <a:font script="Java" typeface="Javanese Text"/>
+        <a:font script="Lisu" typeface="Segoe UI"/>
+        <a:font script="Mymr" typeface="Myanmar Text"/>
+        <a:font script="Nkoo" typeface="Ebrima"/>
+        <a:font script="Olck" typeface="Nirmala UI"/>
+        <a:font script="Osma" typeface="Ebrima"/>
+        <a:font script="Phag" typeface="Phagspa"/>
+        <a:font script="Syrn" typeface="Estrangelo Edessa"/>
+        <a:font script="Syrj" typeface="Estrangelo Edessa"/>
+        <a:font script="Syre" typeface="Estrangelo Edessa"/>
+        <a:font script="Sora" typeface="Nirmala UI"/>
+        <a:font script="Tale" typeface="Microsoft Tai Le"/>
+        <a:font script="Talu" typeface="Microsoft New Tai Lue"/>
+        <a:font script="Tfng" typeface="Ebrima"/>
+      </a:majorFont>
+      <a:minorFont>
+        <a:latin typeface="游ゴシック" panose="02110004020202020204"/>
+        <a:ea typeface=""/>
+        <a:cs typeface=""/>
+        <a:font script="Jpan" typeface="游ゴシック"/>
+        <a:font script="Hang" typeface="맑은 고딕"/>
+        <a:font script="Hans" typeface="等线"/>
+        <a:font script="Hant" typeface="新細明體"/>
+        <a:font script="Arab" typeface="Arial"/>
+        <a:font script="Hebr" typeface="Arial"/>
+        <a:font script="Thai" typeface="Cordia New"/>
+        <a:font script="Ethi" typeface="Nyala"/>
+        <a:font script="Beng" typeface="Vrinda"/>
+        <a:font script="Gujr" typeface="Shruti"/>
+        <a:font script="Khmr" typeface="DaunPenh"/>
+        <a:font script="Knda" typeface="Tunga"/>
+        <a:font script="Guru" typeface="Raavi"/>
+        <a:font script="Cans" typeface="Euphemia"/>
+        <a:font script="Cher" typeface="Plantagenet Cherokee"/>
+        <a:font script="Yiii" typeface="Microsoft Yi Baiti"/>
+        <a:font script="Tibt" typeface="Microsoft Himalaya"/>
+        <a:font script="Thaa" typeface="MV Boli"/>
+        <a:font script="Deva" typeface="Mangal"/>
+        <a:font script="Telu" typeface="Gautami"/>
+        <a:font script="Taml" typeface="Latha"/>
+        <a:font script="Syrc" typeface="Estrangelo Edessa"/>
+        <a:font script="Orya" typeface="Kalinga"/>
+        <a:font script="Mlym" typeface="Kartika"/>
+        <a:font script="Laoo" typeface="DokChampa"/>
+        <a:font script="Sinh" typeface="Iskoola Pota"/>
+        <a:font script="Mong" typeface="Mongolian Baiti"/>
+        <a:font script="Viet" typeface="Arial"/>
+        <a:font script="Uigh" typeface="Microsoft Uighur"/>
+        <a:font script="Geor" typeface="Sylfaen"/>
+        <a:font script="Armn" typeface="Arial"/>
+        <a:font script="Bugi" typeface="Leelawadee UI"/>
+        <a:font script="Bopo" typeface="Microsoft JhengHei"/>
+        <a:font script="Java" typeface="Javanese Text"/>
+        <a:font script="Lisu" typeface="Segoe UI"/>
+        <a:font script="Mymr" typeface="Myanmar Text"/>
+        <a:font script="Nkoo" typeface="Ebrima"/>
+        <a:font script="Olck" typeface="Nirmala UI"/>
+        <a:font script="Osma" typeface="Ebrima"/>
+        <a:font script="Phag" typeface="Phagspa"/>
+        <a:font script="Syrn" typeface="Estrangelo Edessa"/>
+        <a:font script="Syrj" typeface="Estrangelo Edessa"/>
+        <a:font script="Syre" typeface="Estrangelo Edessa"/>
+        <a:font script="Sora" typeface="Nirmala UI"/>
+        <a:font script="Tale" typeface="Microsoft Tai Le"/>
+        <a:font script="Talu" typeface="Microsoft New Tai Lue"/>
+        <a:font script="Tfng" typeface="Ebrima"/>
+      </a:minorFont>
+    </a:fontScheme>
+    <a:fmtScheme name="Office">
+      <a:fillStyleLst>
+        <a:solidFill>
+          <a:schemeClr val="phClr"/>
+        </a:solidFill>
+        <a:gradFill rotWithShape="1">
+          <a:gsLst>
+            <a:gs pos="0">
+              <a:schemeClr val="phClr">
+                <a:lumMod val="110000"/>
+                <a:satMod val="105000"/>
+                <a:tint val="67000"/>
+              </a:schemeClr>
+            </a:gs>
+            <a:gs pos="50000">
+              <a:schemeClr val="phClr">
+                <a:lumMod val="105000"/>
+                <a:satMod val="103000"/>
+                <a:tint val="73000"/>
+              </a:schemeClr>
+            </a:gs>
+            <a:gs pos="100000">
+              <a:schemeClr val="phClr">
+                <a:lumMod val="105000"/>
+                <a:satMod val="109000"/>
+                <a:tint val="81000"/>
+              </a:schemeClr>
+            </a:gs>
+          </a:gsLst>
+          <a:lin ang="5400000" scaled="0"/>
+        </a:gradFill>
+        <a:gradFill rotWithShape="1">
+          <a:gsLst>
+            <a:gs pos="0">
+              <a:schemeClr val="phClr">
+                <a:satMod val="103000"/>
+                <a:lumMod val="102000"/>
+                <a:tint val="94000"/>
+              </a:schemeClr>
+            </a:gs>
+            <a:gs pos="50000">
+              <a:schemeClr val="phClr">
+                <a:satMod val="110000"/>
+                <a:lumMod val="100000"/>
+                <a:shade val="100000"/>
+              </a:schemeClr>
+            </a:gs>
+            <a:gs pos="100000">
+              <a:schemeClr val="phClr">
+                <a:lumMod val="99000"/>
+                <a:satMod val="120000"/>
+                <a:shade val="78000"/>
+              </a:schemeClr>
+            </a:gs>
+          </a:gsLst>
+          <a:lin ang="5400000" scaled="0"/>
+        </a:gradFill>
+      </a:fillStyleLst>
+      <a:lnStyleLst>
+        <a:ln w="12700" cap="flat" cmpd="sng" algn="ctr">
+          <a:solidFill>
+            <a:schemeClr val="phClr"/>
+          </a:solidFill>
+          <a:prstDash val="solid"/>
+          <a:miter lim="800000"/>
+        </a:ln>
+        <a:ln w="19050" cap="flat" cmpd="sng" algn="ctr">
+          <a:solidFill>
+            <a:schemeClr val="phClr"/>
+          </a:solidFill>
+          <a:prstDash val="solid"/>
+          <a:miter lim="800000"/>
+        </a:ln>
+        <a:ln w="25400" cap="flat" cmpd="sng" algn="ctr">
+          <a:solidFill>
+            <a:schemeClr val="phClr"/>
+          </a:solidFill>
+          <a:prstDash val="solid"/>
+          <a:miter lim="800000"/>
+        </a:ln>
+      </a:lnStyleLst>
+      <a:effectStyleLst>
+        <a:effectStyle>
+          <a:effectLst/>
+        </a:effectStyle>
+        <a:effectStyle>
+          <a:effectLst/>
+        </a:effectStyle>
+        <a:effectStyle>
+          <a:effectLst>
+            <a:outerShdw blurRad="57150" dist="19050" dir="5400000" algn="ctr" rotWithShape="0">
+              <a:srgbClr val="000000">
+                <a:alpha val="63000"/>
+              </a:srgbClr>
+            </a:outerShdw>
+          </a:effectLst>
+        </a:effectStyle>
+      </a:effectStyleLst>
+      <a:bgFillStyleLst>
+        <a:solidFill>
+          <a:schemeClr val="phClr"/>
+        </a:solidFill>
+        <a:solidFill>
+          <a:schemeClr val="phClr">
+            <a:tint val="95000"/>
+            <a:satMod val="170000"/>
+          </a:schemeClr>
+        </a:solidFill>
+        <a:gradFill rotWithShape="1">
+          <a:gsLst>
+            <a:gs pos="0">
+              <a:schemeClr val="phClr">
+                <a:tint val="93000"/>
+                <a:satMod val="150000"/>
+                <a:shade val="98000"/>
+                <a:lumMod val="102000"/>
+              </a:schemeClr>
+            </a:gs>
+            <a:gs pos="50000">
+              <a:schemeClr val="phClr">
+                <a:tint val="98000"/>
+                <a:satMod val="130000"/>
+                <a:shade val="90000"/>
+                <a:lumMod val="103000"/>
+              </a:schemeClr>
+            </a:gs>
+            <a:gs pos="100000">
+              <a:schemeClr val="phClr">
+                <a:shade val="63000"/>
+                <a:satMod val="120000"/>
+              </a:schemeClr>
+            </a:gs>
+          </a:gsLst>
+          <a:lin ang="5400000" scaled="0"/>
+        </a:gradFill>
+      </a:bgFillStyleLst>
+    </a:fmtScheme>
+  </a:themeElements>
+  <a:objectDefaults>
+    <a:lnDef>
+      <a:spPr/>
+      <a:bodyPr/>
+      <a:lstStyle/>
+      <a:style>
+        <a:lnRef idx="2">
+          <a:schemeClr val="accent1"/>
+        </a:lnRef>
+        <a:fillRef idx="0">
+          <a:schemeClr val="accent1"/>
+        </a:fillRef>
+        <a:effectRef idx="1">
+          <a:schemeClr val="accent1"/>
+        </a:effectRef>
+        <a:fontRef idx="minor">
+          <a:schemeClr val="tx1"/>
+        </a:fontRef>
+      </a:style>
+    </a:lnDef>
+  </a:objectDefaults>
+  <a:extraClrSchemeLst/>
+  <a:extLst>
+    <a:ext uri="{05A4C25C-085E-4340-85A3-A5531E510DB2}">
+      <thm15:themeFamily xmlns:thm15="http://schemas.microsoft.com/office/thememl/2012/main" name="Office Theme" id="{2E142A2C-CD16-42D6-873A-C26D2A0506FA}" vid="{1BDDFF52-6CD6-40A5-AB3C-68EB2F1E4D0A}"/>
+    </a:ext>
+  </a:extLst>
+</a:theme>
 </file>
--- a/99_pranning/卒プレアーカイブ.pptx
+++ b/99_pranning/卒プレアーカイブ.pptx
@@ -5,20 +5,21 @@
     <p:sldMasterId id="2147483660" r:id="rId1"/>
   </p:sldMasterIdLst>
   <p:notesMasterIdLst>
-    <p:notesMasterId r:id="rId13"/>
+    <p:notesMasterId r:id="rId14"/>
   </p:notesMasterIdLst>
   <p:sldIdLst>
     <p:sldId id="261" r:id="rId2"/>
     <p:sldId id="257" r:id="rId3"/>
-    <p:sldId id="267" r:id="rId4"/>
+    <p:sldId id="272" r:id="rId4"/>
     <p:sldId id="263" r:id="rId5"/>
-    <p:sldId id="264" r:id="rId6"/>
-    <p:sldId id="266" r:id="rId7"/>
-    <p:sldId id="268" r:id="rId8"/>
-    <p:sldId id="262" r:id="rId9"/>
-    <p:sldId id="258" r:id="rId10"/>
-    <p:sldId id="269" r:id="rId11"/>
-    <p:sldId id="260" r:id="rId12"/>
+    <p:sldId id="271" r:id="rId6"/>
+    <p:sldId id="267" r:id="rId7"/>
+    <p:sldId id="270" r:id="rId8"/>
+    <p:sldId id="268" r:id="rId9"/>
+    <p:sldId id="262" r:id="rId10"/>
+    <p:sldId id="258" r:id="rId11"/>
+    <p:sldId id="269" r:id="rId12"/>
+    <p:sldId id="260" r:id="rId13"/>
   </p:sldIdLst>
   <p:sldSz cx="6858000" cy="9906000" type="A4"/>
   <p:notesSz cx="6858000" cy="9144000"/>
@@ -571,7 +572,7 @@
           <a:p>
             <a:fld id="{6451CB69-BDD3-4089-960E-7866CC82B38B}" type="slidenum">
               <a:rPr kumimoji="1" lang="ja-JP" altLang="en-US" smtClean="0"/>
-              <a:t>9</a:t>
+              <a:t>10</a:t>
             </a:fld>
             <a:endParaRPr kumimoji="1" lang="ja-JP" altLang="en-US"/>
           </a:p>
@@ -679,7 +680,7 @@
           <a:p>
             <a:fld id="{6451CB69-BDD3-4089-960E-7866CC82B38B}" type="slidenum">
               <a:rPr kumimoji="1" lang="ja-JP" altLang="en-US" smtClean="0"/>
-              <a:t>10</a:t>
+              <a:t>11</a:t>
             </a:fld>
             <a:endParaRPr kumimoji="1" lang="ja-JP" altLang="en-US"/>
           </a:p>
@@ -4002,6 +4003,71 @@
   <p:cSld>
     <p:spTree>
       <p:nvGrpSpPr>
+        <p:cNvPr id="1" name=""/>
+        <p:cNvGrpSpPr/>
+        <p:nvPr/>
+      </p:nvGrpSpPr>
+      <p:grpSpPr>
+        <a:xfrm>
+          <a:off x="0" y="0"/>
+          <a:ext cx="0" cy="0"/>
+          <a:chOff x="0" y="0"/>
+          <a:chExt cx="0" cy="0"/>
+        </a:xfrm>
+      </p:grpSpPr>
+      <p:sp>
+        <p:nvSpPr>
+          <p:cNvPr id="2" name="タイトル 1">
+            <a:extLst>
+              <a:ext uri="{FF2B5EF4-FFF2-40B4-BE49-F238E27FC236}">
+                <a16:creationId xmlns:a16="http://schemas.microsoft.com/office/drawing/2014/main" id="{60930674-BAC9-0184-BF5E-031CFBD99F42}"/>
+              </a:ext>
+            </a:extLst>
+          </p:cNvPr>
+          <p:cNvSpPr>
+            <a:spLocks noGrp="1"/>
+          </p:cNvSpPr>
+          <p:nvPr>
+            <p:ph type="title"/>
+          </p:nvPr>
+        </p:nvSpPr>
+        <p:spPr>
+          <a:xfrm>
+            <a:off x="471487" y="73555"/>
+            <a:ext cx="5915025" cy="705047"/>
+          </a:xfrm>
+        </p:spPr>
+        <p:txBody>
+          <a:bodyPr/>
+          <a:lstStyle/>
+          <a:p>
+            <a:pPr algn="ctr"/>
+            <a:r>
+              <a:rPr lang="ja-JP" altLang="en-US" dirty="0"/>
+              <a:t>制作を終えての感想</a:t>
+            </a:r>
+            <a:endParaRPr kumimoji="1" lang="ja-JP" altLang="en-US" dirty="0"/>
+          </a:p>
+        </p:txBody>
+      </p:sp>
+    </p:spTree>
+    <p:extLst>
+      <p:ext uri="{BB962C8B-B14F-4D97-AF65-F5344CB8AC3E}">
+        <p14:creationId xmlns:p14="http://schemas.microsoft.com/office/powerpoint/2010/main" val="2596741565"/>
+      </p:ext>
+    </p:extLst>
+  </p:cSld>
+  <p:clrMapOvr>
+    <a:masterClrMapping/>
+  </p:clrMapOvr>
+</p:sld>
+</file>
+
+<file path=ppt/slides/slide11.xml><?xml version="1.0" encoding="utf-8"?>
+<p:sld xmlns:a="http://schemas.openxmlformats.org/drawingml/2006/main" xmlns:r="http://schemas.openxmlformats.org/officeDocument/2006/relationships" xmlns:p="http://schemas.openxmlformats.org/presentationml/2006/main">
+  <p:cSld>
+    <p:spTree>
+      <p:nvGrpSpPr>
         <p:cNvPr id="1" name="">
           <a:extLst>
             <a:ext uri="{FF2B5EF4-FFF2-40B4-BE49-F238E27FC236}">
@@ -4068,7 +4134,7 @@
 </p:sld>
 </file>
 
-<file path=ppt/slides/slide11.xml><?xml version="1.0" encoding="utf-8"?>
+<file path=ppt/slides/slide12.xml><?xml version="1.0" encoding="utf-8"?>
 <p:sld xmlns:a="http://schemas.openxmlformats.org/drawingml/2006/main" xmlns:r="http://schemas.openxmlformats.org/officeDocument/2006/relationships" xmlns:p="http://schemas.openxmlformats.org/presentationml/2006/main">
   <p:cSld>
     <p:spTree>
@@ -4240,7 +4306,13 @@
   <p:cSld>
     <p:spTree>
       <p:nvGrpSpPr>
-        <p:cNvPr id="1" name=""/>
+        <p:cNvPr id="1" name="">
+          <a:extLst>
+            <a:ext uri="{FF2B5EF4-FFF2-40B4-BE49-F238E27FC236}">
+              <a16:creationId xmlns:a16="http://schemas.microsoft.com/office/drawing/2014/main" id="{B375D95B-A76E-7FCA-C4A1-1C2E47D12229}"/>
+            </a:ext>
+          </a:extLst>
+        </p:cNvPr>
         <p:cNvGrpSpPr/>
         <p:nvPr/>
       </p:nvGrpSpPr>
@@ -4257,7 +4329,7 @@
           <p:cNvPr id="2" name="タイトル 1">
             <a:extLst>
               <a:ext uri="{FF2B5EF4-FFF2-40B4-BE49-F238E27FC236}">
-                <a16:creationId xmlns:a16="http://schemas.microsoft.com/office/drawing/2014/main" id="{D181CCE2-B26D-FC9E-C827-A88FC9E01C4F}"/>
+                <a16:creationId xmlns:a16="http://schemas.microsoft.com/office/drawing/2014/main" id="{D47883B2-D4B4-EDA6-328E-0050D6226D7E}"/>
               </a:ext>
             </a:extLst>
           </p:cNvPr>
@@ -4274,10 +4346,9 @@
           <a:lstStyle/>
           <a:p>
             <a:r>
-              <a:rPr lang="ja-JP" altLang="en-US" dirty="0"/>
-              <a:t>キャラクター紹介</a:t>
-            </a:r>
-            <a:endParaRPr kumimoji="1" lang="ja-JP" altLang="en-US" dirty="0"/>
+              <a:rPr kumimoji="1" lang="ja-JP" altLang="en-US" dirty="0"/>
+              <a:t>ゲーム内容</a:t>
+            </a:r>
           </a:p>
         </p:txBody>
       </p:sp>
@@ -4286,7 +4357,7 @@
           <p:cNvPr id="3" name="コンテンツ プレースホルダー 2">
             <a:extLst>
               <a:ext uri="{FF2B5EF4-FFF2-40B4-BE49-F238E27FC236}">
-                <a16:creationId xmlns:a16="http://schemas.microsoft.com/office/drawing/2014/main" id="{1F00CA17-F50D-1A40-8EDE-A6636696EE6D}"/>
+                <a16:creationId xmlns:a16="http://schemas.microsoft.com/office/drawing/2014/main" id="{5D5F5581-A775-F281-5F92-6FC8874315F6}"/>
               </a:ext>
             </a:extLst>
           </p:cNvPr>
@@ -4302,14 +4373,14 @@
           <a:bodyPr/>
           <a:lstStyle/>
           <a:p>
-            <a:endParaRPr kumimoji="1" lang="ja-JP" altLang="en-US" dirty="0"/>
+            <a:endParaRPr kumimoji="1" lang="ja-JP" altLang="en-US"/>
           </a:p>
         </p:txBody>
       </p:sp>
     </p:spTree>
     <p:extLst>
       <p:ext uri="{BB962C8B-B14F-4D97-AF65-F5344CB8AC3E}">
-        <p14:creationId xmlns:p14="http://schemas.microsoft.com/office/powerpoint/2010/main" val="1675008022"/>
+        <p14:creationId xmlns:p14="http://schemas.microsoft.com/office/powerpoint/2010/main" val="4118575419"/>
       </p:ext>
     </p:extLst>
   </p:cSld>
@@ -4407,7 +4478,13 @@
   <p:cSld>
     <p:spTree>
       <p:nvGrpSpPr>
-        <p:cNvPr id="1" name=""/>
+        <p:cNvPr id="1" name="">
+          <a:extLst>
+            <a:ext uri="{FF2B5EF4-FFF2-40B4-BE49-F238E27FC236}">
+              <a16:creationId xmlns:a16="http://schemas.microsoft.com/office/drawing/2014/main" id="{A7FC5CF3-6923-0F2D-18D1-BD0C8277339D}"/>
+            </a:ext>
+          </a:extLst>
+        </p:cNvPr>
         <p:cNvGrpSpPr/>
         <p:nvPr/>
       </p:nvGrpSpPr>
@@ -4424,7 +4501,7 @@
           <p:cNvPr id="2" name="タイトル 1">
             <a:extLst>
               <a:ext uri="{FF2B5EF4-FFF2-40B4-BE49-F238E27FC236}">
-                <a16:creationId xmlns:a16="http://schemas.microsoft.com/office/drawing/2014/main" id="{7D1ACC00-0BC7-3BA2-B62D-397D90403F03}"/>
+                <a16:creationId xmlns:a16="http://schemas.microsoft.com/office/drawing/2014/main" id="{7E3B84E7-7200-22D6-FE47-9DDF4E8EFF75}"/>
               </a:ext>
             </a:extLst>
           </p:cNvPr>
@@ -4441,10 +4518,9 @@
           <a:lstStyle/>
           <a:p>
             <a:r>
-              <a:rPr lang="ja-JP" altLang="en-US" dirty="0"/>
-              <a:t>ブース設計</a:t>
-            </a:r>
-            <a:endParaRPr kumimoji="1" lang="ja-JP" altLang="en-US" dirty="0"/>
+              <a:rPr kumimoji="1" lang="ja-JP" altLang="en-US" dirty="0"/>
+              <a:t>ゲーム内容</a:t>
+            </a:r>
           </a:p>
         </p:txBody>
       </p:sp>
@@ -4453,7 +4529,7 @@
           <p:cNvPr id="3" name="コンテンツ プレースホルダー 2">
             <a:extLst>
               <a:ext uri="{FF2B5EF4-FFF2-40B4-BE49-F238E27FC236}">
-                <a16:creationId xmlns:a16="http://schemas.microsoft.com/office/drawing/2014/main" id="{F9E79658-9E1C-4E1B-3FA9-E4D0B98DFB58}"/>
+                <a16:creationId xmlns:a16="http://schemas.microsoft.com/office/drawing/2014/main" id="{19BBA507-E3C5-0192-DD70-12C6AB5EB5A6}"/>
               </a:ext>
             </a:extLst>
           </p:cNvPr>
@@ -4476,7 +4552,7 @@
     </p:spTree>
     <p:extLst>
       <p:ext uri="{BB962C8B-B14F-4D97-AF65-F5344CB8AC3E}">
-        <p14:creationId xmlns:p14="http://schemas.microsoft.com/office/powerpoint/2010/main" val="362140844"/>
+        <p14:creationId xmlns:p14="http://schemas.microsoft.com/office/powerpoint/2010/main" val="924383634"/>
       </p:ext>
     </p:extLst>
   </p:cSld>
@@ -4508,7 +4584,7 @@
           <p:cNvPr id="2" name="タイトル 1">
             <a:extLst>
               <a:ext uri="{FF2B5EF4-FFF2-40B4-BE49-F238E27FC236}">
-                <a16:creationId xmlns:a16="http://schemas.microsoft.com/office/drawing/2014/main" id="{D97F5BE7-5E9D-76A6-E991-BFC03672AE27}"/>
+                <a16:creationId xmlns:a16="http://schemas.microsoft.com/office/drawing/2014/main" id="{D181CCE2-B26D-FC9E-C827-A88FC9E01C4F}"/>
               </a:ext>
             </a:extLst>
           </p:cNvPr>
@@ -4526,8 +4602,21 @@
           <a:p>
             <a:r>
               <a:rPr kumimoji="1" lang="ja-JP" altLang="en-US" dirty="0"/>
-              <a:t>当日の様子</a:t>
-            </a:r>
+              <a:t>制作の様子</a:t>
+            </a:r>
+            <a:r>
+              <a:rPr kumimoji="1" lang="en-US" altLang="ja-JP" dirty="0"/>
+              <a:t>(</a:t>
+            </a:r>
+            <a:r>
+              <a:rPr kumimoji="1" lang="ja-JP" altLang="en-US" dirty="0"/>
+              <a:t>ブース設計</a:t>
+            </a:r>
+            <a:r>
+              <a:rPr kumimoji="1" lang="en-US" altLang="ja-JP" dirty="0"/>
+              <a:t>)</a:t>
+            </a:r>
+            <a:endParaRPr kumimoji="1" lang="ja-JP" altLang="en-US" dirty="0"/>
           </a:p>
         </p:txBody>
       </p:sp>
@@ -4536,7 +4625,7 @@
           <p:cNvPr id="3" name="コンテンツ プレースホルダー 2">
             <a:extLst>
               <a:ext uri="{FF2B5EF4-FFF2-40B4-BE49-F238E27FC236}">
-                <a16:creationId xmlns:a16="http://schemas.microsoft.com/office/drawing/2014/main" id="{893BC7F8-A6F5-389B-AE8F-6AFE426D313B}"/>
+                <a16:creationId xmlns:a16="http://schemas.microsoft.com/office/drawing/2014/main" id="{1F00CA17-F50D-1A40-8EDE-A6636696EE6D}"/>
               </a:ext>
             </a:extLst>
           </p:cNvPr>
@@ -4552,14 +4641,14 @@
           <a:bodyPr/>
           <a:lstStyle/>
           <a:p>
-            <a:endParaRPr kumimoji="1" lang="ja-JP" altLang="en-US"/>
+            <a:endParaRPr kumimoji="1" lang="ja-JP" altLang="en-US" dirty="0"/>
           </a:p>
         </p:txBody>
       </p:sp>
     </p:spTree>
     <p:extLst>
       <p:ext uri="{BB962C8B-B14F-4D97-AF65-F5344CB8AC3E}">
-        <p14:creationId xmlns:p14="http://schemas.microsoft.com/office/powerpoint/2010/main" val="3988636966"/>
+        <p14:creationId xmlns:p14="http://schemas.microsoft.com/office/powerpoint/2010/main" val="1675008022"/>
       </p:ext>
     </p:extLst>
   </p:cSld>
@@ -4570,6 +4659,95 @@
 </file>
 
 <file path=ppt/slides/slide7.xml><?xml version="1.0" encoding="utf-8"?>
+<p:sld xmlns:a="http://schemas.openxmlformats.org/drawingml/2006/main" xmlns:r="http://schemas.openxmlformats.org/officeDocument/2006/relationships" xmlns:p="http://schemas.openxmlformats.org/presentationml/2006/main">
+  <p:cSld>
+    <p:spTree>
+      <p:nvGrpSpPr>
+        <p:cNvPr id="1" name="">
+          <a:extLst>
+            <a:ext uri="{FF2B5EF4-FFF2-40B4-BE49-F238E27FC236}">
+              <a16:creationId xmlns:a16="http://schemas.microsoft.com/office/drawing/2014/main" id="{3E31719A-B556-F041-7AE8-1DCF6F6A8E0C}"/>
+            </a:ext>
+          </a:extLst>
+        </p:cNvPr>
+        <p:cNvGrpSpPr/>
+        <p:nvPr/>
+      </p:nvGrpSpPr>
+      <p:grpSpPr>
+        <a:xfrm>
+          <a:off x="0" y="0"/>
+          <a:ext cx="0" cy="0"/>
+          <a:chOff x="0" y="0"/>
+          <a:chExt cx="0" cy="0"/>
+        </a:xfrm>
+      </p:grpSpPr>
+      <p:sp>
+        <p:nvSpPr>
+          <p:cNvPr id="2" name="タイトル 1">
+            <a:extLst>
+              <a:ext uri="{FF2B5EF4-FFF2-40B4-BE49-F238E27FC236}">
+                <a16:creationId xmlns:a16="http://schemas.microsoft.com/office/drawing/2014/main" id="{36FD7F31-CD05-E7D2-B2C9-FC38F7998ECC}"/>
+              </a:ext>
+            </a:extLst>
+          </p:cNvPr>
+          <p:cNvSpPr>
+            <a:spLocks noGrp="1"/>
+          </p:cNvSpPr>
+          <p:nvPr>
+            <p:ph type="title"/>
+          </p:nvPr>
+        </p:nvSpPr>
+        <p:spPr/>
+        <p:txBody>
+          <a:bodyPr/>
+          <a:lstStyle/>
+          <a:p>
+            <a:r>
+              <a:rPr kumimoji="1" lang="ja-JP" altLang="en-US" dirty="0"/>
+              <a:t>当日の様子</a:t>
+            </a:r>
+          </a:p>
+        </p:txBody>
+      </p:sp>
+      <p:sp>
+        <p:nvSpPr>
+          <p:cNvPr id="3" name="コンテンツ プレースホルダー 2">
+            <a:extLst>
+              <a:ext uri="{FF2B5EF4-FFF2-40B4-BE49-F238E27FC236}">
+                <a16:creationId xmlns:a16="http://schemas.microsoft.com/office/drawing/2014/main" id="{3D08AF3E-0A16-BBA6-9C66-2D65580B4D97}"/>
+              </a:ext>
+            </a:extLst>
+          </p:cNvPr>
+          <p:cNvSpPr>
+            <a:spLocks noGrp="1"/>
+          </p:cNvSpPr>
+          <p:nvPr>
+            <p:ph idx="1"/>
+          </p:nvPr>
+        </p:nvSpPr>
+        <p:spPr/>
+        <p:txBody>
+          <a:bodyPr/>
+          <a:lstStyle/>
+          <a:p>
+            <a:endParaRPr kumimoji="1" lang="ja-JP" altLang="en-US" dirty="0"/>
+          </a:p>
+        </p:txBody>
+      </p:sp>
+    </p:spTree>
+    <p:extLst>
+      <p:ext uri="{BB962C8B-B14F-4D97-AF65-F5344CB8AC3E}">
+        <p14:creationId xmlns:p14="http://schemas.microsoft.com/office/powerpoint/2010/main" val="3106265540"/>
+      </p:ext>
+    </p:extLst>
+  </p:cSld>
+  <p:clrMapOvr>
+    <a:masterClrMapping/>
+  </p:clrMapOvr>
+</p:sld>
+</file>
+
+<file path=ppt/slides/slide8.xml><?xml version="1.0" encoding="utf-8"?>
 <p:sld xmlns:a="http://schemas.openxmlformats.org/drawingml/2006/main" xmlns:r="http://schemas.openxmlformats.org/officeDocument/2006/relationships" xmlns:p="http://schemas.openxmlformats.org/presentationml/2006/main">
   <p:cSld>
     <p:spTree>
@@ -4615,7 +4793,7 @@
           <a:p>
             <a:r>
               <a:rPr kumimoji="1" lang="ja-JP" altLang="en-US" dirty="0"/>
-              <a:t>スケジュール</a:t>
+              <a:t>想定したスケジュール</a:t>
             </a:r>
           </a:p>
         </p:txBody>
@@ -4649,89 +4827,6 @@
     <p:extLst>
       <p:ext uri="{BB962C8B-B14F-4D97-AF65-F5344CB8AC3E}">
         <p14:creationId xmlns:p14="http://schemas.microsoft.com/office/powerpoint/2010/main" val="4024132297"/>
-      </p:ext>
-    </p:extLst>
-  </p:cSld>
-  <p:clrMapOvr>
-    <a:masterClrMapping/>
-  </p:clrMapOvr>
-</p:sld>
-</file>
-
-<file path=ppt/slides/slide8.xml><?xml version="1.0" encoding="utf-8"?>
-<p:sld xmlns:a="http://schemas.openxmlformats.org/drawingml/2006/main" xmlns:r="http://schemas.openxmlformats.org/officeDocument/2006/relationships" xmlns:p="http://schemas.openxmlformats.org/presentationml/2006/main">
-  <p:cSld>
-    <p:spTree>
-      <p:nvGrpSpPr>
-        <p:cNvPr id="1" name=""/>
-        <p:cNvGrpSpPr/>
-        <p:nvPr/>
-      </p:nvGrpSpPr>
-      <p:grpSpPr>
-        <a:xfrm>
-          <a:off x="0" y="0"/>
-          <a:ext cx="0" cy="0"/>
-          <a:chOff x="0" y="0"/>
-          <a:chExt cx="0" cy="0"/>
-        </a:xfrm>
-      </p:grpSpPr>
-      <p:sp>
-        <p:nvSpPr>
-          <p:cNvPr id="2" name="タイトル 1">
-            <a:extLst>
-              <a:ext uri="{FF2B5EF4-FFF2-40B4-BE49-F238E27FC236}">
-                <a16:creationId xmlns:a16="http://schemas.microsoft.com/office/drawing/2014/main" id="{FCD76CC1-E58C-A31E-858F-F125D9BD7D95}"/>
-              </a:ext>
-            </a:extLst>
-          </p:cNvPr>
-          <p:cNvSpPr>
-            <a:spLocks noGrp="1"/>
-          </p:cNvSpPr>
-          <p:nvPr>
-            <p:ph type="title"/>
-          </p:nvPr>
-        </p:nvSpPr>
-        <p:spPr/>
-        <p:txBody>
-          <a:bodyPr/>
-          <a:lstStyle/>
-          <a:p>
-            <a:r>
-              <a:rPr kumimoji="1" lang="ja-JP" altLang="en-US" dirty="0"/>
-              <a:t>スケジュール</a:t>
-            </a:r>
-          </a:p>
-        </p:txBody>
-      </p:sp>
-      <p:sp>
-        <p:nvSpPr>
-          <p:cNvPr id="3" name="コンテンツ プレースホルダー 2">
-            <a:extLst>
-              <a:ext uri="{FF2B5EF4-FFF2-40B4-BE49-F238E27FC236}">
-                <a16:creationId xmlns:a16="http://schemas.microsoft.com/office/drawing/2014/main" id="{5F413FC1-F090-B05D-23CD-A85E086D5C41}"/>
-              </a:ext>
-            </a:extLst>
-          </p:cNvPr>
-          <p:cNvSpPr>
-            <a:spLocks noGrp="1"/>
-          </p:cNvSpPr>
-          <p:nvPr>
-            <p:ph idx="1"/>
-          </p:nvPr>
-        </p:nvSpPr>
-        <p:spPr/>
-        <p:txBody>
-          <a:bodyPr/>
-          <a:lstStyle/>
-          <a:p>
-            <a:endParaRPr kumimoji="1" lang="ja-JP" altLang="en-US"/>
-          </a:p>
-        </p:txBody>
-      </p:sp>
-    </p:spTree>
-    <p:extLst>
-      <p:ext uri="{BB962C8B-B14F-4D97-AF65-F5344CB8AC3E}">
-        <p14:creationId xmlns:p14="http://schemas.microsoft.com/office/powerpoint/2010/main" val="4055528768"/>
       </p:ext>
     </p:extLst>
   </p:cSld>
@@ -4763,7 +4858,7 @@
           <p:cNvPr id="2" name="タイトル 1">
             <a:extLst>
               <a:ext uri="{FF2B5EF4-FFF2-40B4-BE49-F238E27FC236}">
-                <a16:creationId xmlns:a16="http://schemas.microsoft.com/office/drawing/2014/main" id="{60930674-BAC9-0184-BF5E-031CFBD99F42}"/>
+                <a16:creationId xmlns:a16="http://schemas.microsoft.com/office/drawing/2014/main" id="{FCD76CC1-E58C-A31E-858F-F125D9BD7D95}"/>
               </a:ext>
             </a:extLst>
           </p:cNvPr>
@@ -4774,29 +4869,47 @@
             <p:ph type="title"/>
           </p:nvPr>
         </p:nvSpPr>
-        <p:spPr>
-          <a:xfrm>
-            <a:off x="471487" y="73555"/>
-            <a:ext cx="5915025" cy="705047"/>
-          </a:xfrm>
-        </p:spPr>
-        <p:txBody>
-          <a:bodyPr/>
-          <a:lstStyle/>
-          <a:p>
-            <a:pPr algn="ctr"/>
-            <a:r>
-              <a:rPr lang="ja-JP" altLang="en-US" dirty="0"/>
-              <a:t>制作を終えての感想</a:t>
-            </a:r>
-            <a:endParaRPr kumimoji="1" lang="ja-JP" altLang="en-US" dirty="0"/>
+        <p:spPr/>
+        <p:txBody>
+          <a:bodyPr/>
+          <a:lstStyle/>
+          <a:p>
+            <a:r>
+              <a:rPr kumimoji="1" lang="ja-JP" altLang="en-US" dirty="0"/>
+              <a:t>実際のスケジュール</a:t>
+            </a:r>
+          </a:p>
+        </p:txBody>
+      </p:sp>
+      <p:sp>
+        <p:nvSpPr>
+          <p:cNvPr id="3" name="コンテンツ プレースホルダー 2">
+            <a:extLst>
+              <a:ext uri="{FF2B5EF4-FFF2-40B4-BE49-F238E27FC236}">
+                <a16:creationId xmlns:a16="http://schemas.microsoft.com/office/drawing/2014/main" id="{5F413FC1-F090-B05D-23CD-A85E086D5C41}"/>
+              </a:ext>
+            </a:extLst>
+          </p:cNvPr>
+          <p:cNvSpPr>
+            <a:spLocks noGrp="1"/>
+          </p:cNvSpPr>
+          <p:nvPr>
+            <p:ph idx="1"/>
+          </p:nvPr>
+        </p:nvSpPr>
+        <p:spPr/>
+        <p:txBody>
+          <a:bodyPr/>
+          <a:lstStyle/>
+          <a:p>
+            <a:endParaRPr kumimoji="1" lang="ja-JP" altLang="en-US"/>
           </a:p>
         </p:txBody>
       </p:sp>
     </p:spTree>
     <p:extLst>
       <p:ext uri="{BB962C8B-B14F-4D97-AF65-F5344CB8AC3E}">
-        <p14:creationId xmlns:p14="http://schemas.microsoft.com/office/powerpoint/2010/main" val="2596741565"/>
+        <p14:creationId xmlns:p14="http://schemas.microsoft.com/office/powerpoint/2010/main" val="4055528768"/>
       </p:ext>
     </p:extLst>
   </p:cSld>

--- a/99_pranning/卒プレアーカイブ.pptx
+++ b/99_pranning/卒プレアーカイブ.pptx
@@ -10,9 +10,9 @@
   <p:sldIdLst>
     <p:sldId id="261" r:id="rId2"/>
     <p:sldId id="257" r:id="rId3"/>
-    <p:sldId id="272" r:id="rId4"/>
-    <p:sldId id="263" r:id="rId5"/>
-    <p:sldId id="271" r:id="rId6"/>
+    <p:sldId id="273" r:id="rId4"/>
+    <p:sldId id="272" r:id="rId5"/>
+    <p:sldId id="263" r:id="rId6"/>
     <p:sldId id="267" r:id="rId7"/>
     <p:sldId id="270" r:id="rId8"/>
     <p:sldId id="268" r:id="rId9"/>
@@ -3985,6 +3985,41 @@
           </a:p>
         </p:txBody>
       </p:sp>
+      <p:sp>
+        <p:nvSpPr>
+          <p:cNvPr id="3" name="テキスト ボックス 2">
+            <a:extLst>
+              <a:ext uri="{FF2B5EF4-FFF2-40B4-BE49-F238E27FC236}">
+                <a16:creationId xmlns:a16="http://schemas.microsoft.com/office/drawing/2014/main" id="{A38E29BC-1BB1-1E87-0804-4C012C89B3EB}"/>
+              </a:ext>
+            </a:extLst>
+          </p:cNvPr>
+          <p:cNvSpPr txBox="1"/>
+          <p:nvPr/>
+        </p:nvSpPr>
+        <p:spPr>
+          <a:xfrm>
+            <a:off x="2620370" y="7260609"/>
+            <a:ext cx="877163" cy="369332"/>
+          </a:xfrm>
+          <a:prstGeom prst="rect">
+            <a:avLst/>
+          </a:prstGeom>
+          <a:noFill/>
+        </p:spPr>
+        <p:txBody>
+          <a:bodyPr wrap="none" rtlCol="0">
+            <a:spAutoFit/>
+          </a:bodyPr>
+          <a:lstStyle/>
+          <a:p>
+            <a:r>
+              <a:rPr kumimoji="1" lang="ja-JP" altLang="en-US" dirty="0"/>
+              <a:t>しおん</a:t>
+            </a:r>
+          </a:p>
+        </p:txBody>
+      </p:sp>
     </p:spTree>
     <p:extLst>
       <p:ext uri="{BB962C8B-B14F-4D97-AF65-F5344CB8AC3E}">
@@ -4200,7 +4235,10 @@
           <a:bodyPr/>
           <a:lstStyle/>
           <a:p>
-            <a:endParaRPr kumimoji="1" lang="ja-JP" altLang="en-US"/>
+            <a:r>
+              <a:rPr kumimoji="1" lang="ja-JP" altLang="en-US" dirty="0"/>
+              <a:t>しおおおおん</a:t>
+            </a:r>
           </a:p>
         </p:txBody>
       </p:sp>
@@ -4284,7 +4322,10 @@
           <a:bodyPr/>
           <a:lstStyle/>
           <a:p>
-            <a:endParaRPr kumimoji="1" lang="ja-JP" altLang="en-US"/>
+            <a:r>
+              <a:rPr kumimoji="1" lang="ja-JP" altLang="en-US" dirty="0"/>
+              <a:t>しおおん</a:t>
+            </a:r>
           </a:p>
         </p:txBody>
       </p:sp>
@@ -4302,6 +4343,92 @@
 </file>
 
 <file path=ppt/slides/slide3.xml><?xml version="1.0" encoding="utf-8"?>
+<p:sld xmlns:a="http://schemas.openxmlformats.org/drawingml/2006/main" xmlns:r="http://schemas.openxmlformats.org/officeDocument/2006/relationships" xmlns:p="http://schemas.openxmlformats.org/presentationml/2006/main">
+  <p:cSld>
+    <p:spTree>
+      <p:nvGrpSpPr>
+        <p:cNvPr id="1" name=""/>
+        <p:cNvGrpSpPr/>
+        <p:nvPr/>
+      </p:nvGrpSpPr>
+      <p:grpSpPr>
+        <a:xfrm>
+          <a:off x="0" y="0"/>
+          <a:ext cx="0" cy="0"/>
+          <a:chOff x="0" y="0"/>
+          <a:chExt cx="0" cy="0"/>
+        </a:xfrm>
+      </p:grpSpPr>
+      <p:sp>
+        <p:nvSpPr>
+          <p:cNvPr id="2" name="タイトル 1">
+            <a:extLst>
+              <a:ext uri="{FF2B5EF4-FFF2-40B4-BE49-F238E27FC236}">
+                <a16:creationId xmlns:a16="http://schemas.microsoft.com/office/drawing/2014/main" id="{14929D62-74E7-C7F1-68D3-717D19ED413E}"/>
+              </a:ext>
+            </a:extLst>
+          </p:cNvPr>
+          <p:cNvSpPr>
+            <a:spLocks noGrp="1"/>
+          </p:cNvSpPr>
+          <p:nvPr>
+            <p:ph type="title"/>
+          </p:nvPr>
+        </p:nvSpPr>
+        <p:spPr/>
+        <p:txBody>
+          <a:bodyPr/>
+          <a:lstStyle/>
+          <a:p>
+            <a:r>
+              <a:rPr kumimoji="1" lang="ja-JP" altLang="en-US" dirty="0"/>
+              <a:t>技術あぴ</a:t>
+            </a:r>
+          </a:p>
+        </p:txBody>
+      </p:sp>
+      <p:sp>
+        <p:nvSpPr>
+          <p:cNvPr id="3" name="コンテンツ プレースホルダー 2">
+            <a:extLst>
+              <a:ext uri="{FF2B5EF4-FFF2-40B4-BE49-F238E27FC236}">
+                <a16:creationId xmlns:a16="http://schemas.microsoft.com/office/drawing/2014/main" id="{54879F89-FFEB-06D4-7303-1B7E1951B1E2}"/>
+              </a:ext>
+            </a:extLst>
+          </p:cNvPr>
+          <p:cNvSpPr>
+            <a:spLocks noGrp="1"/>
+          </p:cNvSpPr>
+          <p:nvPr>
+            <p:ph idx="1"/>
+          </p:nvPr>
+        </p:nvSpPr>
+        <p:spPr/>
+        <p:txBody>
+          <a:bodyPr/>
+          <a:lstStyle/>
+          <a:p>
+            <a:r>
+              <a:rPr kumimoji="1" lang="ja-JP" altLang="en-US" dirty="0"/>
+              <a:t>しおおおん</a:t>
+            </a:r>
+          </a:p>
+        </p:txBody>
+      </p:sp>
+    </p:spTree>
+    <p:extLst>
+      <p:ext uri="{BB962C8B-B14F-4D97-AF65-F5344CB8AC3E}">
+        <p14:creationId xmlns:p14="http://schemas.microsoft.com/office/powerpoint/2010/main" val="2829812448"/>
+      </p:ext>
+    </p:extLst>
+  </p:cSld>
+  <p:clrMapOvr>
+    <a:masterClrMapping/>
+  </p:clrMapOvr>
+</p:sld>
+</file>
+
+<file path=ppt/slides/slide4.xml><?xml version="1.0" encoding="utf-8"?>
 <p:sld xmlns:a="http://schemas.openxmlformats.org/drawingml/2006/main" xmlns:r="http://schemas.openxmlformats.org/officeDocument/2006/relationships" xmlns:p="http://schemas.openxmlformats.org/presentationml/2006/main">
   <p:cSld>
     <p:spTree>
@@ -4373,7 +4500,10 @@
           <a:bodyPr/>
           <a:lstStyle/>
           <a:p>
-            <a:endParaRPr kumimoji="1" lang="ja-JP" altLang="en-US"/>
+            <a:r>
+              <a:rPr kumimoji="1" lang="ja-JP" altLang="en-US" dirty="0"/>
+              <a:t>たにぐち</a:t>
+            </a:r>
           </a:p>
         </p:txBody>
       </p:sp>
@@ -4390,7 +4520,7 @@
 </p:sld>
 </file>
 
-<file path=ppt/slides/slide4.xml><?xml version="1.0" encoding="utf-8"?>
+<file path=ppt/slides/slide5.xml><?xml version="1.0" encoding="utf-8"?>
 <p:sld xmlns:a="http://schemas.openxmlformats.org/drawingml/2006/main" xmlns:r="http://schemas.openxmlformats.org/officeDocument/2006/relationships" xmlns:p="http://schemas.openxmlformats.org/presentationml/2006/main">
   <p:cSld>
     <p:spTree>
@@ -4456,7 +4586,10 @@
           <a:bodyPr/>
           <a:lstStyle/>
           <a:p>
-            <a:endParaRPr kumimoji="1" lang="ja-JP" altLang="en-US"/>
+            <a:r>
+              <a:rPr kumimoji="1" lang="ja-JP" altLang="en-US" dirty="0"/>
+              <a:t>たにぐち</a:t>
+            </a:r>
           </a:p>
         </p:txBody>
       </p:sp>
@@ -4464,95 +4597,6 @@
     <p:extLst>
       <p:ext uri="{BB962C8B-B14F-4D97-AF65-F5344CB8AC3E}">
         <p14:creationId xmlns:p14="http://schemas.microsoft.com/office/powerpoint/2010/main" val="1804615482"/>
-      </p:ext>
-    </p:extLst>
-  </p:cSld>
-  <p:clrMapOvr>
-    <a:masterClrMapping/>
-  </p:clrMapOvr>
-</p:sld>
-</file>
-
-<file path=ppt/slides/slide5.xml><?xml version="1.0" encoding="utf-8"?>
-<p:sld xmlns:a="http://schemas.openxmlformats.org/drawingml/2006/main" xmlns:r="http://schemas.openxmlformats.org/officeDocument/2006/relationships" xmlns:p="http://schemas.openxmlformats.org/presentationml/2006/main">
-  <p:cSld>
-    <p:spTree>
-      <p:nvGrpSpPr>
-        <p:cNvPr id="1" name="">
-          <a:extLst>
-            <a:ext uri="{FF2B5EF4-FFF2-40B4-BE49-F238E27FC236}">
-              <a16:creationId xmlns:a16="http://schemas.microsoft.com/office/drawing/2014/main" id="{A7FC5CF3-6923-0F2D-18D1-BD0C8277339D}"/>
-            </a:ext>
-          </a:extLst>
-        </p:cNvPr>
-        <p:cNvGrpSpPr/>
-        <p:nvPr/>
-      </p:nvGrpSpPr>
-      <p:grpSpPr>
-        <a:xfrm>
-          <a:off x="0" y="0"/>
-          <a:ext cx="0" cy="0"/>
-          <a:chOff x="0" y="0"/>
-          <a:chExt cx="0" cy="0"/>
-        </a:xfrm>
-      </p:grpSpPr>
-      <p:sp>
-        <p:nvSpPr>
-          <p:cNvPr id="2" name="タイトル 1">
-            <a:extLst>
-              <a:ext uri="{FF2B5EF4-FFF2-40B4-BE49-F238E27FC236}">
-                <a16:creationId xmlns:a16="http://schemas.microsoft.com/office/drawing/2014/main" id="{7E3B84E7-7200-22D6-FE47-9DDF4E8EFF75}"/>
-              </a:ext>
-            </a:extLst>
-          </p:cNvPr>
-          <p:cNvSpPr>
-            <a:spLocks noGrp="1"/>
-          </p:cNvSpPr>
-          <p:nvPr>
-            <p:ph type="title"/>
-          </p:nvPr>
-        </p:nvSpPr>
-        <p:spPr/>
-        <p:txBody>
-          <a:bodyPr/>
-          <a:lstStyle/>
-          <a:p>
-            <a:r>
-              <a:rPr kumimoji="1" lang="ja-JP" altLang="en-US" dirty="0"/>
-              <a:t>ゲーム内容</a:t>
-            </a:r>
-          </a:p>
-        </p:txBody>
-      </p:sp>
-      <p:sp>
-        <p:nvSpPr>
-          <p:cNvPr id="3" name="コンテンツ プレースホルダー 2">
-            <a:extLst>
-              <a:ext uri="{FF2B5EF4-FFF2-40B4-BE49-F238E27FC236}">
-                <a16:creationId xmlns:a16="http://schemas.microsoft.com/office/drawing/2014/main" id="{19BBA507-E3C5-0192-DD70-12C6AB5EB5A6}"/>
-              </a:ext>
-            </a:extLst>
-          </p:cNvPr>
-          <p:cNvSpPr>
-            <a:spLocks noGrp="1"/>
-          </p:cNvSpPr>
-          <p:nvPr>
-            <p:ph idx="1"/>
-          </p:nvPr>
-        </p:nvSpPr>
-        <p:spPr/>
-        <p:txBody>
-          <a:bodyPr/>
-          <a:lstStyle/>
-          <a:p>
-            <a:endParaRPr kumimoji="1" lang="ja-JP" altLang="en-US"/>
-          </a:p>
-        </p:txBody>
-      </p:sp>
-    </p:spTree>
-    <p:extLst>
-      <p:ext uri="{BB962C8B-B14F-4D97-AF65-F5344CB8AC3E}">
-        <p14:creationId xmlns:p14="http://schemas.microsoft.com/office/powerpoint/2010/main" val="924383634"/>
       </p:ext>
     </p:extLst>
   </p:cSld>
@@ -4641,7 +4685,10 @@
           <a:bodyPr/>
           <a:lstStyle/>
           <a:p>
-            <a:endParaRPr kumimoji="1" lang="ja-JP" altLang="en-US" dirty="0"/>
+            <a:r>
+              <a:rPr kumimoji="1" lang="ja-JP" altLang="en-US" dirty="0"/>
+              <a:t>おるた</a:t>
+            </a:r>
           </a:p>
         </p:txBody>
       </p:sp>
@@ -4730,7 +4777,10 @@
           <a:bodyPr/>
           <a:lstStyle/>
           <a:p>
-            <a:endParaRPr kumimoji="1" lang="ja-JP" altLang="en-US" dirty="0"/>
+            <a:r>
+              <a:rPr kumimoji="1" lang="ja-JP" altLang="en-US" dirty="0"/>
+              <a:t>おるた</a:t>
+            </a:r>
           </a:p>
         </p:txBody>
       </p:sp>
@@ -4819,7 +4869,10 @@
           <a:bodyPr/>
           <a:lstStyle/>
           <a:p>
-            <a:endParaRPr kumimoji="1" lang="ja-JP" altLang="en-US"/>
+            <a:r>
+              <a:rPr kumimoji="1" lang="ja-JP" altLang="en-US" dirty="0"/>
+              <a:t>かなざき</a:t>
+            </a:r>
           </a:p>
         </p:txBody>
       </p:sp>
@@ -4902,7 +4955,10 @@
           <a:bodyPr/>
           <a:lstStyle/>
           <a:p>
-            <a:endParaRPr kumimoji="1" lang="ja-JP" altLang="en-US"/>
+            <a:r>
+              <a:rPr kumimoji="1" lang="ja-JP" altLang="en-US" dirty="0"/>
+              <a:t>かなざき</a:t>
+            </a:r>
           </a:p>
         </p:txBody>
       </p:sp>

--- a/99_pranning/卒プレアーカイブ.pptx
+++ b/99_pranning/卒プレアーカイブ.pptx
@@ -16,7 +16,7 @@
     <p:sldId id="267" r:id="rId7"/>
     <p:sldId id="270" r:id="rId8"/>
     <p:sldId id="268" r:id="rId9"/>
-    <p:sldId id="262" r:id="rId10"/>
+    <p:sldId id="274" r:id="rId10"/>
     <p:sldId id="258" r:id="rId11"/>
     <p:sldId id="269" r:id="rId12"/>
     <p:sldId id="260" r:id="rId13"/>
@@ -4820,6 +4820,42 @@
           <a:chExt cx="0" cy="0"/>
         </a:xfrm>
       </p:grpSpPr>
+      <p:pic>
+        <p:nvPicPr>
+          <p:cNvPr id="16" name="図 15" descr="テキスト が含まれている画像&#10;&#10;自動的に生成された説明">
+            <a:extLst>
+              <a:ext uri="{FF2B5EF4-FFF2-40B4-BE49-F238E27FC236}">
+                <a16:creationId xmlns:a16="http://schemas.microsoft.com/office/drawing/2014/main" id="{8F26DEE9-83A4-CB5D-607E-01A6C6FD6470}"/>
+              </a:ext>
+            </a:extLst>
+          </p:cNvPr>
+          <p:cNvPicPr>
+            <a:picLocks noChangeAspect="1"/>
+          </p:cNvPicPr>
+          <p:nvPr/>
+        </p:nvPicPr>
+        <p:blipFill>
+          <a:blip r:embed="rId2">
+            <a:extLst>
+              <a:ext uri="{28A0092B-C50C-407E-A947-70E740481C1C}">
+                <a14:useLocalDpi xmlns:a14="http://schemas.microsoft.com/office/drawing/2010/main" val="0"/>
+              </a:ext>
+            </a:extLst>
+          </a:blip>
+          <a:stretch>
+            <a:fillRect/>
+          </a:stretch>
+        </p:blipFill>
+        <p:spPr>
+          <a:xfrm>
+            <a:off x="8023575" y="927737"/>
+            <a:ext cx="3197235" cy="1798445"/>
+          </a:xfrm>
+          <a:prstGeom prst="rect">
+            <a:avLst/>
+          </a:prstGeom>
+        </p:spPr>
+      </p:pic>
       <p:sp>
         <p:nvSpPr>
           <p:cNvPr id="2" name="タイトル 1">
@@ -4836,43 +4872,578 @@
             <p:ph type="title"/>
           </p:nvPr>
         </p:nvSpPr>
-        <p:spPr/>
-        <p:txBody>
-          <a:bodyPr/>
-          <a:lstStyle/>
-          <a:p>
-            <a:r>
-              <a:rPr kumimoji="1" lang="ja-JP" altLang="en-US" dirty="0"/>
+        <p:spPr>
+          <a:xfrm>
+            <a:off x="471487" y="282826"/>
+            <a:ext cx="5915025" cy="700894"/>
+          </a:xfrm>
+        </p:spPr>
+        <p:txBody>
+          <a:bodyPr/>
+          <a:lstStyle/>
+          <a:p>
+            <a:pPr algn="ctr"/>
+            <a:r>
+              <a:rPr lang="ja-JP" altLang="en-US" dirty="0"/>
               <a:t>想定したスケジュール</a:t>
             </a:r>
-          </a:p>
-        </p:txBody>
-      </p:sp>
-      <p:sp>
-        <p:nvSpPr>
-          <p:cNvPr id="3" name="コンテンツ プレースホルダー 2">
+            <a:endParaRPr kumimoji="1" lang="ja-JP" altLang="en-US" dirty="0"/>
+          </a:p>
+        </p:txBody>
+      </p:sp>
+      <p:sp>
+        <p:nvSpPr>
+          <p:cNvPr id="6" name="矢印: 下 5">
             <a:extLst>
               <a:ext uri="{FF2B5EF4-FFF2-40B4-BE49-F238E27FC236}">
-                <a16:creationId xmlns:a16="http://schemas.microsoft.com/office/drawing/2014/main" id="{0A546982-815E-D3A5-73D3-2BF337DEEF99}"/>
+                <a16:creationId xmlns:a16="http://schemas.microsoft.com/office/drawing/2014/main" id="{1BC0BC57-68F4-EE1A-3B80-92DABF8BCC62}"/>
               </a:ext>
             </a:extLst>
           </p:cNvPr>
-          <p:cNvSpPr>
-            <a:spLocks noGrp="1"/>
-          </p:cNvSpPr>
-          <p:nvPr>
-            <p:ph idx="1"/>
-          </p:nvPr>
-        </p:nvSpPr>
-        <p:spPr/>
-        <p:txBody>
-          <a:bodyPr/>
-          <a:lstStyle/>
-          <a:p>
+          <p:cNvSpPr/>
+          <p:nvPr/>
+        </p:nvSpPr>
+        <p:spPr>
+          <a:xfrm>
+            <a:off x="62693" y="990123"/>
+            <a:ext cx="668740" cy="8639453"/>
+          </a:xfrm>
+          <a:prstGeom prst="downArrow">
+            <a:avLst/>
+          </a:prstGeom>
+        </p:spPr>
+        <p:style>
+          <a:lnRef idx="2">
+            <a:schemeClr val="accent1">
+              <a:shade val="15000"/>
+            </a:schemeClr>
+          </a:lnRef>
+          <a:fillRef idx="1">
+            <a:schemeClr val="accent1"/>
+          </a:fillRef>
+          <a:effectRef idx="0">
+            <a:schemeClr val="accent1"/>
+          </a:effectRef>
+          <a:fontRef idx="minor">
+            <a:schemeClr val="lt1"/>
+          </a:fontRef>
+        </p:style>
+        <p:txBody>
+          <a:bodyPr rtlCol="0" anchor="ctr"/>
+          <a:lstStyle/>
+          <a:p>
+            <a:pPr algn="ctr"/>
             <a:r>
               <a:rPr kumimoji="1" lang="ja-JP" altLang="en-US" dirty="0"/>
-              <a:t>かなざき</a:t>
-            </a:r>
+              <a:t>下を指すデビルの画像を貼りたい</a:t>
+            </a:r>
+          </a:p>
+        </p:txBody>
+      </p:sp>
+      <p:sp>
+        <p:nvSpPr>
+          <p:cNvPr id="11" name="テキスト ボックス 10">
+            <a:extLst>
+              <a:ext uri="{FF2B5EF4-FFF2-40B4-BE49-F238E27FC236}">
+                <a16:creationId xmlns:a16="http://schemas.microsoft.com/office/drawing/2014/main" id="{DCA2382F-F9E2-C59C-BBA8-7F32144C79A7}"/>
+              </a:ext>
+            </a:extLst>
+          </p:cNvPr>
+          <p:cNvSpPr txBox="1"/>
+          <p:nvPr/>
+        </p:nvSpPr>
+        <p:spPr>
+          <a:xfrm rot="20748812">
+            <a:off x="490594" y="945050"/>
+            <a:ext cx="2339102" cy="461665"/>
+          </a:xfrm>
+          <a:prstGeom prst="rect">
+            <a:avLst/>
+          </a:prstGeom>
+          <a:noFill/>
+        </p:spPr>
+        <p:txBody>
+          <a:bodyPr wrap="none" rtlCol="0">
+            <a:spAutoFit/>
+          </a:bodyPr>
+          <a:lstStyle/>
+          <a:p>
+            <a:r>
+              <a:rPr kumimoji="1" lang="ja-JP" altLang="en-US" sz="2400" dirty="0">
+                <a:solidFill>
+                  <a:schemeClr val="bg1"/>
+                </a:solidFill>
+                <a:effectLst>
+                  <a:glow rad="127000">
+                    <a:schemeClr val="accent5">
+                      <a:lumMod val="60000"/>
+                      <a:lumOff val="40000"/>
+                    </a:schemeClr>
+                  </a:glow>
+                </a:effectLst>
+                <a:latin typeface="HG創英角ﾎﾟｯﾌﾟ体" panose="040B0A09000000000000" pitchFamily="49" charset="-128"/>
+                <a:ea typeface="HG創英角ﾎﾟｯﾌﾟ体" panose="040B0A09000000000000" pitchFamily="49" charset="-128"/>
+              </a:rPr>
+              <a:t>プロトタイプ版</a:t>
+            </a:r>
+          </a:p>
+        </p:txBody>
+      </p:sp>
+      <p:sp>
+        <p:nvSpPr>
+          <p:cNvPr id="12" name="テキスト ボックス 11">
+            <a:extLst>
+              <a:ext uri="{FF2B5EF4-FFF2-40B4-BE49-F238E27FC236}">
+                <a16:creationId xmlns:a16="http://schemas.microsoft.com/office/drawing/2014/main" id="{49E36E7F-5DF3-031A-44D9-DC6AA92AC52B}"/>
+              </a:ext>
+            </a:extLst>
+          </p:cNvPr>
+          <p:cNvSpPr txBox="1"/>
+          <p:nvPr/>
+        </p:nvSpPr>
+        <p:spPr>
+          <a:xfrm rot="20748812">
+            <a:off x="517890" y="3082062"/>
+            <a:ext cx="1723549" cy="461665"/>
+          </a:xfrm>
+          <a:prstGeom prst="rect">
+            <a:avLst/>
+          </a:prstGeom>
+          <a:noFill/>
+        </p:spPr>
+        <p:txBody>
+          <a:bodyPr wrap="none" rtlCol="0">
+            <a:spAutoFit/>
+          </a:bodyPr>
+          <a:lstStyle/>
+          <a:p>
+            <a:r>
+              <a:rPr kumimoji="1" lang="ja-JP" altLang="en-US" sz="2400" dirty="0">
+                <a:solidFill>
+                  <a:schemeClr val="bg1"/>
+                </a:solidFill>
+                <a:effectLst>
+                  <a:glow rad="127000">
+                    <a:schemeClr val="accent5">
+                      <a:lumMod val="60000"/>
+                      <a:lumOff val="40000"/>
+                    </a:schemeClr>
+                  </a:glow>
+                </a:effectLst>
+                <a:latin typeface="HG創英角ﾎﾟｯﾌﾟ体" panose="040B0A09000000000000" pitchFamily="49" charset="-128"/>
+                <a:ea typeface="HG創英角ﾎﾟｯﾌﾟ体" panose="040B0A09000000000000" pitchFamily="49" charset="-128"/>
+              </a:rPr>
+              <a:t>アルファ版</a:t>
+            </a:r>
+          </a:p>
+        </p:txBody>
+      </p:sp>
+      <p:sp>
+        <p:nvSpPr>
+          <p:cNvPr id="13" name="テキスト ボックス 12">
+            <a:extLst>
+              <a:ext uri="{FF2B5EF4-FFF2-40B4-BE49-F238E27FC236}">
+                <a16:creationId xmlns:a16="http://schemas.microsoft.com/office/drawing/2014/main" id="{CD409F4A-2CA2-EBA7-23F8-864E191FB291}"/>
+              </a:ext>
+            </a:extLst>
+          </p:cNvPr>
+          <p:cNvSpPr txBox="1"/>
+          <p:nvPr/>
+        </p:nvSpPr>
+        <p:spPr>
+          <a:xfrm rot="20748812">
+            <a:off x="517890" y="5212489"/>
+            <a:ext cx="1415772" cy="461665"/>
+          </a:xfrm>
+          <a:prstGeom prst="rect">
+            <a:avLst/>
+          </a:prstGeom>
+          <a:noFill/>
+        </p:spPr>
+        <p:txBody>
+          <a:bodyPr wrap="none" rtlCol="0">
+            <a:spAutoFit/>
+          </a:bodyPr>
+          <a:lstStyle/>
+          <a:p>
+            <a:r>
+              <a:rPr kumimoji="1" lang="ja-JP" altLang="en-US" sz="2400" dirty="0">
+                <a:solidFill>
+                  <a:schemeClr val="bg1"/>
+                </a:solidFill>
+                <a:effectLst>
+                  <a:glow rad="127000">
+                    <a:schemeClr val="accent5">
+                      <a:lumMod val="60000"/>
+                      <a:lumOff val="40000"/>
+                    </a:schemeClr>
+                  </a:glow>
+                </a:effectLst>
+                <a:latin typeface="HG創英角ﾎﾟｯﾌﾟ体" panose="040B0A09000000000000" pitchFamily="49" charset="-128"/>
+                <a:ea typeface="HG創英角ﾎﾟｯﾌﾟ体" panose="040B0A09000000000000" pitchFamily="49" charset="-128"/>
+              </a:rPr>
+              <a:t>ベータ版</a:t>
+            </a:r>
+          </a:p>
+        </p:txBody>
+      </p:sp>
+      <p:sp>
+        <p:nvSpPr>
+          <p:cNvPr id="14" name="テキスト ボックス 13">
+            <a:extLst>
+              <a:ext uri="{FF2B5EF4-FFF2-40B4-BE49-F238E27FC236}">
+                <a16:creationId xmlns:a16="http://schemas.microsoft.com/office/drawing/2014/main" id="{7F14DC78-EE48-4A72-CA5F-5C9754ECC205}"/>
+              </a:ext>
+            </a:extLst>
+          </p:cNvPr>
+          <p:cNvSpPr txBox="1"/>
+          <p:nvPr/>
+        </p:nvSpPr>
+        <p:spPr>
+          <a:xfrm rot="20748812">
+            <a:off x="531538" y="7404990"/>
+            <a:ext cx="1723549" cy="461665"/>
+          </a:xfrm>
+          <a:prstGeom prst="rect">
+            <a:avLst/>
+          </a:prstGeom>
+          <a:noFill/>
+        </p:spPr>
+        <p:txBody>
+          <a:bodyPr wrap="none" rtlCol="0">
+            <a:spAutoFit/>
+          </a:bodyPr>
+          <a:lstStyle/>
+          <a:p>
+            <a:r>
+              <a:rPr kumimoji="1" lang="ja-JP" altLang="en-US" sz="2400" dirty="0">
+                <a:solidFill>
+                  <a:schemeClr val="bg1"/>
+                </a:solidFill>
+                <a:effectLst>
+                  <a:glow rad="127000">
+                    <a:schemeClr val="accent5">
+                      <a:lumMod val="60000"/>
+                      <a:lumOff val="40000"/>
+                    </a:schemeClr>
+                  </a:glow>
+                </a:effectLst>
+                <a:latin typeface="HG創英角ﾎﾟｯﾌﾟ体" panose="040B0A09000000000000" pitchFamily="49" charset="-128"/>
+                <a:ea typeface="HG創英角ﾎﾟｯﾌﾟ体" panose="040B0A09000000000000" pitchFamily="49" charset="-128"/>
+              </a:rPr>
+              <a:t>マスター版</a:t>
+            </a:r>
+          </a:p>
+        </p:txBody>
+      </p:sp>
+      <p:sp>
+        <p:nvSpPr>
+          <p:cNvPr id="17" name="テキスト ボックス 16">
+            <a:extLst>
+              <a:ext uri="{FF2B5EF4-FFF2-40B4-BE49-F238E27FC236}">
+                <a16:creationId xmlns:a16="http://schemas.microsoft.com/office/drawing/2014/main" id="{13A17F95-FC1A-7C64-90C0-B991C9F77C08}"/>
+              </a:ext>
+            </a:extLst>
+          </p:cNvPr>
+          <p:cNvSpPr txBox="1"/>
+          <p:nvPr/>
+        </p:nvSpPr>
+        <p:spPr>
+          <a:xfrm>
+            <a:off x="2051042" y="1502949"/>
+            <a:ext cx="1569660" cy="369332"/>
+          </a:xfrm>
+          <a:prstGeom prst="rect">
+            <a:avLst/>
+          </a:prstGeom>
+          <a:noFill/>
+        </p:spPr>
+        <p:txBody>
+          <a:bodyPr wrap="none" rtlCol="0">
+            <a:spAutoFit/>
+          </a:bodyPr>
+          <a:lstStyle/>
+          <a:p>
+            <a:r>
+              <a:rPr kumimoji="1" lang="ja-JP" altLang="en-US" dirty="0"/>
+              <a:t>企画を完成！</a:t>
+            </a:r>
+          </a:p>
+        </p:txBody>
+      </p:sp>
+      <p:sp>
+        <p:nvSpPr>
+          <p:cNvPr id="18" name="テキスト ボックス 17">
+            <a:extLst>
+              <a:ext uri="{FF2B5EF4-FFF2-40B4-BE49-F238E27FC236}">
+                <a16:creationId xmlns:a16="http://schemas.microsoft.com/office/drawing/2014/main" id="{D53871DA-4775-C272-D3BC-B7A52FA56173}"/>
+              </a:ext>
+            </a:extLst>
+          </p:cNvPr>
+          <p:cNvSpPr txBox="1"/>
+          <p:nvPr/>
+        </p:nvSpPr>
+        <p:spPr>
+          <a:xfrm>
+            <a:off x="903520" y="1826960"/>
+            <a:ext cx="2492990" cy="646331"/>
+          </a:xfrm>
+          <a:prstGeom prst="rect">
+            <a:avLst/>
+          </a:prstGeom>
+          <a:noFill/>
+        </p:spPr>
+        <p:txBody>
+          <a:bodyPr wrap="none" rtlCol="0">
+            <a:spAutoFit/>
+          </a:bodyPr>
+          <a:lstStyle/>
+          <a:p>
+            <a:r>
+              <a:rPr kumimoji="1" lang="ja-JP" altLang="en-US" dirty="0"/>
+              <a:t>ひとまず原作を</a:t>
+            </a:r>
+            <a:endParaRPr kumimoji="1" lang="en-US" altLang="ja-JP" dirty="0"/>
+          </a:p>
+          <a:p>
+            <a:r>
+              <a:rPr kumimoji="1" lang="ja-JP" altLang="en-US" dirty="0"/>
+              <a:t>完全再現してみよう！</a:t>
+            </a:r>
+          </a:p>
+        </p:txBody>
+      </p:sp>
+      <p:sp>
+        <p:nvSpPr>
+          <p:cNvPr id="21" name="テキスト ボックス 20">
+            <a:extLst>
+              <a:ext uri="{FF2B5EF4-FFF2-40B4-BE49-F238E27FC236}">
+                <a16:creationId xmlns:a16="http://schemas.microsoft.com/office/drawing/2014/main" id="{8C673129-8B51-D474-4775-C7E2CC42E6BD}"/>
+              </a:ext>
+            </a:extLst>
+          </p:cNvPr>
+          <p:cNvSpPr txBox="1"/>
+          <p:nvPr/>
+        </p:nvSpPr>
+        <p:spPr>
+          <a:xfrm>
+            <a:off x="1267260" y="3712676"/>
+            <a:ext cx="1800493" cy="369332"/>
+          </a:xfrm>
+          <a:prstGeom prst="rect">
+            <a:avLst/>
+          </a:prstGeom>
+          <a:noFill/>
+        </p:spPr>
+        <p:txBody>
+          <a:bodyPr wrap="none" rtlCol="0">
+            <a:spAutoFit/>
+          </a:bodyPr>
+          <a:lstStyle/>
+          <a:p>
+            <a:r>
+              <a:rPr kumimoji="1" lang="ja-JP" altLang="en-US" dirty="0"/>
+              <a:t>新要素の実装！</a:t>
+            </a:r>
+          </a:p>
+        </p:txBody>
+      </p:sp>
+      <p:sp>
+        <p:nvSpPr>
+          <p:cNvPr id="22" name="テキスト ボックス 21">
+            <a:extLst>
+              <a:ext uri="{FF2B5EF4-FFF2-40B4-BE49-F238E27FC236}">
+                <a16:creationId xmlns:a16="http://schemas.microsoft.com/office/drawing/2014/main" id="{AC24D16A-B934-D817-D58D-492126E2EB64}"/>
+              </a:ext>
+            </a:extLst>
+          </p:cNvPr>
+          <p:cNvSpPr txBox="1"/>
+          <p:nvPr/>
+        </p:nvSpPr>
+        <p:spPr>
+          <a:xfrm>
+            <a:off x="864849" y="4040562"/>
+            <a:ext cx="2723823" cy="646331"/>
+          </a:xfrm>
+          <a:prstGeom prst="rect">
+            <a:avLst/>
+          </a:prstGeom>
+          <a:noFill/>
+        </p:spPr>
+        <p:txBody>
+          <a:bodyPr wrap="none" rtlCol="0">
+            <a:spAutoFit/>
+          </a:bodyPr>
+          <a:lstStyle/>
+          <a:p>
+            <a:r>
+              <a:rPr kumimoji="1" lang="ja-JP" altLang="en-US" dirty="0"/>
+              <a:t>原作の要素を残しつつ</a:t>
+            </a:r>
+            <a:endParaRPr kumimoji="1" lang="en-US" altLang="ja-JP" dirty="0"/>
+          </a:p>
+          <a:p>
+            <a:r>
+              <a:rPr kumimoji="1" lang="ja-JP" altLang="en-US" dirty="0"/>
+              <a:t>傾きを追加していこう！</a:t>
+            </a:r>
+            <a:endParaRPr kumimoji="1" lang="en-US" altLang="ja-JP" dirty="0"/>
+          </a:p>
+        </p:txBody>
+      </p:sp>
+      <p:sp>
+        <p:nvSpPr>
+          <p:cNvPr id="23" name="テキスト ボックス 22">
+            <a:extLst>
+              <a:ext uri="{FF2B5EF4-FFF2-40B4-BE49-F238E27FC236}">
+                <a16:creationId xmlns:a16="http://schemas.microsoft.com/office/drawing/2014/main" id="{C7DA7EF3-E063-BCBC-918A-4CEF1988E7FC}"/>
+              </a:ext>
+            </a:extLst>
+          </p:cNvPr>
+          <p:cNvSpPr txBox="1"/>
+          <p:nvPr/>
+        </p:nvSpPr>
+        <p:spPr>
+          <a:xfrm>
+            <a:off x="1424894" y="5675437"/>
+            <a:ext cx="2031325" cy="369332"/>
+          </a:xfrm>
+          <a:prstGeom prst="rect">
+            <a:avLst/>
+          </a:prstGeom>
+          <a:noFill/>
+        </p:spPr>
+        <p:txBody>
+          <a:bodyPr wrap="none" rtlCol="0">
+            <a:spAutoFit/>
+          </a:bodyPr>
+          <a:lstStyle/>
+          <a:p>
+            <a:r>
+              <a:rPr kumimoji="1" lang="ja-JP" altLang="en-US" dirty="0"/>
+              <a:t>リソースの置換！</a:t>
+            </a:r>
+          </a:p>
+        </p:txBody>
+      </p:sp>
+      <p:sp>
+        <p:nvSpPr>
+          <p:cNvPr id="24" name="テキスト ボックス 23">
+            <a:extLst>
+              <a:ext uri="{FF2B5EF4-FFF2-40B4-BE49-F238E27FC236}">
+                <a16:creationId xmlns:a16="http://schemas.microsoft.com/office/drawing/2014/main" id="{E02417CB-6C74-CFA3-5539-F53A0CBE5DB1}"/>
+              </a:ext>
+            </a:extLst>
+          </p:cNvPr>
+          <p:cNvSpPr txBox="1"/>
+          <p:nvPr/>
+        </p:nvSpPr>
+        <p:spPr>
+          <a:xfrm>
+            <a:off x="818520" y="6044769"/>
+            <a:ext cx="4339650" cy="646331"/>
+          </a:xfrm>
+          <a:prstGeom prst="rect">
+            <a:avLst/>
+          </a:prstGeom>
+          <a:noFill/>
+        </p:spPr>
+        <p:txBody>
+          <a:bodyPr wrap="none" rtlCol="0">
+            <a:spAutoFit/>
+          </a:bodyPr>
+          <a:lstStyle/>
+          <a:p>
+            <a:r>
+              <a:rPr kumimoji="1" lang="ja-JP" altLang="en-US" dirty="0"/>
+              <a:t>仮で使っていたリソースを</a:t>
+            </a:r>
+            <a:endParaRPr kumimoji="1" lang="en-US" altLang="ja-JP" dirty="0"/>
+          </a:p>
+          <a:p>
+            <a:r>
+              <a:rPr kumimoji="1" lang="ja-JP" altLang="en-US" dirty="0"/>
+              <a:t>デビルやタマゴンに置き換えていこう！</a:t>
+            </a:r>
+            <a:endParaRPr kumimoji="1" lang="en-US" altLang="ja-JP" dirty="0"/>
+          </a:p>
+        </p:txBody>
+      </p:sp>
+      <p:sp>
+        <p:nvSpPr>
+          <p:cNvPr id="25" name="テキスト ボックス 24">
+            <a:extLst>
+              <a:ext uri="{FF2B5EF4-FFF2-40B4-BE49-F238E27FC236}">
+                <a16:creationId xmlns:a16="http://schemas.microsoft.com/office/drawing/2014/main" id="{0D222943-4971-BBB7-F2F7-D533A720D005}"/>
+              </a:ext>
+            </a:extLst>
+          </p:cNvPr>
+          <p:cNvSpPr txBox="1"/>
+          <p:nvPr/>
+        </p:nvSpPr>
+        <p:spPr>
+          <a:xfrm>
+            <a:off x="1435057" y="7867145"/>
+            <a:ext cx="2031325" cy="369332"/>
+          </a:xfrm>
+          <a:prstGeom prst="rect">
+            <a:avLst/>
+          </a:prstGeom>
+          <a:noFill/>
+        </p:spPr>
+        <p:txBody>
+          <a:bodyPr wrap="none" rtlCol="0">
+            <a:spAutoFit/>
+          </a:bodyPr>
+          <a:lstStyle/>
+          <a:p>
+            <a:r>
+              <a:rPr kumimoji="1" lang="ja-JP" altLang="en-US" dirty="0"/>
+              <a:t>デバッグタイム！</a:t>
+            </a:r>
+          </a:p>
+        </p:txBody>
+      </p:sp>
+      <p:sp>
+        <p:nvSpPr>
+          <p:cNvPr id="26" name="テキスト ボックス 25">
+            <a:extLst>
+              <a:ext uri="{FF2B5EF4-FFF2-40B4-BE49-F238E27FC236}">
+                <a16:creationId xmlns:a16="http://schemas.microsoft.com/office/drawing/2014/main" id="{AD773F9F-59EF-2192-F472-BF5F069EF8D3}"/>
+              </a:ext>
+            </a:extLst>
+          </p:cNvPr>
+          <p:cNvSpPr txBox="1"/>
+          <p:nvPr/>
+        </p:nvSpPr>
+        <p:spPr>
+          <a:xfrm>
+            <a:off x="724116" y="8272951"/>
+            <a:ext cx="4570482" cy="646331"/>
+          </a:xfrm>
+          <a:prstGeom prst="rect">
+            <a:avLst/>
+          </a:prstGeom>
+          <a:noFill/>
+        </p:spPr>
+        <p:txBody>
+          <a:bodyPr wrap="none" rtlCol="0">
+            <a:spAutoFit/>
+          </a:bodyPr>
+          <a:lstStyle/>
+          <a:p>
+            <a:r>
+              <a:rPr kumimoji="1" lang="ja-JP" altLang="en-US" dirty="0"/>
+              <a:t>シンプルなゲームだから少ないと思うけど</a:t>
+            </a:r>
+            <a:endParaRPr kumimoji="1" lang="en-US" altLang="ja-JP" dirty="0"/>
+          </a:p>
+          <a:p>
+            <a:r>
+              <a:rPr kumimoji="1" lang="ja-JP" altLang="en-US" dirty="0"/>
+              <a:t>とにかくバグを減らしていこう！</a:t>
+            </a:r>
+            <a:endParaRPr kumimoji="1" lang="en-US" altLang="ja-JP" dirty="0"/>
           </a:p>
         </p:txBody>
       </p:sp>
@@ -4894,7 +5465,13 @@
   <p:cSld>
     <p:spTree>
       <p:nvGrpSpPr>
-        <p:cNvPr id="1" name=""/>
+        <p:cNvPr id="1" name="">
+          <a:extLst>
+            <a:ext uri="{FF2B5EF4-FFF2-40B4-BE49-F238E27FC236}">
+              <a16:creationId xmlns:a16="http://schemas.microsoft.com/office/drawing/2014/main" id="{C620BFFF-0A01-4BBE-2F67-6F35B24B626A}"/>
+            </a:ext>
+          </a:extLst>
+        </p:cNvPr>
         <p:cNvGrpSpPr/>
         <p:nvPr/>
       </p:nvGrpSpPr>
@@ -4911,7 +5488,7 @@
           <p:cNvPr id="2" name="タイトル 1">
             <a:extLst>
               <a:ext uri="{FF2B5EF4-FFF2-40B4-BE49-F238E27FC236}">
-                <a16:creationId xmlns:a16="http://schemas.microsoft.com/office/drawing/2014/main" id="{FCD76CC1-E58C-A31E-858F-F125D9BD7D95}"/>
+                <a16:creationId xmlns:a16="http://schemas.microsoft.com/office/drawing/2014/main" id="{EC737087-CD9D-ADC9-99AD-D2FCD980DE60}"/>
               </a:ext>
             </a:extLst>
           </p:cNvPr>
@@ -4922,11 +5499,17 @@
             <p:ph type="title"/>
           </p:nvPr>
         </p:nvSpPr>
-        <p:spPr/>
-        <p:txBody>
-          <a:bodyPr/>
-          <a:lstStyle/>
-          <a:p>
+        <p:spPr>
+          <a:xfrm>
+            <a:off x="471487" y="282826"/>
+            <a:ext cx="5915025" cy="700894"/>
+          </a:xfrm>
+        </p:spPr>
+        <p:txBody>
+          <a:bodyPr/>
+          <a:lstStyle/>
+          <a:p>
+            <a:pPr algn="ctr"/>
             <a:r>
               <a:rPr kumimoji="1" lang="ja-JP" altLang="en-US" dirty="0"/>
               <a:t>実際のスケジュール</a:t>
@@ -4936,36 +5519,564 @@
       </p:sp>
       <p:sp>
         <p:nvSpPr>
-          <p:cNvPr id="3" name="コンテンツ プレースホルダー 2">
+          <p:cNvPr id="4" name="矢印: 下 3">
             <a:extLst>
               <a:ext uri="{FF2B5EF4-FFF2-40B4-BE49-F238E27FC236}">
-                <a16:creationId xmlns:a16="http://schemas.microsoft.com/office/drawing/2014/main" id="{5F413FC1-F090-B05D-23CD-A85E086D5C41}"/>
+                <a16:creationId xmlns:a16="http://schemas.microsoft.com/office/drawing/2014/main" id="{675E4BFE-CE3E-8B87-3B0A-AA997BEA34F1}"/>
               </a:ext>
             </a:extLst>
           </p:cNvPr>
-          <p:cNvSpPr>
-            <a:spLocks noGrp="1"/>
-          </p:cNvSpPr>
-          <p:nvPr>
-            <p:ph idx="1"/>
-          </p:nvPr>
-        </p:nvSpPr>
-        <p:spPr/>
-        <p:txBody>
-          <a:bodyPr/>
-          <a:lstStyle/>
-          <a:p>
+          <p:cNvSpPr/>
+          <p:nvPr/>
+        </p:nvSpPr>
+        <p:spPr>
+          <a:xfrm>
+            <a:off x="62693" y="990123"/>
+            <a:ext cx="668740" cy="8639453"/>
+          </a:xfrm>
+          <a:prstGeom prst="downArrow">
+            <a:avLst/>
+          </a:prstGeom>
+        </p:spPr>
+        <p:style>
+          <a:lnRef idx="2">
+            <a:schemeClr val="accent1">
+              <a:shade val="15000"/>
+            </a:schemeClr>
+          </a:lnRef>
+          <a:fillRef idx="1">
+            <a:schemeClr val="accent1"/>
+          </a:fillRef>
+          <a:effectRef idx="0">
+            <a:schemeClr val="accent1"/>
+          </a:effectRef>
+          <a:fontRef idx="minor">
+            <a:schemeClr val="lt1"/>
+          </a:fontRef>
+        </p:style>
+        <p:txBody>
+          <a:bodyPr rtlCol="0" anchor="ctr"/>
+          <a:lstStyle/>
+          <a:p>
+            <a:pPr algn="ctr"/>
             <a:r>
               <a:rPr kumimoji="1" lang="ja-JP" altLang="en-US" dirty="0"/>
-              <a:t>かなざき</a:t>
-            </a:r>
+              <a:t>下を指すデビルの画像を貼りたい</a:t>
+            </a:r>
+          </a:p>
+        </p:txBody>
+      </p:sp>
+      <p:sp>
+        <p:nvSpPr>
+          <p:cNvPr id="10" name="テキスト ボックス 9">
+            <a:extLst>
+              <a:ext uri="{FF2B5EF4-FFF2-40B4-BE49-F238E27FC236}">
+                <a16:creationId xmlns:a16="http://schemas.microsoft.com/office/drawing/2014/main" id="{F75562BE-F30E-8180-D7AF-90AC08853C58}"/>
+              </a:ext>
+            </a:extLst>
+          </p:cNvPr>
+          <p:cNvSpPr txBox="1"/>
+          <p:nvPr/>
+        </p:nvSpPr>
+        <p:spPr>
+          <a:xfrm rot="20748812">
+            <a:off x="490594" y="945050"/>
+            <a:ext cx="2339102" cy="461665"/>
+          </a:xfrm>
+          <a:prstGeom prst="rect">
+            <a:avLst/>
+          </a:prstGeom>
+          <a:noFill/>
+        </p:spPr>
+        <p:txBody>
+          <a:bodyPr wrap="none" rtlCol="0">
+            <a:spAutoFit/>
+          </a:bodyPr>
+          <a:lstStyle/>
+          <a:p>
+            <a:r>
+              <a:rPr kumimoji="1" lang="ja-JP" altLang="en-US" sz="2400" dirty="0">
+                <a:solidFill>
+                  <a:schemeClr val="bg1"/>
+                </a:solidFill>
+                <a:effectLst>
+                  <a:glow rad="127000">
+                    <a:schemeClr val="accent5">
+                      <a:lumMod val="60000"/>
+                      <a:lumOff val="40000"/>
+                    </a:schemeClr>
+                  </a:glow>
+                </a:effectLst>
+                <a:latin typeface="HG創英角ﾎﾟｯﾌﾟ体" panose="040B0A09000000000000" pitchFamily="49" charset="-128"/>
+                <a:ea typeface="HG創英角ﾎﾟｯﾌﾟ体" panose="040B0A09000000000000" pitchFamily="49" charset="-128"/>
+              </a:rPr>
+              <a:t>プロトタイプ版</a:t>
+            </a:r>
+          </a:p>
+        </p:txBody>
+      </p:sp>
+      <p:sp>
+        <p:nvSpPr>
+          <p:cNvPr id="11" name="テキスト ボックス 10">
+            <a:extLst>
+              <a:ext uri="{FF2B5EF4-FFF2-40B4-BE49-F238E27FC236}">
+                <a16:creationId xmlns:a16="http://schemas.microsoft.com/office/drawing/2014/main" id="{EEB0DA4C-81AD-BD8E-3012-DDD70B63F18B}"/>
+              </a:ext>
+            </a:extLst>
+          </p:cNvPr>
+          <p:cNvSpPr txBox="1"/>
+          <p:nvPr/>
+        </p:nvSpPr>
+        <p:spPr>
+          <a:xfrm rot="20748812">
+            <a:off x="517890" y="3082062"/>
+            <a:ext cx="1723549" cy="461665"/>
+          </a:xfrm>
+          <a:prstGeom prst="rect">
+            <a:avLst/>
+          </a:prstGeom>
+          <a:noFill/>
+        </p:spPr>
+        <p:txBody>
+          <a:bodyPr wrap="none" rtlCol="0">
+            <a:spAutoFit/>
+          </a:bodyPr>
+          <a:lstStyle/>
+          <a:p>
+            <a:r>
+              <a:rPr kumimoji="1" lang="ja-JP" altLang="en-US" sz="2400" dirty="0">
+                <a:solidFill>
+                  <a:schemeClr val="bg1"/>
+                </a:solidFill>
+                <a:effectLst>
+                  <a:glow rad="127000">
+                    <a:schemeClr val="accent5">
+                      <a:lumMod val="60000"/>
+                      <a:lumOff val="40000"/>
+                    </a:schemeClr>
+                  </a:glow>
+                </a:effectLst>
+                <a:latin typeface="HG創英角ﾎﾟｯﾌﾟ体" panose="040B0A09000000000000" pitchFamily="49" charset="-128"/>
+                <a:ea typeface="HG創英角ﾎﾟｯﾌﾟ体" panose="040B0A09000000000000" pitchFamily="49" charset="-128"/>
+              </a:rPr>
+              <a:t>アルファ版</a:t>
+            </a:r>
+          </a:p>
+        </p:txBody>
+      </p:sp>
+      <p:sp>
+        <p:nvSpPr>
+          <p:cNvPr id="12" name="テキスト ボックス 11">
+            <a:extLst>
+              <a:ext uri="{FF2B5EF4-FFF2-40B4-BE49-F238E27FC236}">
+                <a16:creationId xmlns:a16="http://schemas.microsoft.com/office/drawing/2014/main" id="{B49DABBF-1007-0506-EDAF-135531DCA6C0}"/>
+              </a:ext>
+            </a:extLst>
+          </p:cNvPr>
+          <p:cNvSpPr txBox="1"/>
+          <p:nvPr/>
+        </p:nvSpPr>
+        <p:spPr>
+          <a:xfrm rot="20748812">
+            <a:off x="517890" y="5212489"/>
+            <a:ext cx="1415772" cy="461665"/>
+          </a:xfrm>
+          <a:prstGeom prst="rect">
+            <a:avLst/>
+          </a:prstGeom>
+          <a:noFill/>
+        </p:spPr>
+        <p:txBody>
+          <a:bodyPr wrap="none" rtlCol="0">
+            <a:spAutoFit/>
+          </a:bodyPr>
+          <a:lstStyle/>
+          <a:p>
+            <a:r>
+              <a:rPr kumimoji="1" lang="ja-JP" altLang="en-US" sz="2400" dirty="0">
+                <a:solidFill>
+                  <a:schemeClr val="bg1"/>
+                </a:solidFill>
+                <a:effectLst>
+                  <a:glow rad="127000">
+                    <a:schemeClr val="accent5">
+                      <a:lumMod val="60000"/>
+                      <a:lumOff val="40000"/>
+                    </a:schemeClr>
+                  </a:glow>
+                </a:effectLst>
+                <a:latin typeface="HG創英角ﾎﾟｯﾌﾟ体" panose="040B0A09000000000000" pitchFamily="49" charset="-128"/>
+                <a:ea typeface="HG創英角ﾎﾟｯﾌﾟ体" panose="040B0A09000000000000" pitchFamily="49" charset="-128"/>
+              </a:rPr>
+              <a:t>ベータ版</a:t>
+            </a:r>
+          </a:p>
+        </p:txBody>
+      </p:sp>
+      <p:sp>
+        <p:nvSpPr>
+          <p:cNvPr id="13" name="テキスト ボックス 12">
+            <a:extLst>
+              <a:ext uri="{FF2B5EF4-FFF2-40B4-BE49-F238E27FC236}">
+                <a16:creationId xmlns:a16="http://schemas.microsoft.com/office/drawing/2014/main" id="{85080518-C12B-D7AA-9C6D-3BA7607A53E3}"/>
+              </a:ext>
+            </a:extLst>
+          </p:cNvPr>
+          <p:cNvSpPr txBox="1"/>
+          <p:nvPr/>
+        </p:nvSpPr>
+        <p:spPr>
+          <a:xfrm rot="20748812">
+            <a:off x="531538" y="7404990"/>
+            <a:ext cx="1723549" cy="461665"/>
+          </a:xfrm>
+          <a:prstGeom prst="rect">
+            <a:avLst/>
+          </a:prstGeom>
+          <a:noFill/>
+        </p:spPr>
+        <p:txBody>
+          <a:bodyPr wrap="none" rtlCol="0">
+            <a:spAutoFit/>
+          </a:bodyPr>
+          <a:lstStyle/>
+          <a:p>
+            <a:r>
+              <a:rPr kumimoji="1" lang="ja-JP" altLang="en-US" sz="2400" dirty="0">
+                <a:solidFill>
+                  <a:schemeClr val="bg1"/>
+                </a:solidFill>
+                <a:effectLst>
+                  <a:glow rad="127000">
+                    <a:schemeClr val="accent5">
+                      <a:lumMod val="60000"/>
+                      <a:lumOff val="40000"/>
+                    </a:schemeClr>
+                  </a:glow>
+                </a:effectLst>
+                <a:latin typeface="HG創英角ﾎﾟｯﾌﾟ体" panose="040B0A09000000000000" pitchFamily="49" charset="-128"/>
+                <a:ea typeface="HG創英角ﾎﾟｯﾌﾟ体" panose="040B0A09000000000000" pitchFamily="49" charset="-128"/>
+              </a:rPr>
+              <a:t>マスター版</a:t>
+            </a:r>
+          </a:p>
+        </p:txBody>
+      </p:sp>
+      <p:sp>
+        <p:nvSpPr>
+          <p:cNvPr id="14" name="テキスト ボックス 13">
+            <a:extLst>
+              <a:ext uri="{FF2B5EF4-FFF2-40B4-BE49-F238E27FC236}">
+                <a16:creationId xmlns:a16="http://schemas.microsoft.com/office/drawing/2014/main" id="{69E04068-9E2A-A4DF-46F8-3ADC57689DFE}"/>
+              </a:ext>
+            </a:extLst>
+          </p:cNvPr>
+          <p:cNvSpPr txBox="1"/>
+          <p:nvPr/>
+        </p:nvSpPr>
+        <p:spPr>
+          <a:xfrm>
+            <a:off x="2051042" y="1502949"/>
+            <a:ext cx="1569660" cy="369332"/>
+          </a:xfrm>
+          <a:prstGeom prst="rect">
+            <a:avLst/>
+          </a:prstGeom>
+          <a:noFill/>
+        </p:spPr>
+        <p:txBody>
+          <a:bodyPr wrap="none" rtlCol="0">
+            <a:spAutoFit/>
+          </a:bodyPr>
+          <a:lstStyle/>
+          <a:p>
+            <a:r>
+              <a:rPr kumimoji="1" lang="ja-JP" altLang="en-US" dirty="0"/>
+              <a:t>企画を完成！</a:t>
+            </a:r>
+          </a:p>
+        </p:txBody>
+      </p:sp>
+      <p:sp>
+        <p:nvSpPr>
+          <p:cNvPr id="15" name="テキスト ボックス 14">
+            <a:extLst>
+              <a:ext uri="{FF2B5EF4-FFF2-40B4-BE49-F238E27FC236}">
+                <a16:creationId xmlns:a16="http://schemas.microsoft.com/office/drawing/2014/main" id="{794E6551-7AE1-732D-C1DA-DF83444C6023}"/>
+              </a:ext>
+            </a:extLst>
+          </p:cNvPr>
+          <p:cNvSpPr txBox="1"/>
+          <p:nvPr/>
+        </p:nvSpPr>
+        <p:spPr>
+          <a:xfrm>
+            <a:off x="903520" y="1826960"/>
+            <a:ext cx="2492990" cy="646331"/>
+          </a:xfrm>
+          <a:prstGeom prst="rect">
+            <a:avLst/>
+          </a:prstGeom>
+          <a:noFill/>
+        </p:spPr>
+        <p:txBody>
+          <a:bodyPr wrap="none" rtlCol="0">
+            <a:spAutoFit/>
+          </a:bodyPr>
+          <a:lstStyle/>
+          <a:p>
+            <a:r>
+              <a:rPr kumimoji="1" lang="ja-JP" altLang="en-US" dirty="0"/>
+              <a:t>ひとまず原作を</a:t>
+            </a:r>
+            <a:endParaRPr kumimoji="1" lang="en-US" altLang="ja-JP" dirty="0"/>
+          </a:p>
+          <a:p>
+            <a:r>
+              <a:rPr kumimoji="1" lang="ja-JP" altLang="en-US" dirty="0"/>
+              <a:t>完全再現してみよう！</a:t>
+            </a:r>
+          </a:p>
+        </p:txBody>
+      </p:sp>
+      <p:sp>
+        <p:nvSpPr>
+          <p:cNvPr id="16" name="テキスト ボックス 15">
+            <a:extLst>
+              <a:ext uri="{FF2B5EF4-FFF2-40B4-BE49-F238E27FC236}">
+                <a16:creationId xmlns:a16="http://schemas.microsoft.com/office/drawing/2014/main" id="{0EF9468F-7AF5-B1E0-44BB-243DE977EC23}"/>
+              </a:ext>
+            </a:extLst>
+          </p:cNvPr>
+          <p:cNvSpPr txBox="1"/>
+          <p:nvPr/>
+        </p:nvSpPr>
+        <p:spPr>
+          <a:xfrm>
+            <a:off x="1267260" y="3712676"/>
+            <a:ext cx="1800493" cy="369332"/>
+          </a:xfrm>
+          <a:prstGeom prst="rect">
+            <a:avLst/>
+          </a:prstGeom>
+          <a:noFill/>
+        </p:spPr>
+        <p:txBody>
+          <a:bodyPr wrap="none" rtlCol="0">
+            <a:spAutoFit/>
+          </a:bodyPr>
+          <a:lstStyle/>
+          <a:p>
+            <a:r>
+              <a:rPr kumimoji="1" lang="ja-JP" altLang="en-US" dirty="0"/>
+              <a:t>新要素の実装！</a:t>
+            </a:r>
+          </a:p>
+        </p:txBody>
+      </p:sp>
+      <p:sp>
+        <p:nvSpPr>
+          <p:cNvPr id="17" name="テキスト ボックス 16">
+            <a:extLst>
+              <a:ext uri="{FF2B5EF4-FFF2-40B4-BE49-F238E27FC236}">
+                <a16:creationId xmlns:a16="http://schemas.microsoft.com/office/drawing/2014/main" id="{927F8DD1-F031-D7ED-DBA9-47B19DE691DF}"/>
+              </a:ext>
+            </a:extLst>
+          </p:cNvPr>
+          <p:cNvSpPr txBox="1"/>
+          <p:nvPr/>
+        </p:nvSpPr>
+        <p:spPr>
+          <a:xfrm>
+            <a:off x="864849" y="4040562"/>
+            <a:ext cx="2723823" cy="646331"/>
+          </a:xfrm>
+          <a:prstGeom prst="rect">
+            <a:avLst/>
+          </a:prstGeom>
+          <a:noFill/>
+        </p:spPr>
+        <p:txBody>
+          <a:bodyPr wrap="none" rtlCol="0">
+            <a:spAutoFit/>
+          </a:bodyPr>
+          <a:lstStyle/>
+          <a:p>
+            <a:r>
+              <a:rPr kumimoji="1" lang="ja-JP" altLang="en-US" dirty="0"/>
+              <a:t>原作の要素を残しつつ</a:t>
+            </a:r>
+            <a:endParaRPr kumimoji="1" lang="en-US" altLang="ja-JP" dirty="0"/>
+          </a:p>
+          <a:p>
+            <a:r>
+              <a:rPr kumimoji="1" lang="ja-JP" altLang="en-US" dirty="0"/>
+              <a:t>傾きを追加していこう！</a:t>
+            </a:r>
+            <a:endParaRPr kumimoji="1" lang="en-US" altLang="ja-JP" dirty="0"/>
+          </a:p>
+        </p:txBody>
+      </p:sp>
+      <p:sp>
+        <p:nvSpPr>
+          <p:cNvPr id="18" name="テキスト ボックス 17">
+            <a:extLst>
+              <a:ext uri="{FF2B5EF4-FFF2-40B4-BE49-F238E27FC236}">
+                <a16:creationId xmlns:a16="http://schemas.microsoft.com/office/drawing/2014/main" id="{75B97551-6FD1-00A1-7A44-AAF280E04258}"/>
+              </a:ext>
+            </a:extLst>
+          </p:cNvPr>
+          <p:cNvSpPr txBox="1"/>
+          <p:nvPr/>
+        </p:nvSpPr>
+        <p:spPr>
+          <a:xfrm>
+            <a:off x="1424894" y="5675437"/>
+            <a:ext cx="2031325" cy="369332"/>
+          </a:xfrm>
+          <a:prstGeom prst="rect">
+            <a:avLst/>
+          </a:prstGeom>
+          <a:noFill/>
+        </p:spPr>
+        <p:txBody>
+          <a:bodyPr wrap="none" rtlCol="0">
+            <a:spAutoFit/>
+          </a:bodyPr>
+          <a:lstStyle/>
+          <a:p>
+            <a:r>
+              <a:rPr kumimoji="1" lang="ja-JP" altLang="en-US" dirty="0"/>
+              <a:t>リソースの置換！</a:t>
+            </a:r>
+          </a:p>
+        </p:txBody>
+      </p:sp>
+      <p:sp>
+        <p:nvSpPr>
+          <p:cNvPr id="19" name="テキスト ボックス 18">
+            <a:extLst>
+              <a:ext uri="{FF2B5EF4-FFF2-40B4-BE49-F238E27FC236}">
+                <a16:creationId xmlns:a16="http://schemas.microsoft.com/office/drawing/2014/main" id="{FD6D874D-27DA-76F5-2FAC-85D615589FC8}"/>
+              </a:ext>
+            </a:extLst>
+          </p:cNvPr>
+          <p:cNvSpPr txBox="1"/>
+          <p:nvPr/>
+        </p:nvSpPr>
+        <p:spPr>
+          <a:xfrm>
+            <a:off x="818520" y="6044769"/>
+            <a:ext cx="4339650" cy="646331"/>
+          </a:xfrm>
+          <a:prstGeom prst="rect">
+            <a:avLst/>
+          </a:prstGeom>
+          <a:noFill/>
+        </p:spPr>
+        <p:txBody>
+          <a:bodyPr wrap="none" rtlCol="0">
+            <a:spAutoFit/>
+          </a:bodyPr>
+          <a:lstStyle/>
+          <a:p>
+            <a:r>
+              <a:rPr kumimoji="1" lang="ja-JP" altLang="en-US" dirty="0"/>
+              <a:t>仮で使っていたリソースを</a:t>
+            </a:r>
+            <a:endParaRPr kumimoji="1" lang="en-US" altLang="ja-JP" dirty="0"/>
+          </a:p>
+          <a:p>
+            <a:r>
+              <a:rPr kumimoji="1" lang="ja-JP" altLang="en-US" dirty="0"/>
+              <a:t>デビルやタマゴンに置き換えていこう！</a:t>
+            </a:r>
+            <a:endParaRPr kumimoji="1" lang="en-US" altLang="ja-JP" dirty="0"/>
+          </a:p>
+        </p:txBody>
+      </p:sp>
+      <p:sp>
+        <p:nvSpPr>
+          <p:cNvPr id="20" name="テキスト ボックス 19">
+            <a:extLst>
+              <a:ext uri="{FF2B5EF4-FFF2-40B4-BE49-F238E27FC236}">
+                <a16:creationId xmlns:a16="http://schemas.microsoft.com/office/drawing/2014/main" id="{6FD46044-E6EA-87FE-4617-996B5222F0FB}"/>
+              </a:ext>
+            </a:extLst>
+          </p:cNvPr>
+          <p:cNvSpPr txBox="1"/>
+          <p:nvPr/>
+        </p:nvSpPr>
+        <p:spPr>
+          <a:xfrm>
+            <a:off x="1435057" y="7867145"/>
+            <a:ext cx="2031325" cy="369332"/>
+          </a:xfrm>
+          <a:prstGeom prst="rect">
+            <a:avLst/>
+          </a:prstGeom>
+          <a:noFill/>
+        </p:spPr>
+        <p:txBody>
+          <a:bodyPr wrap="none" rtlCol="0">
+            <a:spAutoFit/>
+          </a:bodyPr>
+          <a:lstStyle/>
+          <a:p>
+            <a:r>
+              <a:rPr kumimoji="1" lang="ja-JP" altLang="en-US" dirty="0"/>
+              <a:t>デバッグタイム！</a:t>
+            </a:r>
+          </a:p>
+        </p:txBody>
+      </p:sp>
+      <p:sp>
+        <p:nvSpPr>
+          <p:cNvPr id="21" name="テキスト ボックス 20">
+            <a:extLst>
+              <a:ext uri="{FF2B5EF4-FFF2-40B4-BE49-F238E27FC236}">
+                <a16:creationId xmlns:a16="http://schemas.microsoft.com/office/drawing/2014/main" id="{8CFAB3B2-DD87-71C6-0728-2E60C044CDF7}"/>
+              </a:ext>
+            </a:extLst>
+          </p:cNvPr>
+          <p:cNvSpPr txBox="1"/>
+          <p:nvPr/>
+        </p:nvSpPr>
+        <p:spPr>
+          <a:xfrm>
+            <a:off x="724116" y="8272951"/>
+            <a:ext cx="4570482" cy="646331"/>
+          </a:xfrm>
+          <a:prstGeom prst="rect">
+            <a:avLst/>
+          </a:prstGeom>
+          <a:noFill/>
+        </p:spPr>
+        <p:txBody>
+          <a:bodyPr wrap="none" rtlCol="0">
+            <a:spAutoFit/>
+          </a:bodyPr>
+          <a:lstStyle/>
+          <a:p>
+            <a:r>
+              <a:rPr kumimoji="1" lang="ja-JP" altLang="en-US" dirty="0"/>
+              <a:t>シンプルなゲームだから少ないと思うけど</a:t>
+            </a:r>
+            <a:endParaRPr kumimoji="1" lang="en-US" altLang="ja-JP" dirty="0"/>
+          </a:p>
+          <a:p>
+            <a:r>
+              <a:rPr kumimoji="1" lang="ja-JP" altLang="en-US" dirty="0"/>
+              <a:t>とにかくバグを減らしていこう！</a:t>
+            </a:r>
+            <a:endParaRPr kumimoji="1" lang="en-US" altLang="ja-JP" dirty="0"/>
           </a:p>
         </p:txBody>
       </p:sp>
     </p:spTree>
     <p:extLst>
       <p:ext uri="{BB962C8B-B14F-4D97-AF65-F5344CB8AC3E}">
-        <p14:creationId xmlns:p14="http://schemas.microsoft.com/office/powerpoint/2010/main" val="4055528768"/>
+        <p14:creationId xmlns:p14="http://schemas.microsoft.com/office/powerpoint/2010/main" val="288898104"/>
       </p:ext>
     </p:extLst>
   </p:cSld>

--- a/99_pranning/卒プレアーカイブ.pptx
+++ b/99_pranning/卒プレアーカイブ.pptx
@@ -4858,41 +4858,6 @@
       </p:pic>
       <p:sp>
         <p:nvSpPr>
-          <p:cNvPr id="2" name="タイトル 1">
-            <a:extLst>
-              <a:ext uri="{FF2B5EF4-FFF2-40B4-BE49-F238E27FC236}">
-                <a16:creationId xmlns:a16="http://schemas.microsoft.com/office/drawing/2014/main" id="{E484E7B0-A3CB-84F1-50A1-E51227B1CA8E}"/>
-              </a:ext>
-            </a:extLst>
-          </p:cNvPr>
-          <p:cNvSpPr>
-            <a:spLocks noGrp="1"/>
-          </p:cNvSpPr>
-          <p:nvPr>
-            <p:ph type="title"/>
-          </p:nvPr>
-        </p:nvSpPr>
-        <p:spPr>
-          <a:xfrm>
-            <a:off x="471487" y="282826"/>
-            <a:ext cx="5915025" cy="700894"/>
-          </a:xfrm>
-        </p:spPr>
-        <p:txBody>
-          <a:bodyPr/>
-          <a:lstStyle/>
-          <a:p>
-            <a:pPr algn="ctr"/>
-            <a:r>
-              <a:rPr lang="ja-JP" altLang="en-US" dirty="0"/>
-              <a:t>想定したスケジュール</a:t>
-            </a:r>
-            <a:endParaRPr kumimoji="1" lang="ja-JP" altLang="en-US" dirty="0"/>
-          </a:p>
-        </p:txBody>
-      </p:sp>
-      <p:sp>
-        <p:nvSpPr>
           <p:cNvPr id="6" name="矢印: 下 5">
             <a:extLst>
               <a:ext uri="{FF2B5EF4-FFF2-40B4-BE49-F238E27FC236}">
@@ -4934,7 +4899,10 @@
           <a:p>
             <a:pPr algn="ctr"/>
             <a:r>
-              <a:rPr kumimoji="1" lang="ja-JP" altLang="en-US" dirty="0"/>
+              <a:rPr kumimoji="1" lang="ja-JP" altLang="en-US" dirty="0">
+                <a:latin typeface="ノスタルドット（M+）" panose="020B0302020203020207" pitchFamily="50" charset="-128"/>
+                <a:ea typeface="ノスタルドット（M+）" panose="020B0302020203020207" pitchFamily="50" charset="-128"/>
+              </a:rPr>
               <a:t>下を指すデビルの画像を貼りたい</a:t>
             </a:r>
           </a:p>
@@ -4954,8 +4922,8 @@
         </p:nvSpPr>
         <p:spPr>
           <a:xfrm rot="20748812">
-            <a:off x="490594" y="945050"/>
-            <a:ext cx="2339102" cy="461665"/>
+            <a:off x="311058" y="1091697"/>
+            <a:ext cx="2698175" cy="523220"/>
           </a:xfrm>
           <a:prstGeom prst="rect">
             <a:avLst/>
@@ -4969,7 +4937,7 @@
           <a:lstStyle/>
           <a:p>
             <a:r>
-              <a:rPr kumimoji="1" lang="ja-JP" altLang="en-US" sz="2400" dirty="0">
+              <a:rPr kumimoji="1" lang="ja-JP" altLang="en-US" sz="2800" dirty="0">
                 <a:solidFill>
                   <a:schemeClr val="bg1"/>
                 </a:solidFill>
@@ -4981,8 +4949,8 @@
                     </a:schemeClr>
                   </a:glow>
                 </a:effectLst>
-                <a:latin typeface="HG創英角ﾎﾟｯﾌﾟ体" panose="040B0A09000000000000" pitchFamily="49" charset="-128"/>
-                <a:ea typeface="HG創英角ﾎﾟｯﾌﾟ体" panose="040B0A09000000000000" pitchFamily="49" charset="-128"/>
+                <a:latin typeface="ノスタルドット（M+）" panose="020B0302020203020207" pitchFamily="50" charset="-128"/>
+                <a:ea typeface="ノスタルドット（M+）" panose="020B0302020203020207" pitchFamily="50" charset="-128"/>
               </a:rPr>
               <a:t>プロトタイプ版</a:t>
             </a:r>
@@ -5003,8 +4971,8 @@
         </p:nvSpPr>
         <p:spPr>
           <a:xfrm rot="20748812">
-            <a:off x="517890" y="3082062"/>
-            <a:ext cx="1723549" cy="461665"/>
+            <a:off x="389650" y="3228709"/>
+            <a:ext cx="1980029" cy="523220"/>
           </a:xfrm>
           <a:prstGeom prst="rect">
             <a:avLst/>
@@ -5018,7 +4986,7 @@
           <a:lstStyle/>
           <a:p>
             <a:r>
-              <a:rPr kumimoji="1" lang="ja-JP" altLang="en-US" sz="2400" dirty="0">
+              <a:rPr kumimoji="1" lang="ja-JP" altLang="en-US" sz="2800" dirty="0">
                 <a:solidFill>
                   <a:schemeClr val="bg1"/>
                 </a:solidFill>
@@ -5030,8 +4998,8 @@
                     </a:schemeClr>
                   </a:glow>
                 </a:effectLst>
-                <a:latin typeface="HG創英角ﾎﾟｯﾌﾟ体" panose="040B0A09000000000000" pitchFamily="49" charset="-128"/>
-                <a:ea typeface="HG創英角ﾎﾟｯﾌﾟ体" panose="040B0A09000000000000" pitchFamily="49" charset="-128"/>
+                <a:latin typeface="ノスタルドット（M+）" panose="020B0302020203020207" pitchFamily="50" charset="-128"/>
+                <a:ea typeface="ノスタルドット（M+）" panose="020B0302020203020207" pitchFamily="50" charset="-128"/>
               </a:rPr>
               <a:t>アルファ版</a:t>
             </a:r>
@@ -5052,8 +5020,8 @@
         </p:nvSpPr>
         <p:spPr>
           <a:xfrm rot="20748812">
-            <a:off x="517890" y="5212489"/>
-            <a:ext cx="1415772" cy="461665"/>
+            <a:off x="415298" y="5359136"/>
+            <a:ext cx="1620957" cy="523220"/>
           </a:xfrm>
           <a:prstGeom prst="rect">
             <a:avLst/>
@@ -5067,7 +5035,7 @@
           <a:lstStyle/>
           <a:p>
             <a:r>
-              <a:rPr kumimoji="1" lang="ja-JP" altLang="en-US" sz="2400" dirty="0">
+              <a:rPr kumimoji="1" lang="ja-JP" altLang="en-US" sz="2800" dirty="0">
                 <a:solidFill>
                   <a:schemeClr val="bg1"/>
                 </a:solidFill>
@@ -5079,8 +5047,8 @@
                     </a:schemeClr>
                   </a:glow>
                 </a:effectLst>
-                <a:latin typeface="HG創英角ﾎﾟｯﾌﾟ体" panose="040B0A09000000000000" pitchFamily="49" charset="-128"/>
-                <a:ea typeface="HG創英角ﾎﾟｯﾌﾟ体" panose="040B0A09000000000000" pitchFamily="49" charset="-128"/>
+                <a:latin typeface="ノスタルドット（M+）" panose="020B0302020203020207" pitchFamily="50" charset="-128"/>
+                <a:ea typeface="ノスタルドット（M+）" panose="020B0302020203020207" pitchFamily="50" charset="-128"/>
               </a:rPr>
               <a:t>ベータ版</a:t>
             </a:r>
@@ -5101,8 +5069,8 @@
         </p:nvSpPr>
         <p:spPr>
           <a:xfrm rot="20748812">
-            <a:off x="531538" y="7404990"/>
-            <a:ext cx="1723549" cy="461665"/>
+            <a:off x="403298" y="7551637"/>
+            <a:ext cx="1980029" cy="523220"/>
           </a:xfrm>
           <a:prstGeom prst="rect">
             <a:avLst/>
@@ -5116,7 +5084,7 @@
           <a:lstStyle/>
           <a:p>
             <a:r>
-              <a:rPr kumimoji="1" lang="ja-JP" altLang="en-US" sz="2400" dirty="0">
+              <a:rPr kumimoji="1" lang="ja-JP" altLang="en-US" sz="2800" dirty="0">
                 <a:solidFill>
                   <a:schemeClr val="bg1"/>
                 </a:solidFill>
@@ -5128,8 +5096,8 @@
                     </a:schemeClr>
                   </a:glow>
                 </a:effectLst>
-                <a:latin typeface="HG創英角ﾎﾟｯﾌﾟ体" panose="040B0A09000000000000" pitchFamily="49" charset="-128"/>
-                <a:ea typeface="HG創英角ﾎﾟｯﾌﾟ体" panose="040B0A09000000000000" pitchFamily="49" charset="-128"/>
+                <a:latin typeface="ノスタルドット（M+）" panose="020B0302020203020207" pitchFamily="50" charset="-128"/>
+                <a:ea typeface="ノスタルドット（M+）" panose="020B0302020203020207" pitchFamily="50" charset="-128"/>
               </a:rPr>
               <a:t>マスター版</a:t>
             </a:r>
@@ -5150,8 +5118,8 @@
         </p:nvSpPr>
         <p:spPr>
           <a:xfrm>
-            <a:off x="2051042" y="1502949"/>
-            <a:ext cx="1569660" cy="369332"/>
+            <a:off x="3004489" y="2391430"/>
+            <a:ext cx="184731" cy="461665"/>
           </a:xfrm>
           <a:prstGeom prst="rect">
             <a:avLst/>
@@ -5164,10 +5132,10 @@
           </a:bodyPr>
           <a:lstStyle/>
           <a:p>
-            <a:r>
-              <a:rPr kumimoji="1" lang="ja-JP" altLang="en-US" dirty="0"/>
-              <a:t>企画を完成！</a:t>
-            </a:r>
+            <a:endParaRPr kumimoji="1" lang="ja-JP" altLang="en-US" sz="2400" dirty="0">
+              <a:latin typeface="ノスタルドット（M+）" panose="020B0302020203020207" pitchFamily="50" charset="-128"/>
+              <a:ea typeface="ノスタルドット（M+）" panose="020B0302020203020207" pitchFamily="50" charset="-128"/>
+            </a:endParaRPr>
           </a:p>
         </p:txBody>
       </p:sp>
@@ -5200,14 +5168,23 @@
           <a:lstStyle/>
           <a:p>
             <a:r>
-              <a:rPr kumimoji="1" lang="ja-JP" altLang="en-US" dirty="0"/>
+              <a:rPr kumimoji="1" lang="ja-JP" altLang="en-US" dirty="0">
+                <a:latin typeface="ノスタルドット（M+）" panose="020B0302020203020207" pitchFamily="50" charset="-128"/>
+                <a:ea typeface="ノスタルドット（M+）" panose="020B0302020203020207" pitchFamily="50" charset="-128"/>
+              </a:rPr>
               <a:t>ひとまず原作を</a:t>
             </a:r>
-            <a:endParaRPr kumimoji="1" lang="en-US" altLang="ja-JP" dirty="0"/>
-          </a:p>
-          <a:p>
-            <a:r>
-              <a:rPr kumimoji="1" lang="ja-JP" altLang="en-US" dirty="0"/>
+            <a:endParaRPr kumimoji="1" lang="en-US" altLang="ja-JP" dirty="0">
+              <a:latin typeface="ノスタルドット（M+）" panose="020B0302020203020207" pitchFamily="50" charset="-128"/>
+              <a:ea typeface="ノスタルドット（M+）" panose="020B0302020203020207" pitchFamily="50" charset="-128"/>
+            </a:endParaRPr>
+          </a:p>
+          <a:p>
+            <a:r>
+              <a:rPr kumimoji="1" lang="ja-JP" altLang="en-US" dirty="0">
+                <a:latin typeface="ノスタルドット（M+）" panose="020B0302020203020207" pitchFamily="50" charset="-128"/>
+                <a:ea typeface="ノスタルドット（M+）" panose="020B0302020203020207" pitchFamily="50" charset="-128"/>
+              </a:rPr>
               <a:t>完全再現してみよう！</a:t>
             </a:r>
           </a:p>
@@ -5227,8 +5204,8 @@
         </p:nvSpPr>
         <p:spPr>
           <a:xfrm>
-            <a:off x="1267260" y="3712676"/>
-            <a:ext cx="1800493" cy="369332"/>
+            <a:off x="3004489" y="4534293"/>
+            <a:ext cx="184731" cy="461665"/>
           </a:xfrm>
           <a:prstGeom prst="rect">
             <a:avLst/>
@@ -5241,10 +5218,10 @@
           </a:bodyPr>
           <a:lstStyle/>
           <a:p>
-            <a:r>
-              <a:rPr kumimoji="1" lang="ja-JP" altLang="en-US" dirty="0"/>
-              <a:t>新要素の実装！</a:t>
-            </a:r>
+            <a:endParaRPr kumimoji="1" lang="ja-JP" altLang="en-US" sz="2400" dirty="0">
+              <a:latin typeface="ノスタルドット（M+）" panose="020B0302020203020207" pitchFamily="50" charset="-128"/>
+              <a:ea typeface="ノスタルドット（M+）" panose="020B0302020203020207" pitchFamily="50" charset="-128"/>
+            </a:endParaRPr>
           </a:p>
         </p:txBody>
       </p:sp>
@@ -5277,17 +5254,29 @@
           <a:lstStyle/>
           <a:p>
             <a:r>
-              <a:rPr kumimoji="1" lang="ja-JP" altLang="en-US" dirty="0"/>
+              <a:rPr kumimoji="1" lang="ja-JP" altLang="en-US" dirty="0">
+                <a:latin typeface="ノスタルドット（M+）" panose="020B0302020203020207" pitchFamily="50" charset="-128"/>
+                <a:ea typeface="ノスタルドット（M+）" panose="020B0302020203020207" pitchFamily="50" charset="-128"/>
+              </a:rPr>
               <a:t>原作の要素を残しつつ</a:t>
             </a:r>
-            <a:endParaRPr kumimoji="1" lang="en-US" altLang="ja-JP" dirty="0"/>
-          </a:p>
-          <a:p>
-            <a:r>
-              <a:rPr kumimoji="1" lang="ja-JP" altLang="en-US" dirty="0"/>
+            <a:endParaRPr kumimoji="1" lang="en-US" altLang="ja-JP" dirty="0">
+              <a:latin typeface="ノスタルドット（M+）" panose="020B0302020203020207" pitchFamily="50" charset="-128"/>
+              <a:ea typeface="ノスタルドット（M+）" panose="020B0302020203020207" pitchFamily="50" charset="-128"/>
+            </a:endParaRPr>
+          </a:p>
+          <a:p>
+            <a:r>
+              <a:rPr kumimoji="1" lang="ja-JP" altLang="en-US" dirty="0">
+                <a:latin typeface="ノスタルドット（M+）" panose="020B0302020203020207" pitchFamily="50" charset="-128"/>
+                <a:ea typeface="ノスタルドット（M+）" panose="020B0302020203020207" pitchFamily="50" charset="-128"/>
+              </a:rPr>
               <a:t>傾きを追加していこう！</a:t>
             </a:r>
-            <a:endParaRPr kumimoji="1" lang="en-US" altLang="ja-JP" dirty="0"/>
+            <a:endParaRPr kumimoji="1" lang="en-US" altLang="ja-JP" dirty="0">
+              <a:latin typeface="ノスタルドット（M+）" panose="020B0302020203020207" pitchFamily="50" charset="-128"/>
+              <a:ea typeface="ノスタルドット（M+）" panose="020B0302020203020207" pitchFamily="50" charset="-128"/>
+            </a:endParaRPr>
           </a:p>
         </p:txBody>
       </p:sp>
@@ -5305,8 +5294,8 @@
         </p:nvSpPr>
         <p:spPr>
           <a:xfrm>
-            <a:off x="1424894" y="5675437"/>
-            <a:ext cx="2031325" cy="369332"/>
+            <a:off x="3004489" y="6659157"/>
+            <a:ext cx="184731" cy="461665"/>
           </a:xfrm>
           <a:prstGeom prst="rect">
             <a:avLst/>
@@ -5319,10 +5308,10 @@
           </a:bodyPr>
           <a:lstStyle/>
           <a:p>
-            <a:r>
-              <a:rPr kumimoji="1" lang="ja-JP" altLang="en-US" dirty="0"/>
-              <a:t>リソースの置換！</a:t>
-            </a:r>
+            <a:endParaRPr kumimoji="1" lang="ja-JP" altLang="en-US" sz="2400" dirty="0">
+              <a:latin typeface="ノスタルドット（M+）" panose="020B0302020203020207" pitchFamily="50" charset="-128"/>
+              <a:ea typeface="ノスタルドット（M+）" panose="020B0302020203020207" pitchFamily="50" charset="-128"/>
+            </a:endParaRPr>
           </a:p>
         </p:txBody>
       </p:sp>
@@ -5341,7 +5330,7 @@
         <p:spPr>
           <a:xfrm>
             <a:off x="818520" y="6044769"/>
-            <a:ext cx="4339650" cy="646331"/>
+            <a:ext cx="3416320" cy="646331"/>
           </a:xfrm>
           <a:prstGeom prst="rect">
             <a:avLst/>
@@ -5355,52 +5344,29 @@
           <a:lstStyle/>
           <a:p>
             <a:r>
-              <a:rPr kumimoji="1" lang="ja-JP" altLang="en-US" dirty="0"/>
+              <a:rPr kumimoji="1" lang="ja-JP" altLang="en-US" dirty="0">
+                <a:latin typeface="ノスタルドット（M+）" panose="020B0302020203020207" pitchFamily="50" charset="-128"/>
+                <a:ea typeface="ノスタルドット（M+）" panose="020B0302020203020207" pitchFamily="50" charset="-128"/>
+              </a:rPr>
               <a:t>仮で使っていたリソースを</a:t>
             </a:r>
-            <a:endParaRPr kumimoji="1" lang="en-US" altLang="ja-JP" dirty="0"/>
-          </a:p>
-          <a:p>
-            <a:r>
-              <a:rPr kumimoji="1" lang="ja-JP" altLang="en-US" dirty="0"/>
-              <a:t>デビルやタマゴンに置き換えていこう！</a:t>
-            </a:r>
-            <a:endParaRPr kumimoji="1" lang="en-US" altLang="ja-JP" dirty="0"/>
-          </a:p>
-        </p:txBody>
-      </p:sp>
-      <p:sp>
-        <p:nvSpPr>
-          <p:cNvPr id="25" name="テキスト ボックス 24">
-            <a:extLst>
-              <a:ext uri="{FF2B5EF4-FFF2-40B4-BE49-F238E27FC236}">
-                <a16:creationId xmlns:a16="http://schemas.microsoft.com/office/drawing/2014/main" id="{0D222943-4971-BBB7-F2F7-D533A720D005}"/>
-              </a:ext>
-            </a:extLst>
-          </p:cNvPr>
-          <p:cNvSpPr txBox="1"/>
-          <p:nvPr/>
-        </p:nvSpPr>
-        <p:spPr>
-          <a:xfrm>
-            <a:off x="1435057" y="7867145"/>
-            <a:ext cx="2031325" cy="369332"/>
-          </a:xfrm>
-          <a:prstGeom prst="rect">
-            <a:avLst/>
-          </a:prstGeom>
-          <a:noFill/>
-        </p:spPr>
-        <p:txBody>
-          <a:bodyPr wrap="none" rtlCol="0">
-            <a:spAutoFit/>
-          </a:bodyPr>
-          <a:lstStyle/>
-          <a:p>
-            <a:r>
-              <a:rPr kumimoji="1" lang="ja-JP" altLang="en-US" dirty="0"/>
-              <a:t>デバッグタイム！</a:t>
-            </a:r>
+            <a:endParaRPr kumimoji="1" lang="en-US" altLang="ja-JP" dirty="0">
+              <a:latin typeface="ノスタルドット（M+）" panose="020B0302020203020207" pitchFamily="50" charset="-128"/>
+              <a:ea typeface="ノスタルドット（M+）" panose="020B0302020203020207" pitchFamily="50" charset="-128"/>
+            </a:endParaRPr>
+          </a:p>
+          <a:p>
+            <a:r>
+              <a:rPr kumimoji="1" lang="ja-JP" altLang="en-US" dirty="0">
+                <a:latin typeface="ノスタルドット（M+）" panose="020B0302020203020207" pitchFamily="50" charset="-128"/>
+                <a:ea typeface="ノスタルドット（M+）" panose="020B0302020203020207" pitchFamily="50" charset="-128"/>
+              </a:rPr>
+              <a:t>デビル達に置き換えていこう！</a:t>
+            </a:r>
+            <a:endParaRPr kumimoji="1" lang="en-US" altLang="ja-JP" dirty="0">
+              <a:latin typeface="ノスタルドット（M+）" panose="020B0302020203020207" pitchFamily="50" charset="-128"/>
+              <a:ea typeface="ノスタルドット（M+）" panose="020B0302020203020207" pitchFamily="50" charset="-128"/>
+            </a:endParaRPr>
           </a:p>
         </p:txBody>
       </p:sp>
@@ -5419,7 +5385,7 @@
         <p:spPr>
           <a:xfrm>
             <a:off x="724116" y="8272951"/>
-            <a:ext cx="4570482" cy="646331"/>
+            <a:ext cx="2954655" cy="646331"/>
           </a:xfrm>
           <a:prstGeom prst="rect">
             <a:avLst/>
@@ -5433,17 +5399,239 @@
           <a:lstStyle/>
           <a:p>
             <a:r>
-              <a:rPr kumimoji="1" lang="ja-JP" altLang="en-US" dirty="0"/>
-              <a:t>シンプルなゲームだから少ないと思うけど</a:t>
-            </a:r>
-            <a:endParaRPr kumimoji="1" lang="en-US" altLang="ja-JP" dirty="0"/>
-          </a:p>
-          <a:p>
-            <a:r>
-              <a:rPr kumimoji="1" lang="ja-JP" altLang="en-US" dirty="0"/>
-              <a:t>とにかくバグを減らしていこう！</a:t>
-            </a:r>
-            <a:endParaRPr kumimoji="1" lang="en-US" altLang="ja-JP" dirty="0"/>
+              <a:rPr kumimoji="1" lang="ja-JP" altLang="en-US" dirty="0">
+                <a:latin typeface="ノスタルドット（M+）" panose="020B0302020203020207" pitchFamily="50" charset="-128"/>
+                <a:ea typeface="ノスタルドット（M+）" panose="020B0302020203020207" pitchFamily="50" charset="-128"/>
+              </a:rPr>
+              <a:t>デバッグとブース制作を</a:t>
+            </a:r>
+            <a:endParaRPr kumimoji="1" lang="en-US" altLang="ja-JP" dirty="0">
+              <a:latin typeface="ノスタルドット（M+）" panose="020B0302020203020207" pitchFamily="50" charset="-128"/>
+              <a:ea typeface="ノスタルドット（M+）" panose="020B0302020203020207" pitchFamily="50" charset="-128"/>
+            </a:endParaRPr>
+          </a:p>
+          <a:p>
+            <a:r>
+              <a:rPr kumimoji="1" lang="ja-JP" altLang="en-US" dirty="0">
+                <a:latin typeface="ノスタルドット（M+）" panose="020B0302020203020207" pitchFamily="50" charset="-128"/>
+                <a:ea typeface="ノスタルドット（M+）" panose="020B0302020203020207" pitchFamily="50" charset="-128"/>
+              </a:rPr>
+              <a:t>同時並行で進めていこう！</a:t>
+            </a:r>
+            <a:endParaRPr kumimoji="1" lang="en-US" altLang="ja-JP" dirty="0">
+              <a:latin typeface="ノスタルドット（M+）" panose="020B0302020203020207" pitchFamily="50" charset="-128"/>
+              <a:ea typeface="ノスタルドット（M+）" panose="020B0302020203020207" pitchFamily="50" charset="-128"/>
+            </a:endParaRPr>
+          </a:p>
+        </p:txBody>
+      </p:sp>
+      <p:sp>
+        <p:nvSpPr>
+          <p:cNvPr id="8" name="テキスト ボックス 7">
+            <a:extLst>
+              <a:ext uri="{FF2B5EF4-FFF2-40B4-BE49-F238E27FC236}">
+                <a16:creationId xmlns:a16="http://schemas.microsoft.com/office/drawing/2014/main" id="{5DA0EC0C-8B13-7B4D-47A0-A1CD8A34DB0A}"/>
+              </a:ext>
+            </a:extLst>
+          </p:cNvPr>
+          <p:cNvSpPr txBox="1"/>
+          <p:nvPr/>
+        </p:nvSpPr>
+        <p:spPr>
+          <a:xfrm>
+            <a:off x="2349391" y="1285962"/>
+            <a:ext cx="2031325" cy="461665"/>
+          </a:xfrm>
+          <a:prstGeom prst="rect">
+            <a:avLst/>
+          </a:prstGeom>
+          <a:noFill/>
+        </p:spPr>
+        <p:txBody>
+          <a:bodyPr wrap="none" rtlCol="0">
+            <a:spAutoFit/>
+          </a:bodyPr>
+          <a:lstStyle/>
+          <a:p>
+            <a:r>
+              <a:rPr kumimoji="1" lang="ja-JP" altLang="en-US" sz="2400" dirty="0">
+                <a:latin typeface="ノスタルドット（M+）" panose="020B0302020203020207" pitchFamily="50" charset="-128"/>
+                <a:ea typeface="ノスタルドット（M+）" panose="020B0302020203020207" pitchFamily="50" charset="-128"/>
+              </a:rPr>
+              <a:t>企画を完成！</a:t>
+            </a:r>
+          </a:p>
+        </p:txBody>
+      </p:sp>
+      <p:sp>
+        <p:nvSpPr>
+          <p:cNvPr id="9" name="テキスト ボックス 8">
+            <a:extLst>
+              <a:ext uri="{FF2B5EF4-FFF2-40B4-BE49-F238E27FC236}">
+                <a16:creationId xmlns:a16="http://schemas.microsoft.com/office/drawing/2014/main" id="{68E5ADF3-69BE-643E-1E8B-BBCE9F3C85DF}"/>
+              </a:ext>
+            </a:extLst>
+          </p:cNvPr>
+          <p:cNvSpPr txBox="1"/>
+          <p:nvPr/>
+        </p:nvSpPr>
+        <p:spPr>
+          <a:xfrm>
+            <a:off x="2349391" y="3428825"/>
+            <a:ext cx="2339102" cy="461665"/>
+          </a:xfrm>
+          <a:prstGeom prst="rect">
+            <a:avLst/>
+          </a:prstGeom>
+          <a:noFill/>
+        </p:spPr>
+        <p:txBody>
+          <a:bodyPr wrap="none" rtlCol="0">
+            <a:spAutoFit/>
+          </a:bodyPr>
+          <a:lstStyle/>
+          <a:p>
+            <a:r>
+              <a:rPr kumimoji="1" lang="ja-JP" altLang="en-US" sz="2400" dirty="0">
+                <a:latin typeface="ノスタルドット（M+）" panose="020B0302020203020207" pitchFamily="50" charset="-128"/>
+                <a:ea typeface="ノスタルドット（M+）" panose="020B0302020203020207" pitchFamily="50" charset="-128"/>
+              </a:rPr>
+              <a:t>新要素の実装！</a:t>
+            </a:r>
+          </a:p>
+        </p:txBody>
+      </p:sp>
+      <p:sp>
+        <p:nvSpPr>
+          <p:cNvPr id="10" name="テキスト ボックス 9">
+            <a:extLst>
+              <a:ext uri="{FF2B5EF4-FFF2-40B4-BE49-F238E27FC236}">
+                <a16:creationId xmlns:a16="http://schemas.microsoft.com/office/drawing/2014/main" id="{FDABC98E-8334-D940-D37C-967F7B0D6EF9}"/>
+              </a:ext>
+            </a:extLst>
+          </p:cNvPr>
+          <p:cNvSpPr txBox="1"/>
+          <p:nvPr/>
+        </p:nvSpPr>
+        <p:spPr>
+          <a:xfrm>
+            <a:off x="2349391" y="5553689"/>
+            <a:ext cx="2646878" cy="461665"/>
+          </a:xfrm>
+          <a:prstGeom prst="rect">
+            <a:avLst/>
+          </a:prstGeom>
+          <a:noFill/>
+        </p:spPr>
+        <p:txBody>
+          <a:bodyPr wrap="none" rtlCol="0">
+            <a:spAutoFit/>
+          </a:bodyPr>
+          <a:lstStyle/>
+          <a:p>
+            <a:r>
+              <a:rPr kumimoji="1" lang="ja-JP" altLang="en-US" sz="2400" dirty="0">
+                <a:latin typeface="ノスタルドット（M+）" panose="020B0302020203020207" pitchFamily="50" charset="-128"/>
+                <a:ea typeface="ノスタルドット（M+）" panose="020B0302020203020207" pitchFamily="50" charset="-128"/>
+              </a:rPr>
+              <a:t>リソースの置換！</a:t>
+            </a:r>
+          </a:p>
+        </p:txBody>
+      </p:sp>
+      <p:sp>
+        <p:nvSpPr>
+          <p:cNvPr id="15" name="テキスト ボックス 14">
+            <a:extLst>
+              <a:ext uri="{FF2B5EF4-FFF2-40B4-BE49-F238E27FC236}">
+                <a16:creationId xmlns:a16="http://schemas.microsoft.com/office/drawing/2014/main" id="{A2826997-465B-C9D6-E752-9A5D1E0FF3FF}"/>
+              </a:ext>
+            </a:extLst>
+          </p:cNvPr>
+          <p:cNvSpPr txBox="1"/>
+          <p:nvPr/>
+        </p:nvSpPr>
+        <p:spPr>
+          <a:xfrm>
+            <a:off x="2349391" y="7741760"/>
+            <a:ext cx="2646878" cy="461665"/>
+          </a:xfrm>
+          <a:prstGeom prst="rect">
+            <a:avLst/>
+          </a:prstGeom>
+          <a:noFill/>
+        </p:spPr>
+        <p:txBody>
+          <a:bodyPr wrap="none" rtlCol="0">
+            <a:spAutoFit/>
+          </a:bodyPr>
+          <a:lstStyle/>
+          <a:p>
+            <a:r>
+              <a:rPr kumimoji="1" lang="ja-JP" altLang="en-US" sz="2400" dirty="0">
+                <a:latin typeface="ノスタルドット（M+）" panose="020B0302020203020207" pitchFamily="50" charset="-128"/>
+                <a:ea typeface="ノスタルドット（M+）" panose="020B0302020203020207" pitchFamily="50" charset="-128"/>
+              </a:rPr>
+              <a:t>デバッグタイム！</a:t>
+            </a:r>
+          </a:p>
+        </p:txBody>
+      </p:sp>
+      <p:sp>
+        <p:nvSpPr>
+          <p:cNvPr id="27" name="タイトル 1">
+            <a:extLst>
+              <a:ext uri="{FF2B5EF4-FFF2-40B4-BE49-F238E27FC236}">
+                <a16:creationId xmlns:a16="http://schemas.microsoft.com/office/drawing/2014/main" id="{14969942-3AB8-A8A7-817B-894880AFC0D9}"/>
+              </a:ext>
+            </a:extLst>
+          </p:cNvPr>
+          <p:cNvSpPr txBox="1">
+            <a:spLocks/>
+          </p:cNvSpPr>
+          <p:nvPr/>
+        </p:nvSpPr>
+        <p:spPr>
+          <a:xfrm>
+            <a:off x="471487" y="64458"/>
+            <a:ext cx="5915025" cy="700894"/>
+          </a:xfrm>
+          <a:prstGeom prst="rect">
+            <a:avLst/>
+          </a:prstGeom>
+        </p:spPr>
+        <p:txBody>
+          <a:bodyPr vert="horz" lIns="91440" tIns="45720" rIns="91440" bIns="45720" rtlCol="0" anchor="ctr">
+            <a:normAutofit/>
+          </a:bodyPr>
+          <a:lstStyle>
+            <a:lvl1pPr algn="l" defTabSz="685800" rtl="0" eaLnBrk="1" latinLnBrk="0" hangingPunct="1">
+              <a:lnSpc>
+                <a:spcPct val="90000"/>
+              </a:lnSpc>
+              <a:spcBef>
+                <a:spcPct val="0"/>
+              </a:spcBef>
+              <a:buNone/>
+              <a:defRPr kumimoji="1" sz="3300" kern="1200">
+                <a:solidFill>
+                  <a:schemeClr val="tx1"/>
+                </a:solidFill>
+                <a:latin typeface="+mj-lt"/>
+                <a:ea typeface="+mj-ea"/>
+                <a:cs typeface="+mj-cs"/>
+              </a:defRPr>
+            </a:lvl1pPr>
+          </a:lstStyle>
+          <a:p>
+            <a:pPr algn="ctr"/>
+            <a:r>
+              <a:rPr lang="ja-JP" altLang="en-US" dirty="0">
+                <a:latin typeface="ノスタルドット（M+）" panose="020B0302020203020207" pitchFamily="50" charset="-128"/>
+                <a:ea typeface="ノスタルドット（M+）" panose="020B0302020203020207" pitchFamily="50" charset="-128"/>
+              </a:rPr>
+              <a:t>想定のスケジュール</a:t>
+            </a:r>
           </a:p>
         </p:txBody>
       </p:sp>
@@ -5501,7 +5689,7 @@
         </p:nvSpPr>
         <p:spPr>
           <a:xfrm>
-            <a:off x="471487" y="282826"/>
+            <a:off x="471487" y="64458"/>
             <a:ext cx="5915025" cy="700894"/>
           </a:xfrm>
         </p:spPr>
@@ -5511,7 +5699,10 @@
           <a:p>
             <a:pPr algn="ctr"/>
             <a:r>
-              <a:rPr kumimoji="1" lang="ja-JP" altLang="en-US" dirty="0"/>
+              <a:rPr kumimoji="1" lang="ja-JP" altLang="en-US" dirty="0">
+                <a:latin typeface="ノスタルドット（M+）" panose="020B0302020203020207" pitchFamily="50" charset="-128"/>
+                <a:ea typeface="ノスタルドット（M+）" panose="020B0302020203020207" pitchFamily="50" charset="-128"/>
+              </a:rPr>
               <a:t>実際のスケジュール</a:t>
             </a:r>
           </a:p>
@@ -5560,7 +5751,10 @@
           <a:p>
             <a:pPr algn="ctr"/>
             <a:r>
-              <a:rPr kumimoji="1" lang="ja-JP" altLang="en-US" dirty="0"/>
+              <a:rPr kumimoji="1" lang="ja-JP" altLang="en-US" dirty="0">
+                <a:latin typeface="ノスタルドット（M+）" panose="020B0302020203020207" pitchFamily="50" charset="-128"/>
+                <a:ea typeface="ノスタルドット（M+）" panose="020B0302020203020207" pitchFamily="50" charset="-128"/>
+              </a:rPr>
               <a:t>下を指すデビルの画像を貼りたい</a:t>
             </a:r>
           </a:p>
@@ -5568,10 +5762,10 @@
       </p:sp>
       <p:sp>
         <p:nvSpPr>
-          <p:cNvPr id="10" name="テキスト ボックス 9">
+          <p:cNvPr id="15" name="テキスト ボックス 14">
             <a:extLst>
               <a:ext uri="{FF2B5EF4-FFF2-40B4-BE49-F238E27FC236}">
-                <a16:creationId xmlns:a16="http://schemas.microsoft.com/office/drawing/2014/main" id="{F75562BE-F30E-8180-D7AF-90AC08853C58}"/>
+                <a16:creationId xmlns:a16="http://schemas.microsoft.com/office/drawing/2014/main" id="{794E6551-7AE1-732D-C1DA-DF83444C6023}"/>
               </a:ext>
             </a:extLst>
           </p:cNvPr>
@@ -5579,9 +5773,9 @@
           <p:nvPr/>
         </p:nvSpPr>
         <p:spPr>
-          <a:xfrm rot="20748812">
-            <a:off x="490594" y="945050"/>
-            <a:ext cx="2339102" cy="461665"/>
+          <a:xfrm>
+            <a:off x="903520" y="1826960"/>
+            <a:ext cx="4339650" cy="646331"/>
           </a:xfrm>
           <a:prstGeom prst="rect">
             <a:avLst/>
@@ -5595,7 +5789,378 @@
           <a:lstStyle/>
           <a:p>
             <a:r>
+              <a:rPr kumimoji="1" lang="ja-JP" altLang="en-US" dirty="0">
+                <a:latin typeface="ノスタルドット（M+）" panose="020B0302020203020207" pitchFamily="50" charset="-128"/>
+                <a:ea typeface="ノスタルドット（M+）" panose="020B0302020203020207" pitchFamily="50" charset="-128"/>
+              </a:rPr>
+              <a:t>原作再現どころか</a:t>
+            </a:r>
+            <a:endParaRPr kumimoji="1" lang="en-US" altLang="ja-JP" dirty="0">
+              <a:latin typeface="ノスタルドット（M+）" panose="020B0302020203020207" pitchFamily="50" charset="-128"/>
+              <a:ea typeface="ノスタルドット（M+）" panose="020B0302020203020207" pitchFamily="50" charset="-128"/>
+            </a:endParaRPr>
+          </a:p>
+          <a:p>
+            <a:r>
+              <a:rPr kumimoji="1" lang="ja-JP" altLang="en-US" dirty="0">
+                <a:latin typeface="ノスタルドット（M+）" panose="020B0302020203020207" pitchFamily="50" charset="-128"/>
+                <a:ea typeface="ノスタルドット（M+）" panose="020B0302020203020207" pitchFamily="50" charset="-128"/>
+              </a:rPr>
+              <a:t>傾きの実装まで手を付けるハイペース！</a:t>
+            </a:r>
+          </a:p>
+        </p:txBody>
+      </p:sp>
+      <p:sp>
+        <p:nvSpPr>
+          <p:cNvPr id="17" name="テキスト ボックス 16">
+            <a:extLst>
+              <a:ext uri="{FF2B5EF4-FFF2-40B4-BE49-F238E27FC236}">
+                <a16:creationId xmlns:a16="http://schemas.microsoft.com/office/drawing/2014/main" id="{927F8DD1-F031-D7ED-DBA9-47B19DE691DF}"/>
+              </a:ext>
+            </a:extLst>
+          </p:cNvPr>
+          <p:cNvSpPr txBox="1"/>
+          <p:nvPr/>
+        </p:nvSpPr>
+        <p:spPr>
+          <a:xfrm>
+            <a:off x="864849" y="4040562"/>
+            <a:ext cx="3185487" cy="646331"/>
+          </a:xfrm>
+          <a:prstGeom prst="rect">
+            <a:avLst/>
+          </a:prstGeom>
+          <a:noFill/>
+        </p:spPr>
+        <p:txBody>
+          <a:bodyPr wrap="none" rtlCol="0">
+            <a:spAutoFit/>
+          </a:bodyPr>
+          <a:lstStyle/>
+          <a:p>
+            <a:r>
+              <a:rPr kumimoji="1" lang="ja-JP" altLang="en-US" dirty="0">
+                <a:latin typeface="ノスタルドット（M+）" panose="020B0302020203020207" pitchFamily="50" charset="-128"/>
+                <a:ea typeface="ノスタルドット（M+）" panose="020B0302020203020207" pitchFamily="50" charset="-128"/>
+              </a:rPr>
+              <a:t>想定よりも１カ月早く</a:t>
+            </a:r>
+            <a:endParaRPr kumimoji="1" lang="en-US" altLang="ja-JP" dirty="0">
+              <a:latin typeface="ノスタルドット（M+）" panose="020B0302020203020207" pitchFamily="50" charset="-128"/>
+              <a:ea typeface="ノスタルドット（M+）" panose="020B0302020203020207" pitchFamily="50" charset="-128"/>
+            </a:endParaRPr>
+          </a:p>
+          <a:p>
+            <a:r>
+              <a:rPr kumimoji="1" lang="ja-JP" altLang="en-US" dirty="0">
+                <a:latin typeface="ノスタルドット（M+）" panose="020B0302020203020207" pitchFamily="50" charset="-128"/>
+                <a:ea typeface="ノスタルドット（M+）" panose="020B0302020203020207" pitchFamily="50" charset="-128"/>
+              </a:rPr>
+              <a:t>インゲーム部分が完成した！</a:t>
+            </a:r>
+            <a:endParaRPr kumimoji="1" lang="en-US" altLang="ja-JP" dirty="0">
+              <a:latin typeface="ノスタルドット（M+）" panose="020B0302020203020207" pitchFamily="50" charset="-128"/>
+              <a:ea typeface="ノスタルドット（M+）" panose="020B0302020203020207" pitchFamily="50" charset="-128"/>
+            </a:endParaRPr>
+          </a:p>
+        </p:txBody>
+      </p:sp>
+      <p:sp>
+        <p:nvSpPr>
+          <p:cNvPr id="19" name="テキスト ボックス 18">
+            <a:extLst>
+              <a:ext uri="{FF2B5EF4-FFF2-40B4-BE49-F238E27FC236}">
+                <a16:creationId xmlns:a16="http://schemas.microsoft.com/office/drawing/2014/main" id="{FD6D874D-27DA-76F5-2FAC-85D615589FC8}"/>
+              </a:ext>
+            </a:extLst>
+          </p:cNvPr>
+          <p:cNvSpPr txBox="1"/>
+          <p:nvPr/>
+        </p:nvSpPr>
+        <p:spPr>
+          <a:xfrm>
+            <a:off x="818520" y="6044769"/>
+            <a:ext cx="4801314" cy="646331"/>
+          </a:xfrm>
+          <a:prstGeom prst="rect">
+            <a:avLst/>
+          </a:prstGeom>
+          <a:noFill/>
+        </p:spPr>
+        <p:txBody>
+          <a:bodyPr wrap="none" rtlCol="0">
+            <a:spAutoFit/>
+          </a:bodyPr>
+          <a:lstStyle/>
+          <a:p>
+            <a:r>
+              <a:rPr kumimoji="1" lang="ja-JP" altLang="en-US" dirty="0">
+                <a:latin typeface="ノスタルドット（M+）" panose="020B0302020203020207" pitchFamily="50" charset="-128"/>
+                <a:ea typeface="ノスタルドット（M+）" panose="020B0302020203020207" pitchFamily="50" charset="-128"/>
+              </a:rPr>
+              <a:t>速度重視の実装をしたことで</a:t>
+            </a:r>
+            <a:endParaRPr kumimoji="1" lang="en-US" altLang="ja-JP" dirty="0">
+              <a:latin typeface="ノスタルドット（M+）" panose="020B0302020203020207" pitchFamily="50" charset="-128"/>
+              <a:ea typeface="ノスタルドット（M+）" panose="020B0302020203020207" pitchFamily="50" charset="-128"/>
+            </a:endParaRPr>
+          </a:p>
+          <a:p>
+            <a:r>
+              <a:rPr kumimoji="1" lang="ja-JP" altLang="en-US" dirty="0">
+                <a:latin typeface="ノスタルドット（M+）" panose="020B0302020203020207" pitchFamily="50" charset="-128"/>
+                <a:ea typeface="ノスタルドット（M+）" panose="020B0302020203020207" pitchFamily="50" charset="-128"/>
+              </a:rPr>
+              <a:t>クラス設計に問題が生じ山のようなバグが！</a:t>
+            </a:r>
+            <a:endParaRPr kumimoji="1" lang="en-US" altLang="ja-JP" dirty="0">
+              <a:latin typeface="ノスタルドット（M+）" panose="020B0302020203020207" pitchFamily="50" charset="-128"/>
+              <a:ea typeface="ノスタルドット（M+）" panose="020B0302020203020207" pitchFamily="50" charset="-128"/>
+            </a:endParaRPr>
+          </a:p>
+        </p:txBody>
+      </p:sp>
+      <p:sp>
+        <p:nvSpPr>
+          <p:cNvPr id="21" name="テキスト ボックス 20">
+            <a:extLst>
+              <a:ext uri="{FF2B5EF4-FFF2-40B4-BE49-F238E27FC236}">
+                <a16:creationId xmlns:a16="http://schemas.microsoft.com/office/drawing/2014/main" id="{8CFAB3B2-DD87-71C6-0728-2E60C044CDF7}"/>
+              </a:ext>
+            </a:extLst>
+          </p:cNvPr>
+          <p:cNvSpPr txBox="1"/>
+          <p:nvPr/>
+        </p:nvSpPr>
+        <p:spPr>
+          <a:xfrm>
+            <a:off x="724116" y="8272951"/>
+            <a:ext cx="4528804" cy="646331"/>
+          </a:xfrm>
+          <a:prstGeom prst="rect">
+            <a:avLst/>
+          </a:prstGeom>
+          <a:noFill/>
+        </p:spPr>
+        <p:txBody>
+          <a:bodyPr wrap="none" rtlCol="0">
+            <a:spAutoFit/>
+          </a:bodyPr>
+          <a:lstStyle/>
+          <a:p>
+            <a:r>
+              <a:rPr kumimoji="1" lang="ja-JP" altLang="en-US" dirty="0">
+                <a:latin typeface="ノスタルドット（M+）" panose="020B0302020203020207" pitchFamily="50" charset="-128"/>
+                <a:ea typeface="ノスタルドット（M+）" panose="020B0302020203020207" pitchFamily="50" charset="-128"/>
+              </a:rPr>
+              <a:t>減る気配のないバグに対して</a:t>
+            </a:r>
+            <a:endParaRPr kumimoji="1" lang="en-US" altLang="ja-JP" dirty="0">
+              <a:latin typeface="ノスタルドット（M+）" panose="020B0302020203020207" pitchFamily="50" charset="-128"/>
+              <a:ea typeface="ノスタルドット（M+）" panose="020B0302020203020207" pitchFamily="50" charset="-128"/>
+            </a:endParaRPr>
+          </a:p>
+          <a:p>
+            <a:r>
+              <a:rPr kumimoji="1" lang="ja-JP" altLang="en-US" dirty="0">
+                <a:latin typeface="ノスタルドット（M+）" panose="020B0302020203020207" pitchFamily="50" charset="-128"/>
+                <a:ea typeface="ノスタルドット（M+）" panose="020B0302020203020207" pitchFamily="50" charset="-128"/>
+              </a:rPr>
+              <a:t>就活や自己都合でメンバーが大幅に減少</a:t>
+            </a:r>
+            <a:r>
+              <a:rPr kumimoji="1" lang="en-US" altLang="ja-JP" dirty="0">
+                <a:latin typeface="ノスタルドット（M+）" panose="020B0302020203020207" pitchFamily="50" charset="-128"/>
+                <a:ea typeface="ノスタルドット（M+）" panose="020B0302020203020207" pitchFamily="50" charset="-128"/>
+              </a:rPr>
+              <a:t>…</a:t>
+            </a:r>
+          </a:p>
+        </p:txBody>
+      </p:sp>
+      <p:sp>
+        <p:nvSpPr>
+          <p:cNvPr id="8" name="テキスト ボックス 7">
+            <a:extLst>
+              <a:ext uri="{FF2B5EF4-FFF2-40B4-BE49-F238E27FC236}">
+                <a16:creationId xmlns:a16="http://schemas.microsoft.com/office/drawing/2014/main" id="{B014E5D8-DA0E-612A-3B18-0ACFBDCA2C9C}"/>
+              </a:ext>
+            </a:extLst>
+          </p:cNvPr>
+          <p:cNvSpPr txBox="1"/>
+          <p:nvPr/>
+        </p:nvSpPr>
+        <p:spPr>
+          <a:xfrm>
+            <a:off x="2349391" y="1285962"/>
+            <a:ext cx="2646878" cy="461665"/>
+          </a:xfrm>
+          <a:prstGeom prst="rect">
+            <a:avLst/>
+          </a:prstGeom>
+          <a:noFill/>
+        </p:spPr>
+        <p:txBody>
+          <a:bodyPr wrap="none" rtlCol="0">
+            <a:spAutoFit/>
+          </a:bodyPr>
+          <a:lstStyle/>
+          <a:p>
+            <a:r>
               <a:rPr kumimoji="1" lang="ja-JP" altLang="en-US" sz="2400" dirty="0">
+                <a:latin typeface="ノスタルドット（M+）" panose="020B0302020203020207" pitchFamily="50" charset="-128"/>
+                <a:ea typeface="ノスタルドット（M+）" panose="020B0302020203020207" pitchFamily="50" charset="-128"/>
+              </a:rPr>
+              <a:t>驚異の実装速度！</a:t>
+            </a:r>
+          </a:p>
+        </p:txBody>
+      </p:sp>
+      <p:sp>
+        <p:nvSpPr>
+          <p:cNvPr id="9" name="テキスト ボックス 8">
+            <a:extLst>
+              <a:ext uri="{FF2B5EF4-FFF2-40B4-BE49-F238E27FC236}">
+                <a16:creationId xmlns:a16="http://schemas.microsoft.com/office/drawing/2014/main" id="{5EFF4264-523F-EF20-D69E-524F6DBB9829}"/>
+              </a:ext>
+            </a:extLst>
+          </p:cNvPr>
+          <p:cNvSpPr txBox="1"/>
+          <p:nvPr/>
+        </p:nvSpPr>
+        <p:spPr>
+          <a:xfrm>
+            <a:off x="2349391" y="3428825"/>
+            <a:ext cx="2954655" cy="461665"/>
+          </a:xfrm>
+          <a:prstGeom prst="rect">
+            <a:avLst/>
+          </a:prstGeom>
+          <a:noFill/>
+        </p:spPr>
+        <p:txBody>
+          <a:bodyPr wrap="none" rtlCol="0">
+            <a:spAutoFit/>
+          </a:bodyPr>
+          <a:lstStyle/>
+          <a:p>
+            <a:r>
+              <a:rPr kumimoji="1" lang="ja-JP" altLang="en-US" sz="2400" dirty="0">
+                <a:latin typeface="ノスタルドット（M+）" panose="020B0302020203020207" pitchFamily="50" charset="-128"/>
+                <a:ea typeface="ノスタルドット（M+）" panose="020B0302020203020207" pitchFamily="50" charset="-128"/>
+              </a:rPr>
+              <a:t>リソースが完成！？</a:t>
+            </a:r>
+          </a:p>
+        </p:txBody>
+      </p:sp>
+      <p:sp>
+        <p:nvSpPr>
+          <p:cNvPr id="22" name="テキスト ボックス 21">
+            <a:extLst>
+              <a:ext uri="{FF2B5EF4-FFF2-40B4-BE49-F238E27FC236}">
+                <a16:creationId xmlns:a16="http://schemas.microsoft.com/office/drawing/2014/main" id="{5BF74F59-3361-9665-57ED-08B7E8AFDE90}"/>
+              </a:ext>
+            </a:extLst>
+          </p:cNvPr>
+          <p:cNvSpPr txBox="1"/>
+          <p:nvPr/>
+        </p:nvSpPr>
+        <p:spPr>
+          <a:xfrm>
+            <a:off x="2349391" y="5553689"/>
+            <a:ext cx="3262432" cy="461665"/>
+          </a:xfrm>
+          <a:prstGeom prst="rect">
+            <a:avLst/>
+          </a:prstGeom>
+          <a:noFill/>
+        </p:spPr>
+        <p:txBody>
+          <a:bodyPr wrap="none" rtlCol="0">
+            <a:spAutoFit/>
+          </a:bodyPr>
+          <a:lstStyle/>
+          <a:p>
+            <a:r>
+              <a:rPr kumimoji="1" lang="ja-JP" altLang="en-US" sz="2400" dirty="0">
+                <a:latin typeface="ノスタルドット（M+）" panose="020B0302020203020207" pitchFamily="50" charset="-128"/>
+                <a:ea typeface="ノスタルドット（M+）" panose="020B0302020203020207" pitchFamily="50" charset="-128"/>
+              </a:rPr>
+              <a:t>狂気のデバッグ地獄！</a:t>
+            </a:r>
+          </a:p>
+        </p:txBody>
+      </p:sp>
+      <p:sp>
+        <p:nvSpPr>
+          <p:cNvPr id="23" name="テキスト ボックス 22">
+            <a:extLst>
+              <a:ext uri="{FF2B5EF4-FFF2-40B4-BE49-F238E27FC236}">
+                <a16:creationId xmlns:a16="http://schemas.microsoft.com/office/drawing/2014/main" id="{F1C42112-D85A-3B0C-6875-53C807DB1142}"/>
+              </a:ext>
+            </a:extLst>
+          </p:cNvPr>
+          <p:cNvSpPr txBox="1"/>
+          <p:nvPr/>
+        </p:nvSpPr>
+        <p:spPr>
+          <a:xfrm>
+            <a:off x="2349391" y="7741760"/>
+            <a:ext cx="4493538" cy="461665"/>
+          </a:xfrm>
+          <a:prstGeom prst="rect">
+            <a:avLst/>
+          </a:prstGeom>
+          <a:noFill/>
+        </p:spPr>
+        <p:txBody>
+          <a:bodyPr wrap="none" rtlCol="0">
+            <a:spAutoFit/>
+          </a:bodyPr>
+          <a:lstStyle/>
+          <a:p>
+            <a:r>
+              <a:rPr kumimoji="1" lang="ja-JP" altLang="en-US" sz="2400" dirty="0">
+                <a:latin typeface="ノスタルドット（M+）" panose="020B0302020203020207" pitchFamily="50" charset="-128"/>
+                <a:ea typeface="ノスタルドット（M+）" panose="020B0302020203020207" pitchFamily="50" charset="-128"/>
+              </a:rPr>
+              <a:t>減らないバグと減るメンバー？</a:t>
+            </a:r>
+          </a:p>
+        </p:txBody>
+      </p:sp>
+      <p:sp>
+        <p:nvSpPr>
+          <p:cNvPr id="24" name="テキスト ボックス 23">
+            <a:extLst>
+              <a:ext uri="{FF2B5EF4-FFF2-40B4-BE49-F238E27FC236}">
+                <a16:creationId xmlns:a16="http://schemas.microsoft.com/office/drawing/2014/main" id="{B5B757C0-CF87-4E6D-6977-20DFC4F2500C}"/>
+              </a:ext>
+            </a:extLst>
+          </p:cNvPr>
+          <p:cNvSpPr txBox="1"/>
+          <p:nvPr/>
+        </p:nvSpPr>
+        <p:spPr>
+          <a:xfrm rot="20748812">
+            <a:off x="311058" y="1091697"/>
+            <a:ext cx="2698175" cy="523220"/>
+          </a:xfrm>
+          <a:prstGeom prst="rect">
+            <a:avLst/>
+          </a:prstGeom>
+          <a:noFill/>
+        </p:spPr>
+        <p:txBody>
+          <a:bodyPr wrap="none" rtlCol="0">
+            <a:spAutoFit/>
+          </a:bodyPr>
+          <a:lstStyle/>
+          <a:p>
+            <a:r>
+              <a:rPr kumimoji="1" lang="ja-JP" altLang="en-US" sz="2800" dirty="0">
                 <a:solidFill>
                   <a:schemeClr val="bg1"/>
                 </a:solidFill>
@@ -5607,8 +6172,8 @@
                     </a:schemeClr>
                   </a:glow>
                 </a:effectLst>
-                <a:latin typeface="HG創英角ﾎﾟｯﾌﾟ体" panose="040B0A09000000000000" pitchFamily="49" charset="-128"/>
-                <a:ea typeface="HG創英角ﾎﾟｯﾌﾟ体" panose="040B0A09000000000000" pitchFamily="49" charset="-128"/>
+                <a:latin typeface="ノスタルドット（M+）" panose="020B0302020203020207" pitchFamily="50" charset="-128"/>
+                <a:ea typeface="ノスタルドット（M+）" panose="020B0302020203020207" pitchFamily="50" charset="-128"/>
               </a:rPr>
               <a:t>プロトタイプ版</a:t>
             </a:r>
@@ -5617,10 +6182,10 @@
       </p:sp>
       <p:sp>
         <p:nvSpPr>
-          <p:cNvPr id="11" name="テキスト ボックス 10">
+          <p:cNvPr id="25" name="テキスト ボックス 24">
             <a:extLst>
               <a:ext uri="{FF2B5EF4-FFF2-40B4-BE49-F238E27FC236}">
-                <a16:creationId xmlns:a16="http://schemas.microsoft.com/office/drawing/2014/main" id="{EEB0DA4C-81AD-BD8E-3012-DDD70B63F18B}"/>
+                <a16:creationId xmlns:a16="http://schemas.microsoft.com/office/drawing/2014/main" id="{6737D0D6-E726-6774-07CD-F1C0344E773A}"/>
               </a:ext>
             </a:extLst>
           </p:cNvPr>
@@ -5629,8 +6194,8 @@
         </p:nvSpPr>
         <p:spPr>
           <a:xfrm rot="20748812">
-            <a:off x="517890" y="3082062"/>
-            <a:ext cx="1723549" cy="461665"/>
+            <a:off x="389650" y="3228709"/>
+            <a:ext cx="1980029" cy="523220"/>
           </a:xfrm>
           <a:prstGeom prst="rect">
             <a:avLst/>
@@ -5644,7 +6209,7 @@
           <a:lstStyle/>
           <a:p>
             <a:r>
-              <a:rPr kumimoji="1" lang="ja-JP" altLang="en-US" sz="2400" dirty="0">
+              <a:rPr kumimoji="1" lang="ja-JP" altLang="en-US" sz="2800" dirty="0">
                 <a:solidFill>
                   <a:schemeClr val="bg1"/>
                 </a:solidFill>
@@ -5656,8 +6221,8 @@
                     </a:schemeClr>
                   </a:glow>
                 </a:effectLst>
-                <a:latin typeface="HG創英角ﾎﾟｯﾌﾟ体" panose="040B0A09000000000000" pitchFamily="49" charset="-128"/>
-                <a:ea typeface="HG創英角ﾎﾟｯﾌﾟ体" panose="040B0A09000000000000" pitchFamily="49" charset="-128"/>
+                <a:latin typeface="ノスタルドット（M+）" panose="020B0302020203020207" pitchFamily="50" charset="-128"/>
+                <a:ea typeface="ノスタルドット（M+）" panose="020B0302020203020207" pitchFamily="50" charset="-128"/>
               </a:rPr>
               <a:t>アルファ版</a:t>
             </a:r>
@@ -5666,10 +6231,10 @@
       </p:sp>
       <p:sp>
         <p:nvSpPr>
-          <p:cNvPr id="12" name="テキスト ボックス 11">
+          <p:cNvPr id="26" name="テキスト ボックス 25">
             <a:extLst>
               <a:ext uri="{FF2B5EF4-FFF2-40B4-BE49-F238E27FC236}">
-                <a16:creationId xmlns:a16="http://schemas.microsoft.com/office/drawing/2014/main" id="{B49DABBF-1007-0506-EDAF-135531DCA6C0}"/>
+                <a16:creationId xmlns:a16="http://schemas.microsoft.com/office/drawing/2014/main" id="{BCAC4980-259C-CA77-F02A-9F3AAA05C3B6}"/>
               </a:ext>
             </a:extLst>
           </p:cNvPr>
@@ -5678,8 +6243,8 @@
         </p:nvSpPr>
         <p:spPr>
           <a:xfrm rot="20748812">
-            <a:off x="517890" y="5212489"/>
-            <a:ext cx="1415772" cy="461665"/>
+            <a:off x="415298" y="5359136"/>
+            <a:ext cx="1620957" cy="523220"/>
           </a:xfrm>
           <a:prstGeom prst="rect">
             <a:avLst/>
@@ -5693,7 +6258,7 @@
           <a:lstStyle/>
           <a:p>
             <a:r>
-              <a:rPr kumimoji="1" lang="ja-JP" altLang="en-US" sz="2400" dirty="0">
+              <a:rPr kumimoji="1" lang="ja-JP" altLang="en-US" sz="2800" dirty="0">
                 <a:solidFill>
                   <a:schemeClr val="bg1"/>
                 </a:solidFill>
@@ -5705,8 +6270,8 @@
                     </a:schemeClr>
                   </a:glow>
                 </a:effectLst>
-                <a:latin typeface="HG創英角ﾎﾟｯﾌﾟ体" panose="040B0A09000000000000" pitchFamily="49" charset="-128"/>
-                <a:ea typeface="HG創英角ﾎﾟｯﾌﾟ体" panose="040B0A09000000000000" pitchFamily="49" charset="-128"/>
+                <a:latin typeface="ノスタルドット（M+）" panose="020B0302020203020207" pitchFamily="50" charset="-128"/>
+                <a:ea typeface="ノスタルドット（M+）" panose="020B0302020203020207" pitchFamily="50" charset="-128"/>
               </a:rPr>
               <a:t>ベータ版</a:t>
             </a:r>
@@ -5715,10 +6280,10 @@
       </p:sp>
       <p:sp>
         <p:nvSpPr>
-          <p:cNvPr id="13" name="テキスト ボックス 12">
+          <p:cNvPr id="27" name="テキスト ボックス 26">
             <a:extLst>
               <a:ext uri="{FF2B5EF4-FFF2-40B4-BE49-F238E27FC236}">
-                <a16:creationId xmlns:a16="http://schemas.microsoft.com/office/drawing/2014/main" id="{85080518-C12B-D7AA-9C6D-3BA7607A53E3}"/>
+                <a16:creationId xmlns:a16="http://schemas.microsoft.com/office/drawing/2014/main" id="{2A47BB33-F72D-4AE6-52FD-91031C8A8B9E}"/>
               </a:ext>
             </a:extLst>
           </p:cNvPr>
@@ -5727,8 +6292,8 @@
         </p:nvSpPr>
         <p:spPr>
           <a:xfrm rot="20748812">
-            <a:off x="531538" y="7404990"/>
-            <a:ext cx="1723549" cy="461665"/>
+            <a:off x="403298" y="7551637"/>
+            <a:ext cx="1980029" cy="523220"/>
           </a:xfrm>
           <a:prstGeom prst="rect">
             <a:avLst/>
@@ -5742,7 +6307,7 @@
           <a:lstStyle/>
           <a:p>
             <a:r>
-              <a:rPr kumimoji="1" lang="ja-JP" altLang="en-US" sz="2400" dirty="0">
+              <a:rPr kumimoji="1" lang="ja-JP" altLang="en-US" sz="2800" dirty="0">
                 <a:solidFill>
                   <a:schemeClr val="bg1"/>
                 </a:solidFill>
@@ -5754,322 +6319,11 @@
                     </a:schemeClr>
                   </a:glow>
                 </a:effectLst>
-                <a:latin typeface="HG創英角ﾎﾟｯﾌﾟ体" panose="040B0A09000000000000" pitchFamily="49" charset="-128"/>
-                <a:ea typeface="HG創英角ﾎﾟｯﾌﾟ体" panose="040B0A09000000000000" pitchFamily="49" charset="-128"/>
+                <a:latin typeface="ノスタルドット（M+）" panose="020B0302020203020207" pitchFamily="50" charset="-128"/>
+                <a:ea typeface="ノスタルドット（M+）" panose="020B0302020203020207" pitchFamily="50" charset="-128"/>
               </a:rPr>
               <a:t>マスター版</a:t>
             </a:r>
-          </a:p>
-        </p:txBody>
-      </p:sp>
-      <p:sp>
-        <p:nvSpPr>
-          <p:cNvPr id="14" name="テキスト ボックス 13">
-            <a:extLst>
-              <a:ext uri="{FF2B5EF4-FFF2-40B4-BE49-F238E27FC236}">
-                <a16:creationId xmlns:a16="http://schemas.microsoft.com/office/drawing/2014/main" id="{69E04068-9E2A-A4DF-46F8-3ADC57689DFE}"/>
-              </a:ext>
-            </a:extLst>
-          </p:cNvPr>
-          <p:cNvSpPr txBox="1"/>
-          <p:nvPr/>
-        </p:nvSpPr>
-        <p:spPr>
-          <a:xfrm>
-            <a:off x="2051042" y="1502949"/>
-            <a:ext cx="1569660" cy="369332"/>
-          </a:xfrm>
-          <a:prstGeom prst="rect">
-            <a:avLst/>
-          </a:prstGeom>
-          <a:noFill/>
-        </p:spPr>
-        <p:txBody>
-          <a:bodyPr wrap="none" rtlCol="0">
-            <a:spAutoFit/>
-          </a:bodyPr>
-          <a:lstStyle/>
-          <a:p>
-            <a:r>
-              <a:rPr kumimoji="1" lang="ja-JP" altLang="en-US" dirty="0"/>
-              <a:t>企画を完成！</a:t>
-            </a:r>
-          </a:p>
-        </p:txBody>
-      </p:sp>
-      <p:sp>
-        <p:nvSpPr>
-          <p:cNvPr id="15" name="テキスト ボックス 14">
-            <a:extLst>
-              <a:ext uri="{FF2B5EF4-FFF2-40B4-BE49-F238E27FC236}">
-                <a16:creationId xmlns:a16="http://schemas.microsoft.com/office/drawing/2014/main" id="{794E6551-7AE1-732D-C1DA-DF83444C6023}"/>
-              </a:ext>
-            </a:extLst>
-          </p:cNvPr>
-          <p:cNvSpPr txBox="1"/>
-          <p:nvPr/>
-        </p:nvSpPr>
-        <p:spPr>
-          <a:xfrm>
-            <a:off x="903520" y="1826960"/>
-            <a:ext cx="2492990" cy="646331"/>
-          </a:xfrm>
-          <a:prstGeom prst="rect">
-            <a:avLst/>
-          </a:prstGeom>
-          <a:noFill/>
-        </p:spPr>
-        <p:txBody>
-          <a:bodyPr wrap="none" rtlCol="0">
-            <a:spAutoFit/>
-          </a:bodyPr>
-          <a:lstStyle/>
-          <a:p>
-            <a:r>
-              <a:rPr kumimoji="1" lang="ja-JP" altLang="en-US" dirty="0"/>
-              <a:t>ひとまず原作を</a:t>
-            </a:r>
-            <a:endParaRPr kumimoji="1" lang="en-US" altLang="ja-JP" dirty="0"/>
-          </a:p>
-          <a:p>
-            <a:r>
-              <a:rPr kumimoji="1" lang="ja-JP" altLang="en-US" dirty="0"/>
-              <a:t>完全再現してみよう！</a:t>
-            </a:r>
-          </a:p>
-        </p:txBody>
-      </p:sp>
-      <p:sp>
-        <p:nvSpPr>
-          <p:cNvPr id="16" name="テキスト ボックス 15">
-            <a:extLst>
-              <a:ext uri="{FF2B5EF4-FFF2-40B4-BE49-F238E27FC236}">
-                <a16:creationId xmlns:a16="http://schemas.microsoft.com/office/drawing/2014/main" id="{0EF9468F-7AF5-B1E0-44BB-243DE977EC23}"/>
-              </a:ext>
-            </a:extLst>
-          </p:cNvPr>
-          <p:cNvSpPr txBox="1"/>
-          <p:nvPr/>
-        </p:nvSpPr>
-        <p:spPr>
-          <a:xfrm>
-            <a:off x="1267260" y="3712676"/>
-            <a:ext cx="1800493" cy="369332"/>
-          </a:xfrm>
-          <a:prstGeom prst="rect">
-            <a:avLst/>
-          </a:prstGeom>
-          <a:noFill/>
-        </p:spPr>
-        <p:txBody>
-          <a:bodyPr wrap="none" rtlCol="0">
-            <a:spAutoFit/>
-          </a:bodyPr>
-          <a:lstStyle/>
-          <a:p>
-            <a:r>
-              <a:rPr kumimoji="1" lang="ja-JP" altLang="en-US" dirty="0"/>
-              <a:t>新要素の実装！</a:t>
-            </a:r>
-          </a:p>
-        </p:txBody>
-      </p:sp>
-      <p:sp>
-        <p:nvSpPr>
-          <p:cNvPr id="17" name="テキスト ボックス 16">
-            <a:extLst>
-              <a:ext uri="{FF2B5EF4-FFF2-40B4-BE49-F238E27FC236}">
-                <a16:creationId xmlns:a16="http://schemas.microsoft.com/office/drawing/2014/main" id="{927F8DD1-F031-D7ED-DBA9-47B19DE691DF}"/>
-              </a:ext>
-            </a:extLst>
-          </p:cNvPr>
-          <p:cNvSpPr txBox="1"/>
-          <p:nvPr/>
-        </p:nvSpPr>
-        <p:spPr>
-          <a:xfrm>
-            <a:off x="864849" y="4040562"/>
-            <a:ext cx="2723823" cy="646331"/>
-          </a:xfrm>
-          <a:prstGeom prst="rect">
-            <a:avLst/>
-          </a:prstGeom>
-          <a:noFill/>
-        </p:spPr>
-        <p:txBody>
-          <a:bodyPr wrap="none" rtlCol="0">
-            <a:spAutoFit/>
-          </a:bodyPr>
-          <a:lstStyle/>
-          <a:p>
-            <a:r>
-              <a:rPr kumimoji="1" lang="ja-JP" altLang="en-US" dirty="0"/>
-              <a:t>原作の要素を残しつつ</a:t>
-            </a:r>
-            <a:endParaRPr kumimoji="1" lang="en-US" altLang="ja-JP" dirty="0"/>
-          </a:p>
-          <a:p>
-            <a:r>
-              <a:rPr kumimoji="1" lang="ja-JP" altLang="en-US" dirty="0"/>
-              <a:t>傾きを追加していこう！</a:t>
-            </a:r>
-            <a:endParaRPr kumimoji="1" lang="en-US" altLang="ja-JP" dirty="0"/>
-          </a:p>
-        </p:txBody>
-      </p:sp>
-      <p:sp>
-        <p:nvSpPr>
-          <p:cNvPr id="18" name="テキスト ボックス 17">
-            <a:extLst>
-              <a:ext uri="{FF2B5EF4-FFF2-40B4-BE49-F238E27FC236}">
-                <a16:creationId xmlns:a16="http://schemas.microsoft.com/office/drawing/2014/main" id="{75B97551-6FD1-00A1-7A44-AAF280E04258}"/>
-              </a:ext>
-            </a:extLst>
-          </p:cNvPr>
-          <p:cNvSpPr txBox="1"/>
-          <p:nvPr/>
-        </p:nvSpPr>
-        <p:spPr>
-          <a:xfrm>
-            <a:off x="1424894" y="5675437"/>
-            <a:ext cx="2031325" cy="369332"/>
-          </a:xfrm>
-          <a:prstGeom prst="rect">
-            <a:avLst/>
-          </a:prstGeom>
-          <a:noFill/>
-        </p:spPr>
-        <p:txBody>
-          <a:bodyPr wrap="none" rtlCol="0">
-            <a:spAutoFit/>
-          </a:bodyPr>
-          <a:lstStyle/>
-          <a:p>
-            <a:r>
-              <a:rPr kumimoji="1" lang="ja-JP" altLang="en-US" dirty="0"/>
-              <a:t>リソースの置換！</a:t>
-            </a:r>
-          </a:p>
-        </p:txBody>
-      </p:sp>
-      <p:sp>
-        <p:nvSpPr>
-          <p:cNvPr id="19" name="テキスト ボックス 18">
-            <a:extLst>
-              <a:ext uri="{FF2B5EF4-FFF2-40B4-BE49-F238E27FC236}">
-                <a16:creationId xmlns:a16="http://schemas.microsoft.com/office/drawing/2014/main" id="{FD6D874D-27DA-76F5-2FAC-85D615589FC8}"/>
-              </a:ext>
-            </a:extLst>
-          </p:cNvPr>
-          <p:cNvSpPr txBox="1"/>
-          <p:nvPr/>
-        </p:nvSpPr>
-        <p:spPr>
-          <a:xfrm>
-            <a:off x="818520" y="6044769"/>
-            <a:ext cx="4339650" cy="646331"/>
-          </a:xfrm>
-          <a:prstGeom prst="rect">
-            <a:avLst/>
-          </a:prstGeom>
-          <a:noFill/>
-        </p:spPr>
-        <p:txBody>
-          <a:bodyPr wrap="none" rtlCol="0">
-            <a:spAutoFit/>
-          </a:bodyPr>
-          <a:lstStyle/>
-          <a:p>
-            <a:r>
-              <a:rPr kumimoji="1" lang="ja-JP" altLang="en-US" dirty="0"/>
-              <a:t>仮で使っていたリソースを</a:t>
-            </a:r>
-            <a:endParaRPr kumimoji="1" lang="en-US" altLang="ja-JP" dirty="0"/>
-          </a:p>
-          <a:p>
-            <a:r>
-              <a:rPr kumimoji="1" lang="ja-JP" altLang="en-US" dirty="0"/>
-              <a:t>デビルやタマゴンに置き換えていこう！</a:t>
-            </a:r>
-            <a:endParaRPr kumimoji="1" lang="en-US" altLang="ja-JP" dirty="0"/>
-          </a:p>
-        </p:txBody>
-      </p:sp>
-      <p:sp>
-        <p:nvSpPr>
-          <p:cNvPr id="20" name="テキスト ボックス 19">
-            <a:extLst>
-              <a:ext uri="{FF2B5EF4-FFF2-40B4-BE49-F238E27FC236}">
-                <a16:creationId xmlns:a16="http://schemas.microsoft.com/office/drawing/2014/main" id="{6FD46044-E6EA-87FE-4617-996B5222F0FB}"/>
-              </a:ext>
-            </a:extLst>
-          </p:cNvPr>
-          <p:cNvSpPr txBox="1"/>
-          <p:nvPr/>
-        </p:nvSpPr>
-        <p:spPr>
-          <a:xfrm>
-            <a:off x="1435057" y="7867145"/>
-            <a:ext cx="2031325" cy="369332"/>
-          </a:xfrm>
-          <a:prstGeom prst="rect">
-            <a:avLst/>
-          </a:prstGeom>
-          <a:noFill/>
-        </p:spPr>
-        <p:txBody>
-          <a:bodyPr wrap="none" rtlCol="0">
-            <a:spAutoFit/>
-          </a:bodyPr>
-          <a:lstStyle/>
-          <a:p>
-            <a:r>
-              <a:rPr kumimoji="1" lang="ja-JP" altLang="en-US" dirty="0"/>
-              <a:t>デバッグタイム！</a:t>
-            </a:r>
-          </a:p>
-        </p:txBody>
-      </p:sp>
-      <p:sp>
-        <p:nvSpPr>
-          <p:cNvPr id="21" name="テキスト ボックス 20">
-            <a:extLst>
-              <a:ext uri="{FF2B5EF4-FFF2-40B4-BE49-F238E27FC236}">
-                <a16:creationId xmlns:a16="http://schemas.microsoft.com/office/drawing/2014/main" id="{8CFAB3B2-DD87-71C6-0728-2E60C044CDF7}"/>
-              </a:ext>
-            </a:extLst>
-          </p:cNvPr>
-          <p:cNvSpPr txBox="1"/>
-          <p:nvPr/>
-        </p:nvSpPr>
-        <p:spPr>
-          <a:xfrm>
-            <a:off x="724116" y="8272951"/>
-            <a:ext cx="4570482" cy="646331"/>
-          </a:xfrm>
-          <a:prstGeom prst="rect">
-            <a:avLst/>
-          </a:prstGeom>
-          <a:noFill/>
-        </p:spPr>
-        <p:txBody>
-          <a:bodyPr wrap="none" rtlCol="0">
-            <a:spAutoFit/>
-          </a:bodyPr>
-          <a:lstStyle/>
-          <a:p>
-            <a:r>
-              <a:rPr kumimoji="1" lang="ja-JP" altLang="en-US" dirty="0"/>
-              <a:t>シンプルなゲームだから少ないと思うけど</a:t>
-            </a:r>
-            <a:endParaRPr kumimoji="1" lang="en-US" altLang="ja-JP" dirty="0"/>
-          </a:p>
-          <a:p>
-            <a:r>
-              <a:rPr kumimoji="1" lang="ja-JP" altLang="en-US" dirty="0"/>
-              <a:t>とにかくバグを減らしていこう！</a:t>
-            </a:r>
-            <a:endParaRPr kumimoji="1" lang="en-US" altLang="ja-JP" dirty="0"/>
           </a:p>
         </p:txBody>
       </p:sp>
